--- a/IoT/시스템구성.pptx
+++ b/IoT/시스템구성.pptx
@@ -5,7 +5,10 @@
     <p:sldMasterId id="2147483648" r:id="rId1"/>
   </p:sldMasterIdLst>
   <p:sldIdLst>
-    <p:sldId id="363" r:id="rId2"/>
+    <p:sldId id="364" r:id="rId2"/>
+    <p:sldId id="366" r:id="rId3"/>
+    <p:sldId id="363" r:id="rId4"/>
+    <p:sldId id="367" r:id="rId5"/>
   </p:sldIdLst>
   <p:sldSz cx="12192000" cy="6858000"/>
   <p:notesSz cx="6858000" cy="9144000"/>
@@ -104,6 +107,11 @@
       </a:defRPr>
     </a:lvl9pPr>
   </p:defaultTextStyle>
+  <p:extLst>
+    <p:ext uri="{EFAFB233-063F-42B5-8137-9DF3F51BA10A}">
+      <p15:sldGuideLst xmlns:p15="http://schemas.microsoft.com/office/powerpoint/2012/main"/>
+    </p:ext>
+  </p:extLst>
 </p:presentation>
 </file>
 
@@ -3336,7 +3344,7 @@
         <p:spPr>
           <a:xfrm>
             <a:off x="145930" y="164326"/>
-            <a:ext cx="558166" cy="461665"/>
+            <a:ext cx="2762295" cy="461665"/>
           </a:xfrm>
           <a:prstGeom prst="rect">
             <a:avLst/>
@@ -3350,7 +3358,7 @@
           <a:lstStyle/>
           <a:p>
             <a:r>
-              <a:rPr lang="en-US" altLang="ko-KR" sz="2400" spc="-150" dirty="0">
+              <a:rPr lang="ko-KR" altLang="en-US" sz="2400" spc="-150" dirty="0">
                 <a:solidFill>
                   <a:schemeClr val="bg2">
                     <a:lumMod val="25000"/>
@@ -3359,17 +3367,8 @@
                 <a:latin typeface="+mj-ea"/>
                 <a:ea typeface="+mj-ea"/>
               </a:rPr>
-              <a:t>IoT</a:t>
-            </a:r>
-            <a:endParaRPr lang="ko-KR" altLang="en-US" sz="2400" spc="-150" dirty="0">
-              <a:solidFill>
-                <a:schemeClr val="bg2">
-                  <a:lumMod val="25000"/>
-                </a:schemeClr>
-              </a:solidFill>
-              <a:latin typeface="+mj-ea"/>
-              <a:ea typeface="+mj-ea"/>
-            </a:endParaRPr>
+              <a:t>기존 옷 데이터 저장</a:t>
+            </a:r>
           </a:p>
         </p:txBody>
       </p:sp>
@@ -3387,8 +3386,8 @@
         </p:nvSpPr>
         <p:spPr>
           <a:xfrm>
-            <a:off x="5965554" y="2836461"/>
-            <a:ext cx="987393" cy="1086701"/>
+            <a:off x="5825931" y="1760581"/>
+            <a:ext cx="954698" cy="779626"/>
           </a:xfrm>
           <a:prstGeom prst="can">
             <a:avLst/>
@@ -3441,10 +3440,10 @@
       </p:sp>
       <p:grpSp>
         <p:nvGrpSpPr>
-          <p:cNvPr id="70" name="그룹 69">
-            <a:extLst>
-              <a:ext uri="{FF2B5EF4-FFF2-40B4-BE49-F238E27FC236}">
-                <a16:creationId xmlns:a16="http://schemas.microsoft.com/office/drawing/2014/main" id="{EEC20B53-CB5D-467A-B977-3169514340B8}"/>
+          <p:cNvPr id="6" name="그룹 5">
+            <a:extLst>
+              <a:ext uri="{FF2B5EF4-FFF2-40B4-BE49-F238E27FC236}">
+                <a16:creationId xmlns:a16="http://schemas.microsoft.com/office/drawing/2014/main" id="{CBCBF58C-B1C5-4C9A-8100-16C42514A2AC}"/>
               </a:ext>
             </a:extLst>
           </p:cNvPr>
@@ -3453,565 +3452,8 @@
         </p:nvGrpSpPr>
         <p:grpSpPr>
           <a:xfrm>
-            <a:off x="1759670" y="4437598"/>
-            <a:ext cx="1602803" cy="1086701"/>
-            <a:chOff x="6096000" y="3943358"/>
-            <a:chExt cx="1548214" cy="1123058"/>
-          </a:xfrm>
-        </p:grpSpPr>
-        <p:sp>
-          <p:nvSpPr>
-            <p:cNvPr id="98" name="TextBox 97">
-              <a:extLst>
-                <a:ext uri="{FF2B5EF4-FFF2-40B4-BE49-F238E27FC236}">
-                  <a16:creationId xmlns:a16="http://schemas.microsoft.com/office/drawing/2014/main" id="{3CAF01D3-60DE-4181-A522-775D96FC723C}"/>
-                </a:ext>
-              </a:extLst>
-            </p:cNvPr>
-            <p:cNvSpPr txBox="1"/>
-            <p:nvPr/>
-          </p:nvSpPr>
-          <p:spPr>
-            <a:xfrm>
-              <a:off x="6380859" y="4334068"/>
-              <a:ext cx="1126302" cy="381688"/>
-            </a:xfrm>
-            <a:prstGeom prst="rect">
-              <a:avLst/>
-            </a:prstGeom>
-            <a:noFill/>
-          </p:spPr>
-          <p:txBody>
-            <a:bodyPr wrap="square" rtlCol="0">
-              <a:spAutoFit/>
-            </a:bodyPr>
-            <a:lstStyle/>
-            <a:p>
-              <a:r>
-                <a:rPr lang="en-US" altLang="ko-KR" dirty="0"/>
-                <a:t>Arduino</a:t>
-              </a:r>
-              <a:endParaRPr lang="ko-KR" altLang="en-US" dirty="0"/>
-            </a:p>
-          </p:txBody>
-        </p:sp>
-        <p:sp>
-          <p:nvSpPr>
-            <p:cNvPr id="99" name="직사각형 98">
-              <a:extLst>
-                <a:ext uri="{FF2B5EF4-FFF2-40B4-BE49-F238E27FC236}">
-                  <a16:creationId xmlns:a16="http://schemas.microsoft.com/office/drawing/2014/main" id="{5E14E888-0547-49F0-B828-0071CDAF3DFB}"/>
-                </a:ext>
-              </a:extLst>
-            </p:cNvPr>
-            <p:cNvSpPr/>
-            <p:nvPr/>
-          </p:nvSpPr>
-          <p:spPr>
-            <a:xfrm>
-              <a:off x="6096000" y="3943358"/>
-              <a:ext cx="1548214" cy="1123058"/>
-            </a:xfrm>
-            <a:prstGeom prst="rect">
-              <a:avLst/>
-            </a:prstGeom>
-            <a:noFill/>
-            <a:ln>
-              <a:solidFill>
-                <a:schemeClr val="tx1"/>
-              </a:solidFill>
-            </a:ln>
-          </p:spPr>
-          <p:style>
-            <a:lnRef idx="2">
-              <a:schemeClr val="accent1">
-                <a:shade val="50000"/>
-              </a:schemeClr>
-            </a:lnRef>
-            <a:fillRef idx="1">
-              <a:schemeClr val="accent1"/>
-            </a:fillRef>
-            <a:effectRef idx="0">
-              <a:schemeClr val="accent1"/>
-            </a:effectRef>
-            <a:fontRef idx="minor">
-              <a:schemeClr val="lt1"/>
-            </a:fontRef>
-          </p:style>
-          <p:txBody>
-            <a:bodyPr rtlCol="0" anchor="ctr"/>
-            <a:lstStyle/>
-            <a:p>
-              <a:pPr algn="ctr"/>
-              <a:endParaRPr lang="ko-KR" altLang="en-US"/>
-            </a:p>
-          </p:txBody>
-        </p:sp>
-      </p:grpSp>
-      <p:sp>
-        <p:nvSpPr>
-          <p:cNvPr id="73" name="타원 72">
-            <a:extLst>
-              <a:ext uri="{FF2B5EF4-FFF2-40B4-BE49-F238E27FC236}">
-                <a16:creationId xmlns:a16="http://schemas.microsoft.com/office/drawing/2014/main" id="{2E905291-BB6B-464E-BEC8-FCC5C08B09A1}"/>
-              </a:ext>
-            </a:extLst>
-          </p:cNvPr>
-          <p:cNvSpPr/>
-          <p:nvPr/>
-        </p:nvSpPr>
-        <p:spPr>
-          <a:xfrm>
-            <a:off x="661537" y="5773677"/>
-            <a:ext cx="1699381" cy="458332"/>
-          </a:xfrm>
-          <a:prstGeom prst="ellipse">
-            <a:avLst/>
-          </a:prstGeom>
-          <a:solidFill>
-            <a:schemeClr val="bg1"/>
-          </a:solidFill>
-          <a:ln>
-            <a:solidFill>
-              <a:schemeClr val="tx1"/>
-            </a:solidFill>
-          </a:ln>
-        </p:spPr>
-        <p:style>
-          <a:lnRef idx="2">
-            <a:schemeClr val="accent1">
-              <a:shade val="50000"/>
-            </a:schemeClr>
-          </a:lnRef>
-          <a:fillRef idx="1">
-            <a:schemeClr val="accent1"/>
-          </a:fillRef>
-          <a:effectRef idx="0">
-            <a:schemeClr val="accent1"/>
-          </a:effectRef>
-          <a:fontRef idx="minor">
-            <a:schemeClr val="lt1"/>
-          </a:fontRef>
-        </p:style>
-        <p:txBody>
-          <a:bodyPr rtlCol="0" anchor="ctr"/>
-          <a:lstStyle/>
-          <a:p>
-            <a:pPr algn="ctr"/>
-            <a:r>
-              <a:rPr lang="en-US" altLang="ko-KR" sz="1200" dirty="0">
-                <a:solidFill>
-                  <a:schemeClr val="tx1"/>
-                </a:solidFill>
-              </a:rPr>
-              <a:t>Temperature</a:t>
-            </a:r>
-            <a:endParaRPr lang="ko-KR" altLang="en-US" sz="1200" dirty="0">
-              <a:solidFill>
-                <a:schemeClr val="tx1"/>
-              </a:solidFill>
-            </a:endParaRPr>
-          </a:p>
-        </p:txBody>
-      </p:sp>
-      <p:cxnSp>
-        <p:nvCxnSpPr>
-          <p:cNvPr id="76" name="직선 연결선 75">
-            <a:extLst>
-              <a:ext uri="{FF2B5EF4-FFF2-40B4-BE49-F238E27FC236}">
-                <a16:creationId xmlns:a16="http://schemas.microsoft.com/office/drawing/2014/main" id="{8C920F9D-4058-4C27-AD8A-11D822C6B92A}"/>
-              </a:ext>
-            </a:extLst>
-          </p:cNvPr>
-          <p:cNvCxnSpPr>
-            <a:cxnSpLocks/>
-            <a:stCxn id="73" idx="0"/>
-            <a:endCxn id="99" idx="2"/>
-          </p:cNvCxnSpPr>
-          <p:nvPr/>
-        </p:nvCxnSpPr>
-        <p:spPr>
-          <a:xfrm flipV="1">
-            <a:off x="1511228" y="5524299"/>
-            <a:ext cx="1049844" cy="249378"/>
-          </a:xfrm>
-          <a:prstGeom prst="line">
-            <a:avLst/>
-          </a:prstGeom>
-        </p:spPr>
-        <p:style>
-          <a:lnRef idx="1">
-            <a:schemeClr val="dk1"/>
-          </a:lnRef>
-          <a:fillRef idx="0">
-            <a:schemeClr val="dk1"/>
-          </a:fillRef>
-          <a:effectRef idx="0">
-            <a:schemeClr val="dk1"/>
-          </a:effectRef>
-          <a:fontRef idx="minor">
-            <a:schemeClr val="tx1"/>
-          </a:fontRef>
-        </p:style>
-      </p:cxnSp>
-      <p:grpSp>
-        <p:nvGrpSpPr>
-          <p:cNvPr id="3" name="그룹 2">
-            <a:extLst>
-              <a:ext uri="{FF2B5EF4-FFF2-40B4-BE49-F238E27FC236}">
-                <a16:creationId xmlns:a16="http://schemas.microsoft.com/office/drawing/2014/main" id="{8DB4DAF2-CA16-48D8-BE5D-BFDFDDF5A425}"/>
-              </a:ext>
-            </a:extLst>
-          </p:cNvPr>
-          <p:cNvGrpSpPr/>
-          <p:nvPr/>
-        </p:nvGrpSpPr>
-        <p:grpSpPr>
-          <a:xfrm>
-            <a:off x="8640716" y="2104971"/>
-            <a:ext cx="2065075" cy="1818191"/>
-            <a:chOff x="8199900" y="1345427"/>
-            <a:chExt cx="2238496" cy="2131649"/>
-          </a:xfrm>
-        </p:grpSpPr>
-        <p:grpSp>
-          <p:nvGrpSpPr>
-            <p:cNvPr id="78" name="그룹 77">
-              <a:extLst>
-                <a:ext uri="{FF2B5EF4-FFF2-40B4-BE49-F238E27FC236}">
-                  <a16:creationId xmlns:a16="http://schemas.microsoft.com/office/drawing/2014/main" id="{8A915E2A-D477-456F-8BD1-14C4CD936A17}"/>
-                </a:ext>
-              </a:extLst>
-            </p:cNvPr>
-            <p:cNvGrpSpPr/>
-            <p:nvPr/>
-          </p:nvGrpSpPr>
-          <p:grpSpPr>
-            <a:xfrm>
-              <a:off x="8346884" y="2203027"/>
-              <a:ext cx="1746026" cy="1274049"/>
-              <a:chOff x="6096000" y="3943358"/>
-              <a:chExt cx="1555898" cy="1123058"/>
-            </a:xfrm>
-          </p:grpSpPr>
-          <p:sp>
-            <p:nvSpPr>
-              <p:cNvPr id="96" name="TextBox 95">
-                <a:extLst>
-                  <a:ext uri="{FF2B5EF4-FFF2-40B4-BE49-F238E27FC236}">
-                    <a16:creationId xmlns:a16="http://schemas.microsoft.com/office/drawing/2014/main" id="{B8B2FEF1-ABBB-424E-89E3-5BA3A9B9983E}"/>
-                  </a:ext>
-                </a:extLst>
-              </p:cNvPr>
-              <p:cNvSpPr txBox="1"/>
-              <p:nvPr/>
-            </p:nvSpPr>
-            <p:spPr>
-              <a:xfrm>
-                <a:off x="6231497" y="4314042"/>
-                <a:ext cx="1420401" cy="381688"/>
-              </a:xfrm>
-              <a:prstGeom prst="rect">
-                <a:avLst/>
-              </a:prstGeom>
-              <a:noFill/>
-            </p:spPr>
-            <p:txBody>
-              <a:bodyPr wrap="square" rtlCol="0">
-                <a:spAutoFit/>
-              </a:bodyPr>
-              <a:lstStyle/>
-              <a:p>
-                <a:r>
-                  <a:rPr lang="en-US" altLang="ko-KR" dirty="0"/>
-                  <a:t>Application</a:t>
-                </a:r>
-                <a:endParaRPr lang="ko-KR" altLang="en-US" dirty="0"/>
-              </a:p>
-            </p:txBody>
-          </p:sp>
-          <p:sp>
-            <p:nvSpPr>
-              <p:cNvPr id="97" name="직사각형 96">
-                <a:extLst>
-                  <a:ext uri="{FF2B5EF4-FFF2-40B4-BE49-F238E27FC236}">
-                    <a16:creationId xmlns:a16="http://schemas.microsoft.com/office/drawing/2014/main" id="{1E524784-102F-4C35-B3ED-1B0A60940D3F}"/>
-                  </a:ext>
-                </a:extLst>
-              </p:cNvPr>
-              <p:cNvSpPr/>
-              <p:nvPr/>
-            </p:nvSpPr>
-            <p:spPr>
-              <a:xfrm>
-                <a:off x="6096000" y="3943358"/>
-                <a:ext cx="1548214" cy="1123058"/>
-              </a:xfrm>
-              <a:prstGeom prst="rect">
-                <a:avLst/>
-              </a:prstGeom>
-              <a:noFill/>
-              <a:ln>
-                <a:solidFill>
-                  <a:schemeClr val="tx1"/>
-                </a:solidFill>
-              </a:ln>
-            </p:spPr>
-            <p:style>
-              <a:lnRef idx="2">
-                <a:schemeClr val="accent1">
-                  <a:shade val="50000"/>
-                </a:schemeClr>
-              </a:lnRef>
-              <a:fillRef idx="1">
-                <a:schemeClr val="accent1"/>
-              </a:fillRef>
-              <a:effectRef idx="0">
-                <a:schemeClr val="accent1"/>
-              </a:effectRef>
-              <a:fontRef idx="minor">
-                <a:schemeClr val="lt1"/>
-              </a:fontRef>
-            </p:style>
-            <p:txBody>
-              <a:bodyPr rtlCol="0" anchor="ctr"/>
-              <a:lstStyle/>
-              <a:p>
-                <a:pPr algn="ctr"/>
-                <a:endParaRPr lang="ko-KR" altLang="en-US"/>
-              </a:p>
-            </p:txBody>
-          </p:sp>
-        </p:grpSp>
-        <p:sp>
-          <p:nvSpPr>
-            <p:cNvPr id="79" name="타원 78">
-              <a:extLst>
-                <a:ext uri="{FF2B5EF4-FFF2-40B4-BE49-F238E27FC236}">
-                  <a16:creationId xmlns:a16="http://schemas.microsoft.com/office/drawing/2014/main" id="{7F2C2760-3B88-4BD9-9B28-315DF7A8B872}"/>
-                </a:ext>
-              </a:extLst>
-            </p:cNvPr>
-            <p:cNvSpPr/>
-            <p:nvPr/>
-          </p:nvSpPr>
-          <p:spPr>
-            <a:xfrm>
-              <a:off x="8199900" y="1345427"/>
-              <a:ext cx="1043881" cy="537349"/>
-            </a:xfrm>
-            <a:prstGeom prst="ellipse">
-              <a:avLst/>
-            </a:prstGeom>
-            <a:solidFill>
-              <a:schemeClr val="bg1"/>
-            </a:solidFill>
-            <a:ln>
-              <a:solidFill>
-                <a:schemeClr val="tx1"/>
-              </a:solidFill>
-            </a:ln>
-          </p:spPr>
-          <p:style>
-            <a:lnRef idx="2">
-              <a:schemeClr val="accent1">
-                <a:shade val="50000"/>
-              </a:schemeClr>
-            </a:lnRef>
-            <a:fillRef idx="1">
-              <a:schemeClr val="accent1"/>
-            </a:fillRef>
-            <a:effectRef idx="0">
-              <a:schemeClr val="accent1"/>
-            </a:effectRef>
-            <a:fontRef idx="minor">
-              <a:schemeClr val="lt1"/>
-            </a:fontRef>
-          </p:style>
-          <p:txBody>
-            <a:bodyPr rtlCol="0" anchor="ctr"/>
-            <a:lstStyle/>
-            <a:p>
-              <a:pPr algn="ctr"/>
-              <a:r>
-                <a:rPr lang="en-US" altLang="ko-KR" sz="1200" dirty="0">
-                  <a:solidFill>
-                    <a:schemeClr val="tx1"/>
-                  </a:solidFill>
-                </a:rPr>
-                <a:t>LCD</a:t>
-              </a:r>
-              <a:endParaRPr lang="ko-KR" altLang="en-US" sz="1200" dirty="0">
-                <a:solidFill>
-                  <a:schemeClr val="tx1"/>
-                </a:solidFill>
-              </a:endParaRPr>
-            </a:p>
-          </p:txBody>
-        </p:sp>
-        <p:sp>
-          <p:nvSpPr>
-            <p:cNvPr id="81" name="타원 80">
-              <a:extLst>
-                <a:ext uri="{FF2B5EF4-FFF2-40B4-BE49-F238E27FC236}">
-                  <a16:creationId xmlns:a16="http://schemas.microsoft.com/office/drawing/2014/main" id="{856D9BB8-9E43-4B0F-849C-1701B0B4A95B}"/>
-                </a:ext>
-              </a:extLst>
-            </p:cNvPr>
-            <p:cNvSpPr/>
-            <p:nvPr/>
-          </p:nvSpPr>
-          <p:spPr>
-            <a:xfrm>
-              <a:off x="9400867" y="1345427"/>
-              <a:ext cx="1037529" cy="537349"/>
-            </a:xfrm>
-            <a:prstGeom prst="ellipse">
-              <a:avLst/>
-            </a:prstGeom>
-            <a:solidFill>
-              <a:schemeClr val="bg1"/>
-            </a:solidFill>
-            <a:ln>
-              <a:solidFill>
-                <a:schemeClr val="tx1"/>
-              </a:solidFill>
-            </a:ln>
-          </p:spPr>
-          <p:style>
-            <a:lnRef idx="2">
-              <a:schemeClr val="accent1">
-                <a:shade val="50000"/>
-              </a:schemeClr>
-            </a:lnRef>
-            <a:fillRef idx="1">
-              <a:schemeClr val="accent1"/>
-            </a:fillRef>
-            <a:effectRef idx="0">
-              <a:schemeClr val="accent1"/>
-            </a:effectRef>
-            <a:fontRef idx="minor">
-              <a:schemeClr val="lt1"/>
-            </a:fontRef>
-          </p:style>
-          <p:txBody>
-            <a:bodyPr rtlCol="0" anchor="ctr"/>
-            <a:lstStyle/>
-            <a:p>
-              <a:pPr algn="ctr"/>
-              <a:r>
-                <a:rPr lang="en-US" altLang="ko-KR" sz="1200" dirty="0">
-                  <a:solidFill>
-                    <a:schemeClr val="tx1"/>
-                  </a:solidFill>
-                </a:rPr>
-                <a:t>UI/UX</a:t>
-              </a:r>
-              <a:endParaRPr lang="ko-KR" altLang="en-US" sz="1200" dirty="0">
-                <a:solidFill>
-                  <a:schemeClr val="tx1"/>
-                </a:solidFill>
-              </a:endParaRPr>
-            </a:p>
-          </p:txBody>
-        </p:sp>
-        <p:cxnSp>
-          <p:nvCxnSpPr>
-            <p:cNvPr id="82" name="직선 연결선 81">
-              <a:extLst>
-                <a:ext uri="{FF2B5EF4-FFF2-40B4-BE49-F238E27FC236}">
-                  <a16:creationId xmlns:a16="http://schemas.microsoft.com/office/drawing/2014/main" id="{43F5947B-5578-4510-B4B8-37F993220741}"/>
-                </a:ext>
-              </a:extLst>
-            </p:cNvPr>
-            <p:cNvCxnSpPr>
-              <a:cxnSpLocks/>
-              <a:stCxn id="79" idx="4"/>
-              <a:endCxn id="97" idx="0"/>
-            </p:cNvCxnSpPr>
-            <p:nvPr/>
-          </p:nvCxnSpPr>
-          <p:spPr>
-            <a:xfrm>
-              <a:off x="8721841" y="1882776"/>
-              <a:ext cx="493746" cy="320251"/>
-            </a:xfrm>
-            <a:prstGeom prst="line">
-              <a:avLst/>
-            </a:prstGeom>
-          </p:spPr>
-          <p:style>
-            <a:lnRef idx="1">
-              <a:schemeClr val="dk1"/>
-            </a:lnRef>
-            <a:fillRef idx="0">
-              <a:schemeClr val="dk1"/>
-            </a:fillRef>
-            <a:effectRef idx="0">
-              <a:schemeClr val="dk1"/>
-            </a:effectRef>
-            <a:fontRef idx="minor">
-              <a:schemeClr val="tx1"/>
-            </a:fontRef>
-          </p:style>
-        </p:cxnSp>
-        <p:cxnSp>
-          <p:nvCxnSpPr>
-            <p:cNvPr id="84" name="직선 연결선 83">
-              <a:extLst>
-                <a:ext uri="{FF2B5EF4-FFF2-40B4-BE49-F238E27FC236}">
-                  <a16:creationId xmlns:a16="http://schemas.microsoft.com/office/drawing/2014/main" id="{9AD18D52-B554-44EB-AEE0-5F8C64FD2FD4}"/>
-                </a:ext>
-              </a:extLst>
-            </p:cNvPr>
-            <p:cNvCxnSpPr>
-              <a:cxnSpLocks/>
-              <a:stCxn id="97" idx="0"/>
-              <a:endCxn id="81" idx="4"/>
-            </p:cNvCxnSpPr>
-            <p:nvPr/>
-          </p:nvCxnSpPr>
-          <p:spPr>
-            <a:xfrm flipV="1">
-              <a:off x="9215586" y="1882776"/>
-              <a:ext cx="704046" cy="320251"/>
-            </a:xfrm>
-            <a:prstGeom prst="line">
-              <a:avLst/>
-            </a:prstGeom>
-          </p:spPr>
-          <p:style>
-            <a:lnRef idx="1">
-              <a:schemeClr val="dk1"/>
-            </a:lnRef>
-            <a:fillRef idx="0">
-              <a:schemeClr val="dk1"/>
-            </a:fillRef>
-            <a:effectRef idx="0">
-              <a:schemeClr val="dk1"/>
-            </a:effectRef>
-            <a:fontRef idx="minor">
-              <a:schemeClr val="tx1"/>
-            </a:fontRef>
-          </p:style>
-        </p:cxnSp>
-      </p:grpSp>
-      <p:grpSp>
-        <p:nvGrpSpPr>
-          <p:cNvPr id="6" name="그룹 5">
-            <a:extLst>
-              <a:ext uri="{FF2B5EF4-FFF2-40B4-BE49-F238E27FC236}">
-                <a16:creationId xmlns:a16="http://schemas.microsoft.com/office/drawing/2014/main" id="{CBCBF58C-B1C5-4C9A-8100-16C42514A2AC}"/>
-              </a:ext>
-            </a:extLst>
-          </p:cNvPr>
-          <p:cNvGrpSpPr/>
-          <p:nvPr/>
-        </p:nvGrpSpPr>
-        <p:grpSpPr>
-          <a:xfrm>
-            <a:off x="1748962" y="1633980"/>
-            <a:ext cx="1626211" cy="2082572"/>
+            <a:off x="1748963" y="897891"/>
+            <a:ext cx="1572362" cy="1494089"/>
             <a:chOff x="2935220" y="3144252"/>
             <a:chExt cx="1762777" cy="2441610"/>
           </a:xfrm>
@@ -4232,12 +3674,790 @@
           </p:style>
         </p:cxnSp>
       </p:grpSp>
+      <p:sp>
+        <p:nvSpPr>
+          <p:cNvPr id="14" name="TextBox 13">
+            <a:extLst>
+              <a:ext uri="{FF2B5EF4-FFF2-40B4-BE49-F238E27FC236}">
+                <a16:creationId xmlns:a16="http://schemas.microsoft.com/office/drawing/2014/main" id="{3CDE2BB6-56BB-4D5D-A4C6-570B200E42AB}"/>
+              </a:ext>
+            </a:extLst>
+          </p:cNvPr>
+          <p:cNvSpPr txBox="1"/>
+          <p:nvPr/>
+        </p:nvSpPr>
+        <p:spPr>
+          <a:xfrm>
+            <a:off x="3928393" y="1823913"/>
+            <a:ext cx="1470653" cy="220807"/>
+          </a:xfrm>
+          <a:prstGeom prst="rect">
+            <a:avLst/>
+          </a:prstGeom>
+          <a:noFill/>
+        </p:spPr>
+        <p:txBody>
+          <a:bodyPr wrap="square" rtlCol="0">
+            <a:spAutoFit/>
+          </a:bodyPr>
+          <a:lstStyle/>
+          <a:p>
+            <a:r>
+              <a:rPr lang="en-US" altLang="ko-KR" sz="1400" dirty="0"/>
+              <a:t>Image Data</a:t>
+            </a:r>
+            <a:endParaRPr lang="ko-KR" altLang="en-US" sz="1400" dirty="0"/>
+          </a:p>
+        </p:txBody>
+      </p:sp>
+      <p:sp>
+        <p:nvSpPr>
+          <p:cNvPr id="15" name="TextBox 14">
+            <a:extLst>
+              <a:ext uri="{FF2B5EF4-FFF2-40B4-BE49-F238E27FC236}">
+                <a16:creationId xmlns:a16="http://schemas.microsoft.com/office/drawing/2014/main" id="{D844ADF2-BB59-452D-9988-229777843515}"/>
+              </a:ext>
+            </a:extLst>
+          </p:cNvPr>
+          <p:cNvSpPr txBox="1"/>
+          <p:nvPr/>
+        </p:nvSpPr>
+        <p:spPr>
+          <a:xfrm>
+            <a:off x="1914394" y="636273"/>
+            <a:ext cx="1264131" cy="220807"/>
+          </a:xfrm>
+          <a:prstGeom prst="rect">
+            <a:avLst/>
+          </a:prstGeom>
+          <a:noFill/>
+        </p:spPr>
+        <p:txBody>
+          <a:bodyPr wrap="square" rtlCol="0">
+            <a:spAutoFit/>
+          </a:bodyPr>
+          <a:lstStyle/>
+          <a:p>
+            <a:r>
+              <a:rPr lang="ko-KR" altLang="en-US" sz="1400" dirty="0"/>
+              <a:t>나의 옷 정보</a:t>
+            </a:r>
+            <a:endParaRPr lang="en-US" altLang="ko-KR" sz="1400" dirty="0"/>
+          </a:p>
+        </p:txBody>
+      </p:sp>
+      <p:sp>
+        <p:nvSpPr>
+          <p:cNvPr id="32" name="TextBox 31">
+            <a:extLst>
+              <a:ext uri="{FF2B5EF4-FFF2-40B4-BE49-F238E27FC236}">
+                <a16:creationId xmlns:a16="http://schemas.microsoft.com/office/drawing/2014/main" id="{6298B959-AF63-422F-BBA3-A14C8452D4A7}"/>
+              </a:ext>
+            </a:extLst>
+          </p:cNvPr>
+          <p:cNvSpPr txBox="1"/>
+          <p:nvPr/>
+        </p:nvSpPr>
+        <p:spPr>
+          <a:xfrm>
+            <a:off x="145930" y="2692839"/>
+            <a:ext cx="3050835" cy="461665"/>
+          </a:xfrm>
+          <a:prstGeom prst="rect">
+            <a:avLst/>
+          </a:prstGeom>
+          <a:noFill/>
+        </p:spPr>
+        <p:txBody>
+          <a:bodyPr wrap="none" rtlCol="0">
+            <a:spAutoFit/>
+          </a:bodyPr>
+          <a:lstStyle/>
+          <a:p>
+            <a:r>
+              <a:rPr lang="ko-KR" altLang="en-US" sz="2400" spc="-150" dirty="0">
+                <a:solidFill>
+                  <a:schemeClr val="bg2">
+                    <a:lumMod val="25000"/>
+                  </a:schemeClr>
+                </a:solidFill>
+                <a:latin typeface="+mj-ea"/>
+                <a:ea typeface="+mj-ea"/>
+              </a:rPr>
+              <a:t>현재 코디 유행도 평가</a:t>
+            </a:r>
+          </a:p>
+        </p:txBody>
+      </p:sp>
+      <p:sp>
+        <p:nvSpPr>
+          <p:cNvPr id="115" name="원통형 114">
+            <a:extLst>
+              <a:ext uri="{FF2B5EF4-FFF2-40B4-BE49-F238E27FC236}">
+                <a16:creationId xmlns:a16="http://schemas.microsoft.com/office/drawing/2014/main" id="{12403C1F-6DA5-4649-9863-0EF87CCC480A}"/>
+              </a:ext>
+            </a:extLst>
+          </p:cNvPr>
+          <p:cNvSpPr/>
+          <p:nvPr/>
+        </p:nvSpPr>
+        <p:spPr>
+          <a:xfrm>
+            <a:off x="5606319" y="4557924"/>
+            <a:ext cx="1041117" cy="858110"/>
+          </a:xfrm>
+          <a:prstGeom prst="can">
+            <a:avLst/>
+          </a:prstGeom>
+          <a:solidFill>
+            <a:schemeClr val="accent3">
+              <a:lumMod val="20000"/>
+              <a:lumOff val="80000"/>
+            </a:schemeClr>
+          </a:solidFill>
+          <a:ln>
+            <a:solidFill>
+              <a:schemeClr val="tx1"/>
+            </a:solidFill>
+          </a:ln>
+        </p:spPr>
+        <p:style>
+          <a:lnRef idx="2">
+            <a:schemeClr val="accent6"/>
+          </a:lnRef>
+          <a:fillRef idx="1">
+            <a:schemeClr val="lt1"/>
+          </a:fillRef>
+          <a:effectRef idx="0">
+            <a:schemeClr val="accent6"/>
+          </a:effectRef>
+          <a:fontRef idx="minor">
+            <a:schemeClr val="dk1"/>
+          </a:fontRef>
+        </p:style>
+        <p:txBody>
+          <a:bodyPr rtlCol="0" anchor="ctr"/>
+          <a:lstStyle/>
+          <a:p>
+            <a:pPr algn="ctr"/>
+            <a:r>
+              <a:rPr lang="en-US" altLang="ko-KR" dirty="0"/>
+              <a:t>AWS</a:t>
+            </a:r>
+            <a:br>
+              <a:rPr lang="en-US" altLang="ko-KR" dirty="0"/>
+            </a:br>
+            <a:r>
+              <a:rPr lang="en-US" altLang="ko-KR" dirty="0"/>
+              <a:t>AI </a:t>
+            </a:r>
+            <a:r>
+              <a:rPr lang="ko-KR" altLang="en-US" dirty="0"/>
+              <a:t>분석</a:t>
+            </a:r>
+          </a:p>
+        </p:txBody>
+      </p:sp>
+      <p:grpSp>
+        <p:nvGrpSpPr>
+          <p:cNvPr id="119" name="그룹 118">
+            <a:extLst>
+              <a:ext uri="{FF2B5EF4-FFF2-40B4-BE49-F238E27FC236}">
+                <a16:creationId xmlns:a16="http://schemas.microsoft.com/office/drawing/2014/main" id="{792DD850-BDAB-4854-921D-EB36A97F3977}"/>
+              </a:ext>
+            </a:extLst>
+          </p:cNvPr>
+          <p:cNvGrpSpPr/>
+          <p:nvPr/>
+        </p:nvGrpSpPr>
+        <p:grpSpPr>
+          <a:xfrm>
+            <a:off x="8194008" y="4197741"/>
+            <a:ext cx="2223116" cy="1180127"/>
+            <a:chOff x="8199900" y="1345427"/>
+            <a:chExt cx="2238496" cy="2131649"/>
+          </a:xfrm>
+        </p:grpSpPr>
+        <p:grpSp>
+          <p:nvGrpSpPr>
+            <p:cNvPr id="135" name="그룹 134">
+              <a:extLst>
+                <a:ext uri="{FF2B5EF4-FFF2-40B4-BE49-F238E27FC236}">
+                  <a16:creationId xmlns:a16="http://schemas.microsoft.com/office/drawing/2014/main" id="{48125FF5-983F-49A8-A476-AE379724291E}"/>
+                </a:ext>
+              </a:extLst>
+            </p:cNvPr>
+            <p:cNvGrpSpPr/>
+            <p:nvPr/>
+          </p:nvGrpSpPr>
+          <p:grpSpPr>
+            <a:xfrm>
+              <a:off x="8346882" y="2203027"/>
+              <a:ext cx="1783985" cy="1274049"/>
+              <a:chOff x="6096000" y="3943358"/>
+              <a:chExt cx="1589724" cy="1123058"/>
+            </a:xfrm>
+          </p:grpSpPr>
+          <p:sp>
+            <p:nvSpPr>
+              <p:cNvPr id="140" name="TextBox 139">
+                <a:extLst>
+                  <a:ext uri="{FF2B5EF4-FFF2-40B4-BE49-F238E27FC236}">
+                    <a16:creationId xmlns:a16="http://schemas.microsoft.com/office/drawing/2014/main" id="{1DD9A177-212F-4F9F-9B06-F4AD3A8FA6FD}"/>
+                  </a:ext>
+                </a:extLst>
+              </p:cNvPr>
+              <p:cNvSpPr txBox="1"/>
+              <p:nvPr/>
+            </p:nvSpPr>
+            <p:spPr>
+              <a:xfrm>
+                <a:off x="6265323" y="4200925"/>
+                <a:ext cx="1420401" cy="381689"/>
+              </a:xfrm>
+              <a:prstGeom prst="rect">
+                <a:avLst/>
+              </a:prstGeom>
+              <a:noFill/>
+            </p:spPr>
+            <p:txBody>
+              <a:bodyPr wrap="square" rtlCol="0">
+                <a:spAutoFit/>
+              </a:bodyPr>
+              <a:lstStyle/>
+              <a:p>
+                <a:r>
+                  <a:rPr lang="en-US" altLang="ko-KR" dirty="0"/>
+                  <a:t>Application</a:t>
+                </a:r>
+                <a:endParaRPr lang="ko-KR" altLang="en-US" dirty="0"/>
+              </a:p>
+            </p:txBody>
+          </p:sp>
+          <p:sp>
+            <p:nvSpPr>
+              <p:cNvPr id="141" name="직사각형 140">
+                <a:extLst>
+                  <a:ext uri="{FF2B5EF4-FFF2-40B4-BE49-F238E27FC236}">
+                    <a16:creationId xmlns:a16="http://schemas.microsoft.com/office/drawing/2014/main" id="{01AE2236-D5B1-4643-A679-9BD341C9B0F2}"/>
+                  </a:ext>
+                </a:extLst>
+              </p:cNvPr>
+              <p:cNvSpPr/>
+              <p:nvPr/>
+            </p:nvSpPr>
+            <p:spPr>
+              <a:xfrm>
+                <a:off x="6096000" y="3943358"/>
+                <a:ext cx="1548214" cy="1123058"/>
+              </a:xfrm>
+              <a:prstGeom prst="rect">
+                <a:avLst/>
+              </a:prstGeom>
+              <a:noFill/>
+              <a:ln>
+                <a:solidFill>
+                  <a:schemeClr val="tx1"/>
+                </a:solidFill>
+              </a:ln>
+            </p:spPr>
+            <p:style>
+              <a:lnRef idx="2">
+                <a:schemeClr val="accent1">
+                  <a:shade val="50000"/>
+                </a:schemeClr>
+              </a:lnRef>
+              <a:fillRef idx="1">
+                <a:schemeClr val="accent1"/>
+              </a:fillRef>
+              <a:effectRef idx="0">
+                <a:schemeClr val="accent1"/>
+              </a:effectRef>
+              <a:fontRef idx="minor">
+                <a:schemeClr val="lt1"/>
+              </a:fontRef>
+            </p:style>
+            <p:txBody>
+              <a:bodyPr rtlCol="0" anchor="ctr"/>
+              <a:lstStyle/>
+              <a:p>
+                <a:pPr algn="ctr"/>
+                <a:endParaRPr lang="ko-KR" altLang="en-US"/>
+              </a:p>
+            </p:txBody>
+          </p:sp>
+        </p:grpSp>
+        <p:sp>
+          <p:nvSpPr>
+            <p:cNvPr id="136" name="타원 135">
+              <a:extLst>
+                <a:ext uri="{FF2B5EF4-FFF2-40B4-BE49-F238E27FC236}">
+                  <a16:creationId xmlns:a16="http://schemas.microsoft.com/office/drawing/2014/main" id="{096F0F07-DA34-41E0-900A-B41C11AB12FC}"/>
+                </a:ext>
+              </a:extLst>
+            </p:cNvPr>
+            <p:cNvSpPr/>
+            <p:nvPr/>
+          </p:nvSpPr>
+          <p:spPr>
+            <a:xfrm>
+              <a:off x="8199900" y="1345427"/>
+              <a:ext cx="1043881" cy="537349"/>
+            </a:xfrm>
+            <a:prstGeom prst="ellipse">
+              <a:avLst/>
+            </a:prstGeom>
+            <a:solidFill>
+              <a:schemeClr val="bg1"/>
+            </a:solidFill>
+            <a:ln>
+              <a:solidFill>
+                <a:schemeClr val="tx1"/>
+              </a:solidFill>
+            </a:ln>
+          </p:spPr>
+          <p:style>
+            <a:lnRef idx="2">
+              <a:schemeClr val="accent1">
+                <a:shade val="50000"/>
+              </a:schemeClr>
+            </a:lnRef>
+            <a:fillRef idx="1">
+              <a:schemeClr val="accent1"/>
+            </a:fillRef>
+            <a:effectRef idx="0">
+              <a:schemeClr val="accent1"/>
+            </a:effectRef>
+            <a:fontRef idx="minor">
+              <a:schemeClr val="lt1"/>
+            </a:fontRef>
+          </p:style>
+          <p:txBody>
+            <a:bodyPr rtlCol="0" anchor="ctr"/>
+            <a:lstStyle/>
+            <a:p>
+              <a:pPr algn="ctr"/>
+              <a:r>
+                <a:rPr lang="en-US" altLang="ko-KR" sz="1200" dirty="0">
+                  <a:solidFill>
+                    <a:schemeClr val="tx1"/>
+                  </a:solidFill>
+                </a:rPr>
+                <a:t>LCD</a:t>
+              </a:r>
+              <a:endParaRPr lang="ko-KR" altLang="en-US" sz="1200" dirty="0">
+                <a:solidFill>
+                  <a:schemeClr val="tx1"/>
+                </a:solidFill>
+              </a:endParaRPr>
+            </a:p>
+          </p:txBody>
+        </p:sp>
+        <p:sp>
+          <p:nvSpPr>
+            <p:cNvPr id="137" name="타원 136">
+              <a:extLst>
+                <a:ext uri="{FF2B5EF4-FFF2-40B4-BE49-F238E27FC236}">
+                  <a16:creationId xmlns:a16="http://schemas.microsoft.com/office/drawing/2014/main" id="{0E54A275-38F5-40CC-923E-0B3A12733F60}"/>
+                </a:ext>
+              </a:extLst>
+            </p:cNvPr>
+            <p:cNvSpPr/>
+            <p:nvPr/>
+          </p:nvSpPr>
+          <p:spPr>
+            <a:xfrm>
+              <a:off x="9400867" y="1345427"/>
+              <a:ext cx="1037529" cy="537349"/>
+            </a:xfrm>
+            <a:prstGeom prst="ellipse">
+              <a:avLst/>
+            </a:prstGeom>
+            <a:solidFill>
+              <a:schemeClr val="bg1"/>
+            </a:solidFill>
+            <a:ln>
+              <a:solidFill>
+                <a:schemeClr val="tx1"/>
+              </a:solidFill>
+            </a:ln>
+          </p:spPr>
+          <p:style>
+            <a:lnRef idx="2">
+              <a:schemeClr val="accent1">
+                <a:shade val="50000"/>
+              </a:schemeClr>
+            </a:lnRef>
+            <a:fillRef idx="1">
+              <a:schemeClr val="accent1"/>
+            </a:fillRef>
+            <a:effectRef idx="0">
+              <a:schemeClr val="accent1"/>
+            </a:effectRef>
+            <a:fontRef idx="minor">
+              <a:schemeClr val="lt1"/>
+            </a:fontRef>
+          </p:style>
+          <p:txBody>
+            <a:bodyPr rtlCol="0" anchor="ctr"/>
+            <a:lstStyle/>
+            <a:p>
+              <a:pPr algn="ctr"/>
+              <a:r>
+                <a:rPr lang="en-US" altLang="ko-KR" sz="1200" dirty="0">
+                  <a:solidFill>
+                    <a:schemeClr val="tx1"/>
+                  </a:solidFill>
+                </a:rPr>
+                <a:t>UI/UX</a:t>
+              </a:r>
+              <a:endParaRPr lang="ko-KR" altLang="en-US" sz="1200" dirty="0">
+                <a:solidFill>
+                  <a:schemeClr val="tx1"/>
+                </a:solidFill>
+              </a:endParaRPr>
+            </a:p>
+          </p:txBody>
+        </p:sp>
+        <p:cxnSp>
+          <p:nvCxnSpPr>
+            <p:cNvPr id="138" name="직선 연결선 137">
+              <a:extLst>
+                <a:ext uri="{FF2B5EF4-FFF2-40B4-BE49-F238E27FC236}">
+                  <a16:creationId xmlns:a16="http://schemas.microsoft.com/office/drawing/2014/main" id="{A67D396D-E641-4907-A1EC-CC9D5F15953F}"/>
+                </a:ext>
+              </a:extLst>
+            </p:cNvPr>
+            <p:cNvCxnSpPr>
+              <a:cxnSpLocks/>
+              <a:stCxn id="136" idx="4"/>
+              <a:endCxn id="141" idx="0"/>
+            </p:cNvCxnSpPr>
+            <p:nvPr/>
+          </p:nvCxnSpPr>
+          <p:spPr>
+            <a:xfrm>
+              <a:off x="8721841" y="1882776"/>
+              <a:ext cx="493746" cy="320251"/>
+            </a:xfrm>
+            <a:prstGeom prst="line">
+              <a:avLst/>
+            </a:prstGeom>
+          </p:spPr>
+          <p:style>
+            <a:lnRef idx="1">
+              <a:schemeClr val="dk1"/>
+            </a:lnRef>
+            <a:fillRef idx="0">
+              <a:schemeClr val="dk1"/>
+            </a:fillRef>
+            <a:effectRef idx="0">
+              <a:schemeClr val="dk1"/>
+            </a:effectRef>
+            <a:fontRef idx="minor">
+              <a:schemeClr val="tx1"/>
+            </a:fontRef>
+          </p:style>
+        </p:cxnSp>
+        <p:cxnSp>
+          <p:nvCxnSpPr>
+            <p:cNvPr id="139" name="직선 연결선 138">
+              <a:extLst>
+                <a:ext uri="{FF2B5EF4-FFF2-40B4-BE49-F238E27FC236}">
+                  <a16:creationId xmlns:a16="http://schemas.microsoft.com/office/drawing/2014/main" id="{68EF597D-CF55-4FC1-A559-2AA1172A582D}"/>
+                </a:ext>
+              </a:extLst>
+            </p:cNvPr>
+            <p:cNvCxnSpPr>
+              <a:cxnSpLocks/>
+              <a:stCxn id="141" idx="0"/>
+              <a:endCxn id="137" idx="4"/>
+            </p:cNvCxnSpPr>
+            <p:nvPr/>
+          </p:nvCxnSpPr>
+          <p:spPr>
+            <a:xfrm flipV="1">
+              <a:off x="9215586" y="1882776"/>
+              <a:ext cx="704046" cy="320251"/>
+            </a:xfrm>
+            <a:prstGeom prst="line">
+              <a:avLst/>
+            </a:prstGeom>
+          </p:spPr>
+          <p:style>
+            <a:lnRef idx="1">
+              <a:schemeClr val="dk1"/>
+            </a:lnRef>
+            <a:fillRef idx="0">
+              <a:schemeClr val="dk1"/>
+            </a:fillRef>
+            <a:effectRef idx="0">
+              <a:schemeClr val="dk1"/>
+            </a:effectRef>
+            <a:fontRef idx="minor">
+              <a:schemeClr val="tx1"/>
+            </a:fontRef>
+          </p:style>
+        </p:cxnSp>
+      </p:grpSp>
+      <p:sp>
+        <p:nvSpPr>
+          <p:cNvPr id="124" name="TextBox 123">
+            <a:extLst>
+              <a:ext uri="{FF2B5EF4-FFF2-40B4-BE49-F238E27FC236}">
+                <a16:creationId xmlns:a16="http://schemas.microsoft.com/office/drawing/2014/main" id="{10A137B6-D721-41E1-84F1-E2D90C8F3D9C}"/>
+              </a:ext>
+            </a:extLst>
+          </p:cNvPr>
+          <p:cNvSpPr txBox="1"/>
+          <p:nvPr/>
+        </p:nvSpPr>
+        <p:spPr>
+          <a:xfrm>
+            <a:off x="6792639" y="4666110"/>
+            <a:ext cx="1363334" cy="199768"/>
+          </a:xfrm>
+          <a:prstGeom prst="rect">
+            <a:avLst/>
+          </a:prstGeom>
+          <a:noFill/>
+        </p:spPr>
+        <p:txBody>
+          <a:bodyPr wrap="square" rtlCol="0">
+            <a:spAutoFit/>
+          </a:bodyPr>
+          <a:lstStyle/>
+          <a:p>
+            <a:r>
+              <a:rPr lang="en-US" altLang="ko-KR" sz="1400" dirty="0"/>
+              <a:t>AI result Data</a:t>
+            </a:r>
+            <a:endParaRPr lang="ko-KR" altLang="en-US" sz="1400" dirty="0"/>
+          </a:p>
+        </p:txBody>
+      </p:sp>
+      <p:sp>
+        <p:nvSpPr>
+          <p:cNvPr id="144" name="원통형 143">
+            <a:extLst>
+              <a:ext uri="{FF2B5EF4-FFF2-40B4-BE49-F238E27FC236}">
+                <a16:creationId xmlns:a16="http://schemas.microsoft.com/office/drawing/2014/main" id="{4C43D1C1-D730-4123-8450-CE373B9BDB60}"/>
+              </a:ext>
+            </a:extLst>
+          </p:cNvPr>
+          <p:cNvSpPr/>
+          <p:nvPr/>
+        </p:nvSpPr>
+        <p:spPr>
+          <a:xfrm>
+            <a:off x="1914205" y="3471222"/>
+            <a:ext cx="987393" cy="1086701"/>
+          </a:xfrm>
+          <a:prstGeom prst="can">
+            <a:avLst/>
+          </a:prstGeom>
+          <a:solidFill>
+            <a:schemeClr val="accent3">
+              <a:lumMod val="20000"/>
+              <a:lumOff val="80000"/>
+            </a:schemeClr>
+          </a:solidFill>
+          <a:ln>
+            <a:solidFill>
+              <a:schemeClr val="tx1"/>
+            </a:solidFill>
+          </a:ln>
+        </p:spPr>
+        <p:style>
+          <a:lnRef idx="2">
+            <a:schemeClr val="accent6"/>
+          </a:lnRef>
+          <a:fillRef idx="1">
+            <a:schemeClr val="lt1"/>
+          </a:fillRef>
+          <a:effectRef idx="0">
+            <a:schemeClr val="accent6"/>
+          </a:effectRef>
+          <a:fontRef idx="minor">
+            <a:schemeClr val="dk1"/>
+          </a:fontRef>
+        </p:style>
+        <p:txBody>
+          <a:bodyPr rtlCol="0" anchor="ctr"/>
+          <a:lstStyle/>
+          <a:p>
+            <a:pPr algn="ctr"/>
+            <a:r>
+              <a:rPr lang="en-US" altLang="ko-KR" dirty="0"/>
+              <a:t>Image</a:t>
+            </a:r>
+            <a:br>
+              <a:rPr lang="en-US" altLang="ko-KR" dirty="0"/>
+            </a:br>
+            <a:r>
+              <a:rPr lang="en-US" altLang="ko-KR" dirty="0"/>
+              <a:t>Bigdata</a:t>
+            </a:r>
+            <a:endParaRPr lang="ko-KR" altLang="en-US" dirty="0"/>
+          </a:p>
+        </p:txBody>
+      </p:sp>
+      <p:sp>
+        <p:nvSpPr>
+          <p:cNvPr id="145" name="원통형 144">
+            <a:extLst>
+              <a:ext uri="{FF2B5EF4-FFF2-40B4-BE49-F238E27FC236}">
+                <a16:creationId xmlns:a16="http://schemas.microsoft.com/office/drawing/2014/main" id="{EABE8D5D-D305-41CE-BEFE-5C696704EC03}"/>
+              </a:ext>
+            </a:extLst>
+          </p:cNvPr>
+          <p:cNvSpPr/>
+          <p:nvPr/>
+        </p:nvSpPr>
+        <p:spPr>
+          <a:xfrm>
+            <a:off x="1914205" y="5245646"/>
+            <a:ext cx="987393" cy="1086701"/>
+          </a:xfrm>
+          <a:prstGeom prst="can">
+            <a:avLst/>
+          </a:prstGeom>
+          <a:solidFill>
+            <a:schemeClr val="accent3">
+              <a:lumMod val="20000"/>
+              <a:lumOff val="80000"/>
+            </a:schemeClr>
+          </a:solidFill>
+          <a:ln>
+            <a:solidFill>
+              <a:schemeClr val="tx1"/>
+            </a:solidFill>
+          </a:ln>
+        </p:spPr>
+        <p:style>
+          <a:lnRef idx="2">
+            <a:schemeClr val="accent6"/>
+          </a:lnRef>
+          <a:fillRef idx="1">
+            <a:schemeClr val="lt1"/>
+          </a:fillRef>
+          <a:effectRef idx="0">
+            <a:schemeClr val="accent6"/>
+          </a:effectRef>
+          <a:fontRef idx="minor">
+            <a:schemeClr val="dk1"/>
+          </a:fontRef>
+        </p:style>
+        <p:txBody>
+          <a:bodyPr rtlCol="0" anchor="ctr"/>
+          <a:lstStyle/>
+          <a:p>
+            <a:pPr algn="ctr"/>
+            <a:r>
+              <a:rPr lang="en-US" altLang="ko-KR" dirty="0"/>
+              <a:t>AWS</a:t>
+            </a:r>
+            <a:br>
+              <a:rPr lang="en-US" altLang="ko-KR" dirty="0"/>
+            </a:br>
+            <a:r>
+              <a:rPr lang="en-US" altLang="ko-KR" dirty="0"/>
+              <a:t>IoT</a:t>
+            </a:r>
+            <a:endParaRPr lang="ko-KR" altLang="en-US" dirty="0"/>
+          </a:p>
+        </p:txBody>
+      </p:sp>
+      <p:sp>
+        <p:nvSpPr>
+          <p:cNvPr id="146" name="TextBox 145">
+            <a:extLst>
+              <a:ext uri="{FF2B5EF4-FFF2-40B4-BE49-F238E27FC236}">
+                <a16:creationId xmlns:a16="http://schemas.microsoft.com/office/drawing/2014/main" id="{022A6677-06A5-4B22-A30C-346D4CF95CA5}"/>
+              </a:ext>
+            </a:extLst>
+          </p:cNvPr>
+          <p:cNvSpPr txBox="1"/>
+          <p:nvPr/>
+        </p:nvSpPr>
+        <p:spPr>
+          <a:xfrm>
+            <a:off x="1800947" y="6440030"/>
+            <a:ext cx="1307424" cy="307777"/>
+          </a:xfrm>
+          <a:prstGeom prst="rect">
+            <a:avLst/>
+          </a:prstGeom>
+          <a:noFill/>
+        </p:spPr>
+        <p:txBody>
+          <a:bodyPr wrap="square" rtlCol="0">
+            <a:spAutoFit/>
+          </a:bodyPr>
+          <a:lstStyle/>
+          <a:p>
+            <a:r>
+              <a:rPr lang="ko-KR" altLang="en-US" sz="1400" dirty="0"/>
+              <a:t>나의 옷 정보</a:t>
+            </a:r>
+            <a:endParaRPr lang="en-US" altLang="ko-KR" sz="1400" dirty="0"/>
+          </a:p>
+        </p:txBody>
+      </p:sp>
+      <p:sp>
+        <p:nvSpPr>
+          <p:cNvPr id="147" name="TextBox 146">
+            <a:extLst>
+              <a:ext uri="{FF2B5EF4-FFF2-40B4-BE49-F238E27FC236}">
+                <a16:creationId xmlns:a16="http://schemas.microsoft.com/office/drawing/2014/main" id="{65069309-8715-4165-970F-9C5FA6B1129C}"/>
+              </a:ext>
+            </a:extLst>
+          </p:cNvPr>
+          <p:cNvSpPr txBox="1"/>
+          <p:nvPr/>
+        </p:nvSpPr>
+        <p:spPr>
+          <a:xfrm>
+            <a:off x="1705786" y="4646376"/>
+            <a:ext cx="1497745" cy="307777"/>
+          </a:xfrm>
+          <a:prstGeom prst="rect">
+            <a:avLst/>
+          </a:prstGeom>
+          <a:noFill/>
+        </p:spPr>
+        <p:txBody>
+          <a:bodyPr wrap="square" rtlCol="0">
+            <a:spAutoFit/>
+          </a:bodyPr>
+          <a:lstStyle/>
+          <a:p>
+            <a:r>
+              <a:rPr lang="ko-KR" altLang="en-US" sz="1400"/>
+              <a:t>옷 </a:t>
+            </a:r>
+            <a:r>
+              <a:rPr lang="en-US" altLang="ko-KR" sz="1400" dirty="0" err="1"/>
+              <a:t>BigData</a:t>
+            </a:r>
+            <a:r>
+              <a:rPr lang="en-US" altLang="ko-KR" sz="1400" dirty="0"/>
+              <a:t> </a:t>
+            </a:r>
+            <a:r>
+              <a:rPr lang="ko-KR" altLang="en-US" sz="1400" dirty="0"/>
+              <a:t>정보</a:t>
+            </a:r>
+            <a:endParaRPr lang="en-US" altLang="ko-KR" sz="1400" dirty="0"/>
+          </a:p>
+        </p:txBody>
+      </p:sp>
       <p:cxnSp>
         <p:nvCxnSpPr>
-          <p:cNvPr id="92" name="직선 화살표 연결선 91">
-            <a:extLst>
-              <a:ext uri="{FF2B5EF4-FFF2-40B4-BE49-F238E27FC236}">
-                <a16:creationId xmlns:a16="http://schemas.microsoft.com/office/drawing/2014/main" id="{F179F2A7-64BA-47BA-92F7-3B378E5F1F42}"/>
+          <p:cNvPr id="148" name="직선 화살표 연결선 147">
+            <a:extLst>
+              <a:ext uri="{FF2B5EF4-FFF2-40B4-BE49-F238E27FC236}">
+                <a16:creationId xmlns:a16="http://schemas.microsoft.com/office/drawing/2014/main" id="{804C4758-467D-4F71-96A3-0E6535FFCA3A}"/>
               </a:ext>
             </a:extLst>
           </p:cNvPr>
@@ -4248,8 +4468,8 @@
         </p:nvCxnSpPr>
         <p:spPr>
           <a:xfrm>
-            <a:off x="3375173" y="3396591"/>
-            <a:ext cx="2479178" cy="0"/>
+            <a:off x="3298692" y="5070932"/>
+            <a:ext cx="2190595" cy="11224"/>
           </a:xfrm>
           <a:prstGeom prst="straightConnector1">
             <a:avLst/>
@@ -4258,7 +4478,6 @@
             <a:solidFill>
               <a:schemeClr val="tx1"/>
             </a:solidFill>
-            <a:headEnd type="triangle"/>
             <a:tailEnd type="triangle"/>
           </a:ln>
         </p:spPr>
@@ -4279,10 +4498,10 @@
       </p:cxnSp>
       <p:cxnSp>
         <p:nvCxnSpPr>
-          <p:cNvPr id="93" name="직선 화살표 연결선 92">
-            <a:extLst>
-              <a:ext uri="{FF2B5EF4-FFF2-40B4-BE49-F238E27FC236}">
-                <a16:creationId xmlns:a16="http://schemas.microsoft.com/office/drawing/2014/main" id="{3377F0F0-875E-4493-9688-6654D4F8FDB2}"/>
+          <p:cNvPr id="149" name="직선 화살표 연결선 148">
+            <a:extLst>
+              <a:ext uri="{FF2B5EF4-FFF2-40B4-BE49-F238E27FC236}">
+                <a16:creationId xmlns:a16="http://schemas.microsoft.com/office/drawing/2014/main" id="{6CF8E8B1-32DC-49A7-BF69-9B6DEAF44FF8}"/>
               </a:ext>
             </a:extLst>
           </p:cNvPr>
@@ -4293,8 +4512,8 @@
         </p:nvCxnSpPr>
         <p:spPr>
           <a:xfrm>
-            <a:off x="7070711" y="3396591"/>
-            <a:ext cx="1705601" cy="0"/>
+            <a:off x="3321325" y="2150394"/>
+            <a:ext cx="2453806" cy="11224"/>
           </a:xfrm>
           <a:prstGeom prst="straightConnector1">
             <a:avLst/>
@@ -4303,7 +4522,6 @@
             <a:solidFill>
               <a:schemeClr val="tx1"/>
             </a:solidFill>
-            <a:headEnd type="triangle"/>
             <a:tailEnd type="triangle"/>
           </a:ln>
         </p:spPr>
@@ -4322,12 +4540,56 @@
           </a:fontRef>
         </p:style>
       </p:cxnSp>
-      <p:sp>
-        <p:nvSpPr>
-          <p:cNvPr id="2" name="TextBox 1">
-            <a:extLst>
-              <a:ext uri="{FF2B5EF4-FFF2-40B4-BE49-F238E27FC236}">
-                <a16:creationId xmlns:a16="http://schemas.microsoft.com/office/drawing/2014/main" id="{C89E8090-B48C-472D-BE93-AE35FFD5B472}"/>
+      <p:cxnSp>
+        <p:nvCxnSpPr>
+          <p:cNvPr id="150" name="직선 화살표 연결선 149">
+            <a:extLst>
+              <a:ext uri="{FF2B5EF4-FFF2-40B4-BE49-F238E27FC236}">
+                <a16:creationId xmlns:a16="http://schemas.microsoft.com/office/drawing/2014/main" id="{E5F6B5C5-6FD6-48E8-A585-58ABFF75D716}"/>
+              </a:ext>
+            </a:extLst>
+          </p:cNvPr>
+          <p:cNvCxnSpPr>
+            <a:cxnSpLocks/>
+          </p:cNvCxnSpPr>
+          <p:nvPr/>
+        </p:nvCxnSpPr>
+        <p:spPr>
+          <a:xfrm>
+            <a:off x="6836144" y="5009992"/>
+            <a:ext cx="1342049" cy="30410"/>
+          </a:xfrm>
+          <a:prstGeom prst="straightConnector1">
+            <a:avLst/>
+          </a:prstGeom>
+          <a:ln w="57150">
+            <a:solidFill>
+              <a:schemeClr val="tx1"/>
+            </a:solidFill>
+            <a:tailEnd type="triangle"/>
+          </a:ln>
+        </p:spPr>
+        <p:style>
+          <a:lnRef idx="1">
+            <a:schemeClr val="accent1"/>
+          </a:lnRef>
+          <a:fillRef idx="0">
+            <a:schemeClr val="accent1"/>
+          </a:fillRef>
+          <a:effectRef idx="0">
+            <a:schemeClr val="accent1"/>
+          </a:effectRef>
+          <a:fontRef idx="minor">
+            <a:schemeClr val="tx1"/>
+          </a:fontRef>
+        </p:style>
+      </p:cxnSp>
+      <p:sp>
+        <p:nvSpPr>
+          <p:cNvPr id="151" name="TextBox 150">
+            <a:extLst>
+              <a:ext uri="{FF2B5EF4-FFF2-40B4-BE49-F238E27FC236}">
+                <a16:creationId xmlns:a16="http://schemas.microsoft.com/office/drawing/2014/main" id="{E4960335-8DF1-4896-9C9D-7EAD7C172754}"/>
               </a:ext>
             </a:extLst>
           </p:cNvPr>
@@ -4336,7 +4598,1690 @@
         </p:nvSpPr>
         <p:spPr>
           <a:xfrm>
-            <a:off x="3818477" y="3462553"/>
+            <a:off x="6647436" y="5124373"/>
+            <a:ext cx="1725466" cy="307777"/>
+          </a:xfrm>
+          <a:prstGeom prst="rect">
+            <a:avLst/>
+          </a:prstGeom>
+          <a:noFill/>
+        </p:spPr>
+        <p:txBody>
+          <a:bodyPr wrap="square" rtlCol="0">
+            <a:spAutoFit/>
+          </a:bodyPr>
+          <a:lstStyle/>
+          <a:p>
+            <a:r>
+              <a:rPr lang="ko-KR" altLang="en-US" sz="1400" dirty="0"/>
+              <a:t>코디 유행도 평가</a:t>
+            </a:r>
+            <a:endParaRPr lang="en-US" altLang="ko-KR" sz="1400" dirty="0"/>
+          </a:p>
+        </p:txBody>
+      </p:sp>
+    </p:spTree>
+    <p:extLst>
+      <p:ext uri="{BB962C8B-B14F-4D97-AF65-F5344CB8AC3E}">
+        <p14:creationId xmlns:p14="http://schemas.microsoft.com/office/powerpoint/2010/main" val="1447606923"/>
+      </p:ext>
+    </p:extLst>
+  </p:cSld>
+  <p:clrMapOvr>
+    <a:masterClrMapping/>
+  </p:clrMapOvr>
+</p:sld>
+</file>
+
+<file path=ppt/slides/slide2.xml><?xml version="1.0" encoding="utf-8"?>
+<p:sld xmlns:a="http://schemas.openxmlformats.org/drawingml/2006/main" xmlns:r="http://schemas.openxmlformats.org/officeDocument/2006/relationships" xmlns:p="http://schemas.openxmlformats.org/presentationml/2006/main">
+  <p:cSld>
+    <p:spTree>
+      <p:nvGrpSpPr>
+        <p:cNvPr id="1" name=""/>
+        <p:cNvGrpSpPr/>
+        <p:nvPr/>
+      </p:nvGrpSpPr>
+      <p:grpSpPr>
+        <a:xfrm>
+          <a:off x="0" y="0"/>
+          <a:ext cx="0" cy="0"/>
+          <a:chOff x="0" y="0"/>
+          <a:chExt cx="0" cy="0"/>
+        </a:xfrm>
+      </p:grpSpPr>
+      <p:sp>
+        <p:nvSpPr>
+          <p:cNvPr id="32" name="TextBox 31">
+            <a:extLst>
+              <a:ext uri="{FF2B5EF4-FFF2-40B4-BE49-F238E27FC236}">
+                <a16:creationId xmlns:a16="http://schemas.microsoft.com/office/drawing/2014/main" id="{6298B959-AF63-422F-BBA3-A14C8452D4A7}"/>
+              </a:ext>
+            </a:extLst>
+          </p:cNvPr>
+          <p:cNvSpPr txBox="1"/>
+          <p:nvPr/>
+        </p:nvSpPr>
+        <p:spPr>
+          <a:xfrm>
+            <a:off x="145930" y="202857"/>
+            <a:ext cx="2383986" cy="461665"/>
+          </a:xfrm>
+          <a:prstGeom prst="rect">
+            <a:avLst/>
+          </a:prstGeom>
+          <a:noFill/>
+        </p:spPr>
+        <p:txBody>
+          <a:bodyPr wrap="none" rtlCol="0">
+            <a:spAutoFit/>
+          </a:bodyPr>
+          <a:lstStyle/>
+          <a:p>
+            <a:r>
+              <a:rPr lang="ko-KR" altLang="en-US" sz="2400" spc="-150" dirty="0">
+                <a:solidFill>
+                  <a:schemeClr val="bg2">
+                    <a:lumMod val="25000"/>
+                  </a:schemeClr>
+                </a:solidFill>
+                <a:latin typeface="+mj-ea"/>
+                <a:ea typeface="+mj-ea"/>
+              </a:rPr>
+              <a:t>어울리는 옷 추천</a:t>
+            </a:r>
+          </a:p>
+        </p:txBody>
+      </p:sp>
+      <p:sp>
+        <p:nvSpPr>
+          <p:cNvPr id="115" name="원통형 114">
+            <a:extLst>
+              <a:ext uri="{FF2B5EF4-FFF2-40B4-BE49-F238E27FC236}">
+                <a16:creationId xmlns:a16="http://schemas.microsoft.com/office/drawing/2014/main" id="{12403C1F-6DA5-4649-9863-0EF87CCC480A}"/>
+              </a:ext>
+            </a:extLst>
+          </p:cNvPr>
+          <p:cNvSpPr/>
+          <p:nvPr/>
+        </p:nvSpPr>
+        <p:spPr>
+          <a:xfrm>
+            <a:off x="5606319" y="2067942"/>
+            <a:ext cx="1041117" cy="858110"/>
+          </a:xfrm>
+          <a:prstGeom prst="can">
+            <a:avLst/>
+          </a:prstGeom>
+          <a:solidFill>
+            <a:schemeClr val="accent3">
+              <a:lumMod val="20000"/>
+              <a:lumOff val="80000"/>
+            </a:schemeClr>
+          </a:solidFill>
+          <a:ln>
+            <a:solidFill>
+              <a:schemeClr val="tx1"/>
+            </a:solidFill>
+          </a:ln>
+        </p:spPr>
+        <p:style>
+          <a:lnRef idx="2">
+            <a:schemeClr val="accent6"/>
+          </a:lnRef>
+          <a:fillRef idx="1">
+            <a:schemeClr val="lt1"/>
+          </a:fillRef>
+          <a:effectRef idx="0">
+            <a:schemeClr val="accent6"/>
+          </a:effectRef>
+          <a:fontRef idx="minor">
+            <a:schemeClr val="dk1"/>
+          </a:fontRef>
+        </p:style>
+        <p:txBody>
+          <a:bodyPr rtlCol="0" anchor="ctr"/>
+          <a:lstStyle/>
+          <a:p>
+            <a:pPr algn="ctr"/>
+            <a:r>
+              <a:rPr lang="en-US" altLang="ko-KR" dirty="0"/>
+              <a:t>AWS</a:t>
+            </a:r>
+            <a:br>
+              <a:rPr lang="en-US" altLang="ko-KR" dirty="0"/>
+            </a:br>
+            <a:r>
+              <a:rPr lang="en-US" altLang="ko-KR" dirty="0"/>
+              <a:t>AI </a:t>
+            </a:r>
+            <a:r>
+              <a:rPr lang="ko-KR" altLang="en-US" dirty="0"/>
+              <a:t>분석</a:t>
+            </a:r>
+          </a:p>
+        </p:txBody>
+      </p:sp>
+      <p:grpSp>
+        <p:nvGrpSpPr>
+          <p:cNvPr id="119" name="그룹 118">
+            <a:extLst>
+              <a:ext uri="{FF2B5EF4-FFF2-40B4-BE49-F238E27FC236}">
+                <a16:creationId xmlns:a16="http://schemas.microsoft.com/office/drawing/2014/main" id="{792DD850-BDAB-4854-921D-EB36A97F3977}"/>
+              </a:ext>
+            </a:extLst>
+          </p:cNvPr>
+          <p:cNvGrpSpPr/>
+          <p:nvPr/>
+        </p:nvGrpSpPr>
+        <p:grpSpPr>
+          <a:xfrm>
+            <a:off x="8194008" y="1707759"/>
+            <a:ext cx="2223116" cy="1180127"/>
+            <a:chOff x="8199900" y="1345427"/>
+            <a:chExt cx="2238496" cy="2131649"/>
+          </a:xfrm>
+        </p:grpSpPr>
+        <p:grpSp>
+          <p:nvGrpSpPr>
+            <p:cNvPr id="135" name="그룹 134">
+              <a:extLst>
+                <a:ext uri="{FF2B5EF4-FFF2-40B4-BE49-F238E27FC236}">
+                  <a16:creationId xmlns:a16="http://schemas.microsoft.com/office/drawing/2014/main" id="{48125FF5-983F-49A8-A476-AE379724291E}"/>
+                </a:ext>
+              </a:extLst>
+            </p:cNvPr>
+            <p:cNvGrpSpPr/>
+            <p:nvPr/>
+          </p:nvGrpSpPr>
+          <p:grpSpPr>
+            <a:xfrm>
+              <a:off x="8346882" y="2203027"/>
+              <a:ext cx="1783985" cy="1274049"/>
+              <a:chOff x="6096000" y="3943358"/>
+              <a:chExt cx="1589724" cy="1123058"/>
+            </a:xfrm>
+          </p:grpSpPr>
+          <p:sp>
+            <p:nvSpPr>
+              <p:cNvPr id="140" name="TextBox 139">
+                <a:extLst>
+                  <a:ext uri="{FF2B5EF4-FFF2-40B4-BE49-F238E27FC236}">
+                    <a16:creationId xmlns:a16="http://schemas.microsoft.com/office/drawing/2014/main" id="{1DD9A177-212F-4F9F-9B06-F4AD3A8FA6FD}"/>
+                  </a:ext>
+                </a:extLst>
+              </p:cNvPr>
+              <p:cNvSpPr txBox="1"/>
+              <p:nvPr/>
+            </p:nvSpPr>
+            <p:spPr>
+              <a:xfrm>
+                <a:off x="6265323" y="4200925"/>
+                <a:ext cx="1420401" cy="381689"/>
+              </a:xfrm>
+              <a:prstGeom prst="rect">
+                <a:avLst/>
+              </a:prstGeom>
+              <a:noFill/>
+            </p:spPr>
+            <p:txBody>
+              <a:bodyPr wrap="square" rtlCol="0">
+                <a:spAutoFit/>
+              </a:bodyPr>
+              <a:lstStyle/>
+              <a:p>
+                <a:r>
+                  <a:rPr lang="en-US" altLang="ko-KR" dirty="0"/>
+                  <a:t>Application</a:t>
+                </a:r>
+                <a:endParaRPr lang="ko-KR" altLang="en-US" dirty="0"/>
+              </a:p>
+            </p:txBody>
+          </p:sp>
+          <p:sp>
+            <p:nvSpPr>
+              <p:cNvPr id="141" name="직사각형 140">
+                <a:extLst>
+                  <a:ext uri="{FF2B5EF4-FFF2-40B4-BE49-F238E27FC236}">
+                    <a16:creationId xmlns:a16="http://schemas.microsoft.com/office/drawing/2014/main" id="{01AE2236-D5B1-4643-A679-9BD341C9B0F2}"/>
+                  </a:ext>
+                </a:extLst>
+              </p:cNvPr>
+              <p:cNvSpPr/>
+              <p:nvPr/>
+            </p:nvSpPr>
+            <p:spPr>
+              <a:xfrm>
+                <a:off x="6096000" y="3943358"/>
+                <a:ext cx="1548214" cy="1123058"/>
+              </a:xfrm>
+              <a:prstGeom prst="rect">
+                <a:avLst/>
+              </a:prstGeom>
+              <a:noFill/>
+              <a:ln>
+                <a:solidFill>
+                  <a:schemeClr val="tx1"/>
+                </a:solidFill>
+              </a:ln>
+            </p:spPr>
+            <p:style>
+              <a:lnRef idx="2">
+                <a:schemeClr val="accent1">
+                  <a:shade val="50000"/>
+                </a:schemeClr>
+              </a:lnRef>
+              <a:fillRef idx="1">
+                <a:schemeClr val="accent1"/>
+              </a:fillRef>
+              <a:effectRef idx="0">
+                <a:schemeClr val="accent1"/>
+              </a:effectRef>
+              <a:fontRef idx="minor">
+                <a:schemeClr val="lt1"/>
+              </a:fontRef>
+            </p:style>
+            <p:txBody>
+              <a:bodyPr rtlCol="0" anchor="ctr"/>
+              <a:lstStyle/>
+              <a:p>
+                <a:pPr algn="ctr"/>
+                <a:endParaRPr lang="ko-KR" altLang="en-US"/>
+              </a:p>
+            </p:txBody>
+          </p:sp>
+        </p:grpSp>
+        <p:sp>
+          <p:nvSpPr>
+            <p:cNvPr id="136" name="타원 135">
+              <a:extLst>
+                <a:ext uri="{FF2B5EF4-FFF2-40B4-BE49-F238E27FC236}">
+                  <a16:creationId xmlns:a16="http://schemas.microsoft.com/office/drawing/2014/main" id="{096F0F07-DA34-41E0-900A-B41C11AB12FC}"/>
+                </a:ext>
+              </a:extLst>
+            </p:cNvPr>
+            <p:cNvSpPr/>
+            <p:nvPr/>
+          </p:nvSpPr>
+          <p:spPr>
+            <a:xfrm>
+              <a:off x="8199900" y="1345427"/>
+              <a:ext cx="1043881" cy="537349"/>
+            </a:xfrm>
+            <a:prstGeom prst="ellipse">
+              <a:avLst/>
+            </a:prstGeom>
+            <a:solidFill>
+              <a:schemeClr val="bg1"/>
+            </a:solidFill>
+            <a:ln>
+              <a:solidFill>
+                <a:schemeClr val="tx1"/>
+              </a:solidFill>
+            </a:ln>
+          </p:spPr>
+          <p:style>
+            <a:lnRef idx="2">
+              <a:schemeClr val="accent1">
+                <a:shade val="50000"/>
+              </a:schemeClr>
+            </a:lnRef>
+            <a:fillRef idx="1">
+              <a:schemeClr val="accent1"/>
+            </a:fillRef>
+            <a:effectRef idx="0">
+              <a:schemeClr val="accent1"/>
+            </a:effectRef>
+            <a:fontRef idx="minor">
+              <a:schemeClr val="lt1"/>
+            </a:fontRef>
+          </p:style>
+          <p:txBody>
+            <a:bodyPr rtlCol="0" anchor="ctr"/>
+            <a:lstStyle/>
+            <a:p>
+              <a:pPr algn="ctr"/>
+              <a:r>
+                <a:rPr lang="en-US" altLang="ko-KR" sz="1200" dirty="0">
+                  <a:solidFill>
+                    <a:schemeClr val="tx1"/>
+                  </a:solidFill>
+                </a:rPr>
+                <a:t>LCD</a:t>
+              </a:r>
+              <a:endParaRPr lang="ko-KR" altLang="en-US" sz="1200" dirty="0">
+                <a:solidFill>
+                  <a:schemeClr val="tx1"/>
+                </a:solidFill>
+              </a:endParaRPr>
+            </a:p>
+          </p:txBody>
+        </p:sp>
+        <p:sp>
+          <p:nvSpPr>
+            <p:cNvPr id="137" name="타원 136">
+              <a:extLst>
+                <a:ext uri="{FF2B5EF4-FFF2-40B4-BE49-F238E27FC236}">
+                  <a16:creationId xmlns:a16="http://schemas.microsoft.com/office/drawing/2014/main" id="{0E54A275-38F5-40CC-923E-0B3A12733F60}"/>
+                </a:ext>
+              </a:extLst>
+            </p:cNvPr>
+            <p:cNvSpPr/>
+            <p:nvPr/>
+          </p:nvSpPr>
+          <p:spPr>
+            <a:xfrm>
+              <a:off x="9400867" y="1345427"/>
+              <a:ext cx="1037529" cy="537349"/>
+            </a:xfrm>
+            <a:prstGeom prst="ellipse">
+              <a:avLst/>
+            </a:prstGeom>
+            <a:solidFill>
+              <a:schemeClr val="bg1"/>
+            </a:solidFill>
+            <a:ln>
+              <a:solidFill>
+                <a:schemeClr val="tx1"/>
+              </a:solidFill>
+            </a:ln>
+          </p:spPr>
+          <p:style>
+            <a:lnRef idx="2">
+              <a:schemeClr val="accent1">
+                <a:shade val="50000"/>
+              </a:schemeClr>
+            </a:lnRef>
+            <a:fillRef idx="1">
+              <a:schemeClr val="accent1"/>
+            </a:fillRef>
+            <a:effectRef idx="0">
+              <a:schemeClr val="accent1"/>
+            </a:effectRef>
+            <a:fontRef idx="minor">
+              <a:schemeClr val="lt1"/>
+            </a:fontRef>
+          </p:style>
+          <p:txBody>
+            <a:bodyPr rtlCol="0" anchor="ctr"/>
+            <a:lstStyle/>
+            <a:p>
+              <a:pPr algn="ctr"/>
+              <a:r>
+                <a:rPr lang="en-US" altLang="ko-KR" sz="1200" dirty="0">
+                  <a:solidFill>
+                    <a:schemeClr val="tx1"/>
+                  </a:solidFill>
+                </a:rPr>
+                <a:t>UI/UX</a:t>
+              </a:r>
+              <a:endParaRPr lang="ko-KR" altLang="en-US" sz="1200" dirty="0">
+                <a:solidFill>
+                  <a:schemeClr val="tx1"/>
+                </a:solidFill>
+              </a:endParaRPr>
+            </a:p>
+          </p:txBody>
+        </p:sp>
+        <p:cxnSp>
+          <p:nvCxnSpPr>
+            <p:cNvPr id="138" name="직선 연결선 137">
+              <a:extLst>
+                <a:ext uri="{FF2B5EF4-FFF2-40B4-BE49-F238E27FC236}">
+                  <a16:creationId xmlns:a16="http://schemas.microsoft.com/office/drawing/2014/main" id="{A67D396D-E641-4907-A1EC-CC9D5F15953F}"/>
+                </a:ext>
+              </a:extLst>
+            </p:cNvPr>
+            <p:cNvCxnSpPr>
+              <a:cxnSpLocks/>
+              <a:stCxn id="136" idx="4"/>
+              <a:endCxn id="141" idx="0"/>
+            </p:cNvCxnSpPr>
+            <p:nvPr/>
+          </p:nvCxnSpPr>
+          <p:spPr>
+            <a:xfrm>
+              <a:off x="8721841" y="1882776"/>
+              <a:ext cx="493746" cy="320251"/>
+            </a:xfrm>
+            <a:prstGeom prst="line">
+              <a:avLst/>
+            </a:prstGeom>
+          </p:spPr>
+          <p:style>
+            <a:lnRef idx="1">
+              <a:schemeClr val="dk1"/>
+            </a:lnRef>
+            <a:fillRef idx="0">
+              <a:schemeClr val="dk1"/>
+            </a:fillRef>
+            <a:effectRef idx="0">
+              <a:schemeClr val="dk1"/>
+            </a:effectRef>
+            <a:fontRef idx="minor">
+              <a:schemeClr val="tx1"/>
+            </a:fontRef>
+          </p:style>
+        </p:cxnSp>
+        <p:cxnSp>
+          <p:nvCxnSpPr>
+            <p:cNvPr id="139" name="직선 연결선 138">
+              <a:extLst>
+                <a:ext uri="{FF2B5EF4-FFF2-40B4-BE49-F238E27FC236}">
+                  <a16:creationId xmlns:a16="http://schemas.microsoft.com/office/drawing/2014/main" id="{68EF597D-CF55-4FC1-A559-2AA1172A582D}"/>
+                </a:ext>
+              </a:extLst>
+            </p:cNvPr>
+            <p:cNvCxnSpPr>
+              <a:cxnSpLocks/>
+              <a:stCxn id="141" idx="0"/>
+              <a:endCxn id="137" idx="4"/>
+            </p:cNvCxnSpPr>
+            <p:nvPr/>
+          </p:nvCxnSpPr>
+          <p:spPr>
+            <a:xfrm flipV="1">
+              <a:off x="9215586" y="1882776"/>
+              <a:ext cx="704046" cy="320251"/>
+            </a:xfrm>
+            <a:prstGeom prst="line">
+              <a:avLst/>
+            </a:prstGeom>
+          </p:spPr>
+          <p:style>
+            <a:lnRef idx="1">
+              <a:schemeClr val="dk1"/>
+            </a:lnRef>
+            <a:fillRef idx="0">
+              <a:schemeClr val="dk1"/>
+            </a:fillRef>
+            <a:effectRef idx="0">
+              <a:schemeClr val="dk1"/>
+            </a:effectRef>
+            <a:fontRef idx="minor">
+              <a:schemeClr val="tx1"/>
+            </a:fontRef>
+          </p:style>
+        </p:cxnSp>
+      </p:grpSp>
+      <p:sp>
+        <p:nvSpPr>
+          <p:cNvPr id="124" name="TextBox 123">
+            <a:extLst>
+              <a:ext uri="{FF2B5EF4-FFF2-40B4-BE49-F238E27FC236}">
+                <a16:creationId xmlns:a16="http://schemas.microsoft.com/office/drawing/2014/main" id="{10A137B6-D721-41E1-84F1-E2D90C8F3D9C}"/>
+              </a:ext>
+            </a:extLst>
+          </p:cNvPr>
+          <p:cNvSpPr txBox="1"/>
+          <p:nvPr/>
+        </p:nvSpPr>
+        <p:spPr>
+          <a:xfrm>
+            <a:off x="6792639" y="2176128"/>
+            <a:ext cx="1363334" cy="199768"/>
+          </a:xfrm>
+          <a:prstGeom prst="rect">
+            <a:avLst/>
+          </a:prstGeom>
+          <a:noFill/>
+        </p:spPr>
+        <p:txBody>
+          <a:bodyPr wrap="square" rtlCol="0">
+            <a:spAutoFit/>
+          </a:bodyPr>
+          <a:lstStyle/>
+          <a:p>
+            <a:r>
+              <a:rPr lang="en-US" altLang="ko-KR" sz="1400" dirty="0"/>
+              <a:t>AI result Data</a:t>
+            </a:r>
+            <a:endParaRPr lang="ko-KR" altLang="en-US" sz="1400" dirty="0"/>
+          </a:p>
+        </p:txBody>
+      </p:sp>
+      <p:sp>
+        <p:nvSpPr>
+          <p:cNvPr id="144" name="원통형 143">
+            <a:extLst>
+              <a:ext uri="{FF2B5EF4-FFF2-40B4-BE49-F238E27FC236}">
+                <a16:creationId xmlns:a16="http://schemas.microsoft.com/office/drawing/2014/main" id="{4C43D1C1-D730-4123-8450-CE373B9BDB60}"/>
+              </a:ext>
+            </a:extLst>
+          </p:cNvPr>
+          <p:cNvSpPr/>
+          <p:nvPr/>
+        </p:nvSpPr>
+        <p:spPr>
+          <a:xfrm>
+            <a:off x="1914205" y="981240"/>
+            <a:ext cx="987393" cy="1086701"/>
+          </a:xfrm>
+          <a:prstGeom prst="can">
+            <a:avLst/>
+          </a:prstGeom>
+          <a:solidFill>
+            <a:schemeClr val="accent3">
+              <a:lumMod val="20000"/>
+              <a:lumOff val="80000"/>
+            </a:schemeClr>
+          </a:solidFill>
+          <a:ln>
+            <a:solidFill>
+              <a:schemeClr val="tx1"/>
+            </a:solidFill>
+          </a:ln>
+        </p:spPr>
+        <p:style>
+          <a:lnRef idx="2">
+            <a:schemeClr val="accent6"/>
+          </a:lnRef>
+          <a:fillRef idx="1">
+            <a:schemeClr val="lt1"/>
+          </a:fillRef>
+          <a:effectRef idx="0">
+            <a:schemeClr val="accent6"/>
+          </a:effectRef>
+          <a:fontRef idx="minor">
+            <a:schemeClr val="dk1"/>
+          </a:fontRef>
+        </p:style>
+        <p:txBody>
+          <a:bodyPr rtlCol="0" anchor="ctr"/>
+          <a:lstStyle/>
+          <a:p>
+            <a:pPr algn="ctr"/>
+            <a:r>
+              <a:rPr lang="en-US" altLang="ko-KR" dirty="0"/>
+              <a:t>Image</a:t>
+            </a:r>
+            <a:br>
+              <a:rPr lang="en-US" altLang="ko-KR" dirty="0"/>
+            </a:br>
+            <a:r>
+              <a:rPr lang="en-US" altLang="ko-KR" dirty="0"/>
+              <a:t>Bigdata</a:t>
+            </a:r>
+            <a:endParaRPr lang="ko-KR" altLang="en-US" dirty="0"/>
+          </a:p>
+        </p:txBody>
+      </p:sp>
+      <p:sp>
+        <p:nvSpPr>
+          <p:cNvPr id="145" name="원통형 144">
+            <a:extLst>
+              <a:ext uri="{FF2B5EF4-FFF2-40B4-BE49-F238E27FC236}">
+                <a16:creationId xmlns:a16="http://schemas.microsoft.com/office/drawing/2014/main" id="{EABE8D5D-D305-41CE-BEFE-5C696704EC03}"/>
+              </a:ext>
+            </a:extLst>
+          </p:cNvPr>
+          <p:cNvSpPr/>
+          <p:nvPr/>
+        </p:nvSpPr>
+        <p:spPr>
+          <a:xfrm>
+            <a:off x="1914205" y="2755664"/>
+            <a:ext cx="987393" cy="1086701"/>
+          </a:xfrm>
+          <a:prstGeom prst="can">
+            <a:avLst/>
+          </a:prstGeom>
+          <a:solidFill>
+            <a:schemeClr val="accent3">
+              <a:lumMod val="20000"/>
+              <a:lumOff val="80000"/>
+            </a:schemeClr>
+          </a:solidFill>
+          <a:ln>
+            <a:solidFill>
+              <a:schemeClr val="tx1"/>
+            </a:solidFill>
+          </a:ln>
+        </p:spPr>
+        <p:style>
+          <a:lnRef idx="2">
+            <a:schemeClr val="accent6"/>
+          </a:lnRef>
+          <a:fillRef idx="1">
+            <a:schemeClr val="lt1"/>
+          </a:fillRef>
+          <a:effectRef idx="0">
+            <a:schemeClr val="accent6"/>
+          </a:effectRef>
+          <a:fontRef idx="minor">
+            <a:schemeClr val="dk1"/>
+          </a:fontRef>
+        </p:style>
+        <p:txBody>
+          <a:bodyPr rtlCol="0" anchor="ctr"/>
+          <a:lstStyle/>
+          <a:p>
+            <a:pPr algn="ctr"/>
+            <a:r>
+              <a:rPr lang="en-US" altLang="ko-KR" dirty="0"/>
+              <a:t>AWS</a:t>
+            </a:r>
+            <a:br>
+              <a:rPr lang="en-US" altLang="ko-KR" dirty="0"/>
+            </a:br>
+            <a:r>
+              <a:rPr lang="en-US" altLang="ko-KR" dirty="0"/>
+              <a:t>IoT</a:t>
+            </a:r>
+            <a:endParaRPr lang="ko-KR" altLang="en-US" dirty="0"/>
+          </a:p>
+        </p:txBody>
+      </p:sp>
+      <p:sp>
+        <p:nvSpPr>
+          <p:cNvPr id="146" name="TextBox 145">
+            <a:extLst>
+              <a:ext uri="{FF2B5EF4-FFF2-40B4-BE49-F238E27FC236}">
+                <a16:creationId xmlns:a16="http://schemas.microsoft.com/office/drawing/2014/main" id="{022A6677-06A5-4B22-A30C-346D4CF95CA5}"/>
+              </a:ext>
+            </a:extLst>
+          </p:cNvPr>
+          <p:cNvSpPr txBox="1"/>
+          <p:nvPr/>
+        </p:nvSpPr>
+        <p:spPr>
+          <a:xfrm>
+            <a:off x="1800947" y="3950048"/>
+            <a:ext cx="1307424" cy="307777"/>
+          </a:xfrm>
+          <a:prstGeom prst="rect">
+            <a:avLst/>
+          </a:prstGeom>
+          <a:noFill/>
+        </p:spPr>
+        <p:txBody>
+          <a:bodyPr wrap="square" rtlCol="0">
+            <a:spAutoFit/>
+          </a:bodyPr>
+          <a:lstStyle/>
+          <a:p>
+            <a:r>
+              <a:rPr lang="ko-KR" altLang="en-US" sz="1400" dirty="0"/>
+              <a:t>나의 옷 정보</a:t>
+            </a:r>
+            <a:endParaRPr lang="en-US" altLang="ko-KR" sz="1400" dirty="0"/>
+          </a:p>
+        </p:txBody>
+      </p:sp>
+      <p:sp>
+        <p:nvSpPr>
+          <p:cNvPr id="147" name="TextBox 146">
+            <a:extLst>
+              <a:ext uri="{FF2B5EF4-FFF2-40B4-BE49-F238E27FC236}">
+                <a16:creationId xmlns:a16="http://schemas.microsoft.com/office/drawing/2014/main" id="{65069309-8715-4165-970F-9C5FA6B1129C}"/>
+              </a:ext>
+            </a:extLst>
+          </p:cNvPr>
+          <p:cNvSpPr txBox="1"/>
+          <p:nvPr/>
+        </p:nvSpPr>
+        <p:spPr>
+          <a:xfrm>
+            <a:off x="1705786" y="2156394"/>
+            <a:ext cx="1497745" cy="307777"/>
+          </a:xfrm>
+          <a:prstGeom prst="rect">
+            <a:avLst/>
+          </a:prstGeom>
+          <a:noFill/>
+        </p:spPr>
+        <p:txBody>
+          <a:bodyPr wrap="square" rtlCol="0">
+            <a:spAutoFit/>
+          </a:bodyPr>
+          <a:lstStyle/>
+          <a:p>
+            <a:r>
+              <a:rPr lang="ko-KR" altLang="en-US" sz="1400"/>
+              <a:t>옷 </a:t>
+            </a:r>
+            <a:r>
+              <a:rPr lang="en-US" altLang="ko-KR" sz="1400" dirty="0" err="1"/>
+              <a:t>BigData</a:t>
+            </a:r>
+            <a:r>
+              <a:rPr lang="en-US" altLang="ko-KR" sz="1400" dirty="0"/>
+              <a:t> </a:t>
+            </a:r>
+            <a:r>
+              <a:rPr lang="ko-KR" altLang="en-US" sz="1400" dirty="0"/>
+              <a:t>정보</a:t>
+            </a:r>
+            <a:endParaRPr lang="en-US" altLang="ko-KR" sz="1400" dirty="0"/>
+          </a:p>
+        </p:txBody>
+      </p:sp>
+      <p:cxnSp>
+        <p:nvCxnSpPr>
+          <p:cNvPr id="148" name="직선 화살표 연결선 147">
+            <a:extLst>
+              <a:ext uri="{FF2B5EF4-FFF2-40B4-BE49-F238E27FC236}">
+                <a16:creationId xmlns:a16="http://schemas.microsoft.com/office/drawing/2014/main" id="{804C4758-467D-4F71-96A3-0E6535FFCA3A}"/>
+              </a:ext>
+            </a:extLst>
+          </p:cNvPr>
+          <p:cNvCxnSpPr>
+            <a:cxnSpLocks/>
+          </p:cNvCxnSpPr>
+          <p:nvPr/>
+        </p:nvCxnSpPr>
+        <p:spPr>
+          <a:xfrm>
+            <a:off x="3298692" y="2580950"/>
+            <a:ext cx="2190595" cy="11224"/>
+          </a:xfrm>
+          <a:prstGeom prst="straightConnector1">
+            <a:avLst/>
+          </a:prstGeom>
+          <a:ln w="57150">
+            <a:solidFill>
+              <a:schemeClr val="tx1"/>
+            </a:solidFill>
+            <a:tailEnd type="triangle"/>
+          </a:ln>
+        </p:spPr>
+        <p:style>
+          <a:lnRef idx="1">
+            <a:schemeClr val="accent1"/>
+          </a:lnRef>
+          <a:fillRef idx="0">
+            <a:schemeClr val="accent1"/>
+          </a:fillRef>
+          <a:effectRef idx="0">
+            <a:schemeClr val="accent1"/>
+          </a:effectRef>
+          <a:fontRef idx="minor">
+            <a:schemeClr val="tx1"/>
+          </a:fontRef>
+        </p:style>
+      </p:cxnSp>
+      <p:cxnSp>
+        <p:nvCxnSpPr>
+          <p:cNvPr id="150" name="직선 화살표 연결선 149">
+            <a:extLst>
+              <a:ext uri="{FF2B5EF4-FFF2-40B4-BE49-F238E27FC236}">
+                <a16:creationId xmlns:a16="http://schemas.microsoft.com/office/drawing/2014/main" id="{E5F6B5C5-6FD6-48E8-A585-58ABFF75D716}"/>
+              </a:ext>
+            </a:extLst>
+          </p:cNvPr>
+          <p:cNvCxnSpPr>
+            <a:cxnSpLocks/>
+          </p:cNvCxnSpPr>
+          <p:nvPr/>
+        </p:nvCxnSpPr>
+        <p:spPr>
+          <a:xfrm>
+            <a:off x="6836144" y="2520010"/>
+            <a:ext cx="1342049" cy="30410"/>
+          </a:xfrm>
+          <a:prstGeom prst="straightConnector1">
+            <a:avLst/>
+          </a:prstGeom>
+          <a:ln w="57150">
+            <a:solidFill>
+              <a:schemeClr val="tx1"/>
+            </a:solidFill>
+            <a:tailEnd type="triangle"/>
+          </a:ln>
+        </p:spPr>
+        <p:style>
+          <a:lnRef idx="1">
+            <a:schemeClr val="accent1"/>
+          </a:lnRef>
+          <a:fillRef idx="0">
+            <a:schemeClr val="accent1"/>
+          </a:fillRef>
+          <a:effectRef idx="0">
+            <a:schemeClr val="accent1"/>
+          </a:effectRef>
+          <a:fontRef idx="minor">
+            <a:schemeClr val="tx1"/>
+          </a:fontRef>
+        </p:style>
+      </p:cxnSp>
+      <p:sp>
+        <p:nvSpPr>
+          <p:cNvPr id="151" name="TextBox 150">
+            <a:extLst>
+              <a:ext uri="{FF2B5EF4-FFF2-40B4-BE49-F238E27FC236}">
+                <a16:creationId xmlns:a16="http://schemas.microsoft.com/office/drawing/2014/main" id="{E4960335-8DF1-4896-9C9D-7EAD7C172754}"/>
+              </a:ext>
+            </a:extLst>
+          </p:cNvPr>
+          <p:cNvSpPr txBox="1"/>
+          <p:nvPr/>
+        </p:nvSpPr>
+        <p:spPr>
+          <a:xfrm>
+            <a:off x="6647436" y="2634391"/>
+            <a:ext cx="1725466" cy="307777"/>
+          </a:xfrm>
+          <a:prstGeom prst="rect">
+            <a:avLst/>
+          </a:prstGeom>
+          <a:noFill/>
+        </p:spPr>
+        <p:txBody>
+          <a:bodyPr wrap="square" rtlCol="0">
+            <a:spAutoFit/>
+          </a:bodyPr>
+          <a:lstStyle/>
+          <a:p>
+            <a:r>
+              <a:rPr lang="ko-KR" altLang="en-US" sz="1400" dirty="0"/>
+              <a:t>어울리는 옷 추천</a:t>
+            </a:r>
+            <a:endParaRPr lang="en-US" altLang="ko-KR" sz="1400" dirty="0"/>
+          </a:p>
+        </p:txBody>
+      </p:sp>
+      <p:sp>
+        <p:nvSpPr>
+          <p:cNvPr id="62" name="TextBox 61">
+            <a:extLst>
+              <a:ext uri="{FF2B5EF4-FFF2-40B4-BE49-F238E27FC236}">
+                <a16:creationId xmlns:a16="http://schemas.microsoft.com/office/drawing/2014/main" id="{CFB486F3-4A8F-4509-8EA4-1E40C2487A90}"/>
+              </a:ext>
+            </a:extLst>
+          </p:cNvPr>
+          <p:cNvSpPr txBox="1"/>
+          <p:nvPr/>
+        </p:nvSpPr>
+        <p:spPr>
+          <a:xfrm>
+            <a:off x="145930" y="4255651"/>
+            <a:ext cx="2383986" cy="461665"/>
+          </a:xfrm>
+          <a:prstGeom prst="rect">
+            <a:avLst/>
+          </a:prstGeom>
+          <a:noFill/>
+        </p:spPr>
+        <p:txBody>
+          <a:bodyPr wrap="none" rtlCol="0">
+            <a:spAutoFit/>
+          </a:bodyPr>
+          <a:lstStyle/>
+          <a:p>
+            <a:r>
+              <a:rPr lang="ko-KR" altLang="en-US" sz="2400" spc="-150" dirty="0" err="1">
+                <a:solidFill>
+                  <a:schemeClr val="bg2">
+                    <a:lumMod val="25000"/>
+                  </a:schemeClr>
+                </a:solidFill>
+                <a:latin typeface="+mj-ea"/>
+                <a:ea typeface="+mj-ea"/>
+              </a:rPr>
+              <a:t>온습도</a:t>
+            </a:r>
+            <a:r>
+              <a:rPr lang="ko-KR" altLang="en-US" sz="2400" spc="-150" dirty="0">
+                <a:solidFill>
+                  <a:schemeClr val="bg2">
+                    <a:lumMod val="25000"/>
+                  </a:schemeClr>
+                </a:solidFill>
+                <a:latin typeface="+mj-ea"/>
+                <a:ea typeface="+mj-ea"/>
+              </a:rPr>
+              <a:t> 경고 알림</a:t>
+            </a:r>
+          </a:p>
+        </p:txBody>
+      </p:sp>
+      <p:sp>
+        <p:nvSpPr>
+          <p:cNvPr id="63" name="원통형 62">
+            <a:extLst>
+              <a:ext uri="{FF2B5EF4-FFF2-40B4-BE49-F238E27FC236}">
+                <a16:creationId xmlns:a16="http://schemas.microsoft.com/office/drawing/2014/main" id="{896CB70C-FB36-48F0-B54F-879F3B9211F1}"/>
+              </a:ext>
+            </a:extLst>
+          </p:cNvPr>
+          <p:cNvSpPr/>
+          <p:nvPr/>
+        </p:nvSpPr>
+        <p:spPr>
+          <a:xfrm>
+            <a:off x="7258985" y="4852754"/>
+            <a:ext cx="987393" cy="1086701"/>
+          </a:xfrm>
+          <a:prstGeom prst="can">
+            <a:avLst/>
+          </a:prstGeom>
+          <a:solidFill>
+            <a:schemeClr val="accent3">
+              <a:lumMod val="20000"/>
+              <a:lumOff val="80000"/>
+            </a:schemeClr>
+          </a:solidFill>
+          <a:ln>
+            <a:solidFill>
+              <a:schemeClr val="tx1"/>
+            </a:solidFill>
+          </a:ln>
+        </p:spPr>
+        <p:style>
+          <a:lnRef idx="2">
+            <a:schemeClr val="accent6"/>
+          </a:lnRef>
+          <a:fillRef idx="1">
+            <a:schemeClr val="lt1"/>
+          </a:fillRef>
+          <a:effectRef idx="0">
+            <a:schemeClr val="accent6"/>
+          </a:effectRef>
+          <a:fontRef idx="minor">
+            <a:schemeClr val="dk1"/>
+          </a:fontRef>
+        </p:style>
+        <p:txBody>
+          <a:bodyPr rtlCol="0" anchor="ctr"/>
+          <a:lstStyle/>
+          <a:p>
+            <a:pPr algn="ctr"/>
+            <a:r>
+              <a:rPr lang="en-US" altLang="ko-KR" dirty="0"/>
+              <a:t>AWS</a:t>
+            </a:r>
+            <a:br>
+              <a:rPr lang="en-US" altLang="ko-KR" dirty="0"/>
+            </a:br>
+            <a:r>
+              <a:rPr lang="en-US" altLang="ko-KR" dirty="0"/>
+              <a:t>IoT</a:t>
+            </a:r>
+            <a:endParaRPr lang="ko-KR" altLang="en-US" dirty="0"/>
+          </a:p>
+        </p:txBody>
+      </p:sp>
+      <p:grpSp>
+        <p:nvGrpSpPr>
+          <p:cNvPr id="64" name="그룹 63">
+            <a:extLst>
+              <a:ext uri="{FF2B5EF4-FFF2-40B4-BE49-F238E27FC236}">
+                <a16:creationId xmlns:a16="http://schemas.microsoft.com/office/drawing/2014/main" id="{466CCCB5-3E7E-441B-97EA-1FF7F0D63CED}"/>
+              </a:ext>
+            </a:extLst>
+          </p:cNvPr>
+          <p:cNvGrpSpPr/>
+          <p:nvPr/>
+        </p:nvGrpSpPr>
+        <p:grpSpPr>
+          <a:xfrm>
+            <a:off x="898799" y="4762483"/>
+            <a:ext cx="1602803" cy="1086701"/>
+            <a:chOff x="6096000" y="3943358"/>
+            <a:chExt cx="1548214" cy="1123058"/>
+          </a:xfrm>
+        </p:grpSpPr>
+        <p:sp>
+          <p:nvSpPr>
+            <p:cNvPr id="65" name="TextBox 64">
+              <a:extLst>
+                <a:ext uri="{FF2B5EF4-FFF2-40B4-BE49-F238E27FC236}">
+                  <a16:creationId xmlns:a16="http://schemas.microsoft.com/office/drawing/2014/main" id="{EC279E1D-1DBF-4DE3-879B-1346674A0F53}"/>
+                </a:ext>
+              </a:extLst>
+            </p:cNvPr>
+            <p:cNvSpPr txBox="1"/>
+            <p:nvPr/>
+          </p:nvSpPr>
+          <p:spPr>
+            <a:xfrm>
+              <a:off x="6380859" y="4334068"/>
+              <a:ext cx="1126302" cy="381688"/>
+            </a:xfrm>
+            <a:prstGeom prst="rect">
+              <a:avLst/>
+            </a:prstGeom>
+            <a:noFill/>
+          </p:spPr>
+          <p:txBody>
+            <a:bodyPr wrap="square" rtlCol="0">
+              <a:spAutoFit/>
+            </a:bodyPr>
+            <a:lstStyle/>
+            <a:p>
+              <a:r>
+                <a:rPr lang="en-US" altLang="ko-KR" dirty="0"/>
+                <a:t>Arduino</a:t>
+              </a:r>
+              <a:endParaRPr lang="ko-KR" altLang="en-US" dirty="0"/>
+            </a:p>
+          </p:txBody>
+        </p:sp>
+        <p:sp>
+          <p:nvSpPr>
+            <p:cNvPr id="66" name="직사각형 65">
+              <a:extLst>
+                <a:ext uri="{FF2B5EF4-FFF2-40B4-BE49-F238E27FC236}">
+                  <a16:creationId xmlns:a16="http://schemas.microsoft.com/office/drawing/2014/main" id="{97ADC96B-E9AB-4AAC-89B8-DD207342FDA1}"/>
+                </a:ext>
+              </a:extLst>
+            </p:cNvPr>
+            <p:cNvSpPr/>
+            <p:nvPr/>
+          </p:nvSpPr>
+          <p:spPr>
+            <a:xfrm>
+              <a:off x="6096000" y="3943358"/>
+              <a:ext cx="1548214" cy="1123058"/>
+            </a:xfrm>
+            <a:prstGeom prst="rect">
+              <a:avLst/>
+            </a:prstGeom>
+            <a:noFill/>
+            <a:ln>
+              <a:solidFill>
+                <a:schemeClr val="tx1"/>
+              </a:solidFill>
+            </a:ln>
+          </p:spPr>
+          <p:style>
+            <a:lnRef idx="2">
+              <a:schemeClr val="accent1">
+                <a:shade val="50000"/>
+              </a:schemeClr>
+            </a:lnRef>
+            <a:fillRef idx="1">
+              <a:schemeClr val="accent1"/>
+            </a:fillRef>
+            <a:effectRef idx="0">
+              <a:schemeClr val="accent1"/>
+            </a:effectRef>
+            <a:fontRef idx="minor">
+              <a:schemeClr val="lt1"/>
+            </a:fontRef>
+          </p:style>
+          <p:txBody>
+            <a:bodyPr rtlCol="0" anchor="ctr"/>
+            <a:lstStyle/>
+            <a:p>
+              <a:pPr algn="ctr"/>
+              <a:endParaRPr lang="ko-KR" altLang="en-US"/>
+            </a:p>
+          </p:txBody>
+        </p:sp>
+      </p:grpSp>
+      <p:sp>
+        <p:nvSpPr>
+          <p:cNvPr id="67" name="타원 66">
+            <a:extLst>
+              <a:ext uri="{FF2B5EF4-FFF2-40B4-BE49-F238E27FC236}">
+                <a16:creationId xmlns:a16="http://schemas.microsoft.com/office/drawing/2014/main" id="{1685B687-96F2-42FD-B222-9CDB5F391B11}"/>
+              </a:ext>
+            </a:extLst>
+          </p:cNvPr>
+          <p:cNvSpPr/>
+          <p:nvPr/>
+        </p:nvSpPr>
+        <p:spPr>
+          <a:xfrm>
+            <a:off x="145930" y="6367411"/>
+            <a:ext cx="1554271" cy="458332"/>
+          </a:xfrm>
+          <a:prstGeom prst="ellipse">
+            <a:avLst/>
+          </a:prstGeom>
+          <a:solidFill>
+            <a:schemeClr val="bg1"/>
+          </a:solidFill>
+          <a:ln>
+            <a:solidFill>
+              <a:schemeClr val="tx1"/>
+            </a:solidFill>
+          </a:ln>
+        </p:spPr>
+        <p:style>
+          <a:lnRef idx="2">
+            <a:schemeClr val="accent1">
+              <a:shade val="50000"/>
+            </a:schemeClr>
+          </a:lnRef>
+          <a:fillRef idx="1">
+            <a:schemeClr val="accent1"/>
+          </a:fillRef>
+          <a:effectRef idx="0">
+            <a:schemeClr val="accent1"/>
+          </a:effectRef>
+          <a:fontRef idx="minor">
+            <a:schemeClr val="lt1"/>
+          </a:fontRef>
+        </p:style>
+        <p:txBody>
+          <a:bodyPr rtlCol="0" anchor="ctr"/>
+          <a:lstStyle/>
+          <a:p>
+            <a:pPr algn="ctr"/>
+            <a:r>
+              <a:rPr lang="en-US" altLang="ko-KR" sz="1200" dirty="0">
+                <a:solidFill>
+                  <a:schemeClr val="tx1"/>
+                </a:solidFill>
+              </a:rPr>
+              <a:t>Temperature</a:t>
+            </a:r>
+            <a:endParaRPr lang="ko-KR" altLang="en-US" sz="1200" dirty="0">
+              <a:solidFill>
+                <a:schemeClr val="tx1"/>
+              </a:solidFill>
+            </a:endParaRPr>
+          </a:p>
+        </p:txBody>
+      </p:sp>
+      <p:cxnSp>
+        <p:nvCxnSpPr>
+          <p:cNvPr id="68" name="직선 연결선 67">
+            <a:extLst>
+              <a:ext uri="{FF2B5EF4-FFF2-40B4-BE49-F238E27FC236}">
+                <a16:creationId xmlns:a16="http://schemas.microsoft.com/office/drawing/2014/main" id="{014E5ABF-B101-4934-B21C-EA3F090CE319}"/>
+              </a:ext>
+            </a:extLst>
+          </p:cNvPr>
+          <p:cNvCxnSpPr>
+            <a:cxnSpLocks/>
+            <a:stCxn id="67" idx="0"/>
+            <a:endCxn id="66" idx="2"/>
+          </p:cNvCxnSpPr>
+          <p:nvPr/>
+        </p:nvCxnSpPr>
+        <p:spPr>
+          <a:xfrm flipV="1">
+            <a:off x="923066" y="5849184"/>
+            <a:ext cx="777135" cy="518227"/>
+          </a:xfrm>
+          <a:prstGeom prst="line">
+            <a:avLst/>
+          </a:prstGeom>
+        </p:spPr>
+        <p:style>
+          <a:lnRef idx="1">
+            <a:schemeClr val="dk1"/>
+          </a:lnRef>
+          <a:fillRef idx="0">
+            <a:schemeClr val="dk1"/>
+          </a:fillRef>
+          <a:effectRef idx="0">
+            <a:schemeClr val="dk1"/>
+          </a:effectRef>
+          <a:fontRef idx="minor">
+            <a:schemeClr val="tx1"/>
+          </a:fontRef>
+        </p:style>
+      </p:cxnSp>
+      <p:grpSp>
+        <p:nvGrpSpPr>
+          <p:cNvPr id="69" name="그룹 68">
+            <a:extLst>
+              <a:ext uri="{FF2B5EF4-FFF2-40B4-BE49-F238E27FC236}">
+                <a16:creationId xmlns:a16="http://schemas.microsoft.com/office/drawing/2014/main" id="{E6F9A1DC-0A88-4642-B7A1-A5BE40C04B57}"/>
+              </a:ext>
+            </a:extLst>
+          </p:cNvPr>
+          <p:cNvGrpSpPr/>
+          <p:nvPr/>
+        </p:nvGrpSpPr>
+        <p:grpSpPr>
+          <a:xfrm>
+            <a:off x="9928795" y="4213440"/>
+            <a:ext cx="2065075" cy="1818191"/>
+            <a:chOff x="8199900" y="1345427"/>
+            <a:chExt cx="2238496" cy="2131649"/>
+          </a:xfrm>
+        </p:grpSpPr>
+        <p:grpSp>
+          <p:nvGrpSpPr>
+            <p:cNvPr id="70" name="그룹 69">
+              <a:extLst>
+                <a:ext uri="{FF2B5EF4-FFF2-40B4-BE49-F238E27FC236}">
+                  <a16:creationId xmlns:a16="http://schemas.microsoft.com/office/drawing/2014/main" id="{99EEF9A2-9496-4D37-9368-20B4EC53E856}"/>
+                </a:ext>
+              </a:extLst>
+            </p:cNvPr>
+            <p:cNvGrpSpPr/>
+            <p:nvPr/>
+          </p:nvGrpSpPr>
+          <p:grpSpPr>
+            <a:xfrm>
+              <a:off x="8346884" y="2203027"/>
+              <a:ext cx="1746026" cy="1274049"/>
+              <a:chOff x="6096000" y="3943358"/>
+              <a:chExt cx="1555898" cy="1123058"/>
+            </a:xfrm>
+          </p:grpSpPr>
+          <p:sp>
+            <p:nvSpPr>
+              <p:cNvPr id="76" name="TextBox 75">
+                <a:extLst>
+                  <a:ext uri="{FF2B5EF4-FFF2-40B4-BE49-F238E27FC236}">
+                    <a16:creationId xmlns:a16="http://schemas.microsoft.com/office/drawing/2014/main" id="{9751A986-DC09-4093-81DD-C4C3EAF41B4A}"/>
+                  </a:ext>
+                </a:extLst>
+              </p:cNvPr>
+              <p:cNvSpPr txBox="1"/>
+              <p:nvPr/>
+            </p:nvSpPr>
+            <p:spPr>
+              <a:xfrm>
+                <a:off x="6231497" y="4314042"/>
+                <a:ext cx="1420401" cy="381688"/>
+              </a:xfrm>
+              <a:prstGeom prst="rect">
+                <a:avLst/>
+              </a:prstGeom>
+              <a:noFill/>
+            </p:spPr>
+            <p:txBody>
+              <a:bodyPr wrap="square" rtlCol="0">
+                <a:spAutoFit/>
+              </a:bodyPr>
+              <a:lstStyle/>
+              <a:p>
+                <a:r>
+                  <a:rPr lang="en-US" altLang="ko-KR" dirty="0"/>
+                  <a:t>Application</a:t>
+                </a:r>
+                <a:endParaRPr lang="ko-KR" altLang="en-US" dirty="0"/>
+              </a:p>
+            </p:txBody>
+          </p:sp>
+          <p:sp>
+            <p:nvSpPr>
+              <p:cNvPr id="77" name="직사각형 76">
+                <a:extLst>
+                  <a:ext uri="{FF2B5EF4-FFF2-40B4-BE49-F238E27FC236}">
+                    <a16:creationId xmlns:a16="http://schemas.microsoft.com/office/drawing/2014/main" id="{6B41AA71-39AE-42A5-978D-BD02CEE2DACF}"/>
+                  </a:ext>
+                </a:extLst>
+              </p:cNvPr>
+              <p:cNvSpPr/>
+              <p:nvPr/>
+            </p:nvSpPr>
+            <p:spPr>
+              <a:xfrm>
+                <a:off x="6096000" y="3943358"/>
+                <a:ext cx="1548214" cy="1123058"/>
+              </a:xfrm>
+              <a:prstGeom prst="rect">
+                <a:avLst/>
+              </a:prstGeom>
+              <a:noFill/>
+              <a:ln>
+                <a:solidFill>
+                  <a:schemeClr val="tx1"/>
+                </a:solidFill>
+              </a:ln>
+            </p:spPr>
+            <p:style>
+              <a:lnRef idx="2">
+                <a:schemeClr val="accent1">
+                  <a:shade val="50000"/>
+                </a:schemeClr>
+              </a:lnRef>
+              <a:fillRef idx="1">
+                <a:schemeClr val="accent1"/>
+              </a:fillRef>
+              <a:effectRef idx="0">
+                <a:schemeClr val="accent1"/>
+              </a:effectRef>
+              <a:fontRef idx="minor">
+                <a:schemeClr val="lt1"/>
+              </a:fontRef>
+            </p:style>
+            <p:txBody>
+              <a:bodyPr rtlCol="0" anchor="ctr"/>
+              <a:lstStyle/>
+              <a:p>
+                <a:pPr algn="ctr"/>
+                <a:endParaRPr lang="ko-KR" altLang="en-US"/>
+              </a:p>
+            </p:txBody>
+          </p:sp>
+        </p:grpSp>
+        <p:sp>
+          <p:nvSpPr>
+            <p:cNvPr id="72" name="타원 71">
+              <a:extLst>
+                <a:ext uri="{FF2B5EF4-FFF2-40B4-BE49-F238E27FC236}">
+                  <a16:creationId xmlns:a16="http://schemas.microsoft.com/office/drawing/2014/main" id="{0E865FE2-E812-4B36-8FA0-DC1CD1BDED02}"/>
+                </a:ext>
+              </a:extLst>
+            </p:cNvPr>
+            <p:cNvSpPr/>
+            <p:nvPr/>
+          </p:nvSpPr>
+          <p:spPr>
+            <a:xfrm>
+              <a:off x="8199900" y="1345427"/>
+              <a:ext cx="1043881" cy="537349"/>
+            </a:xfrm>
+            <a:prstGeom prst="ellipse">
+              <a:avLst/>
+            </a:prstGeom>
+            <a:solidFill>
+              <a:schemeClr val="bg1"/>
+            </a:solidFill>
+            <a:ln>
+              <a:solidFill>
+                <a:schemeClr val="tx1"/>
+              </a:solidFill>
+            </a:ln>
+          </p:spPr>
+          <p:style>
+            <a:lnRef idx="2">
+              <a:schemeClr val="accent1">
+                <a:shade val="50000"/>
+              </a:schemeClr>
+            </a:lnRef>
+            <a:fillRef idx="1">
+              <a:schemeClr val="accent1"/>
+            </a:fillRef>
+            <a:effectRef idx="0">
+              <a:schemeClr val="accent1"/>
+            </a:effectRef>
+            <a:fontRef idx="minor">
+              <a:schemeClr val="lt1"/>
+            </a:fontRef>
+          </p:style>
+          <p:txBody>
+            <a:bodyPr rtlCol="0" anchor="ctr"/>
+            <a:lstStyle/>
+            <a:p>
+              <a:pPr algn="ctr"/>
+              <a:r>
+                <a:rPr lang="en-US" altLang="ko-KR" sz="1200" dirty="0">
+                  <a:solidFill>
+                    <a:schemeClr val="tx1"/>
+                  </a:solidFill>
+                </a:rPr>
+                <a:t>LCD</a:t>
+              </a:r>
+              <a:endParaRPr lang="ko-KR" altLang="en-US" sz="1200" dirty="0">
+                <a:solidFill>
+                  <a:schemeClr val="tx1"/>
+                </a:solidFill>
+              </a:endParaRPr>
+            </a:p>
+          </p:txBody>
+        </p:sp>
+        <p:sp>
+          <p:nvSpPr>
+            <p:cNvPr id="73" name="타원 72">
+              <a:extLst>
+                <a:ext uri="{FF2B5EF4-FFF2-40B4-BE49-F238E27FC236}">
+                  <a16:creationId xmlns:a16="http://schemas.microsoft.com/office/drawing/2014/main" id="{568D985A-5CA3-4B9F-B152-DF34171F2B9D}"/>
+                </a:ext>
+              </a:extLst>
+            </p:cNvPr>
+            <p:cNvSpPr/>
+            <p:nvPr/>
+          </p:nvSpPr>
+          <p:spPr>
+            <a:xfrm>
+              <a:off x="9400867" y="1345427"/>
+              <a:ext cx="1037529" cy="537349"/>
+            </a:xfrm>
+            <a:prstGeom prst="ellipse">
+              <a:avLst/>
+            </a:prstGeom>
+            <a:solidFill>
+              <a:schemeClr val="bg1"/>
+            </a:solidFill>
+            <a:ln>
+              <a:solidFill>
+                <a:schemeClr val="tx1"/>
+              </a:solidFill>
+            </a:ln>
+          </p:spPr>
+          <p:style>
+            <a:lnRef idx="2">
+              <a:schemeClr val="accent1">
+                <a:shade val="50000"/>
+              </a:schemeClr>
+            </a:lnRef>
+            <a:fillRef idx="1">
+              <a:schemeClr val="accent1"/>
+            </a:fillRef>
+            <a:effectRef idx="0">
+              <a:schemeClr val="accent1"/>
+            </a:effectRef>
+            <a:fontRef idx="minor">
+              <a:schemeClr val="lt1"/>
+            </a:fontRef>
+          </p:style>
+          <p:txBody>
+            <a:bodyPr rtlCol="0" anchor="ctr"/>
+            <a:lstStyle/>
+            <a:p>
+              <a:pPr algn="ctr"/>
+              <a:r>
+                <a:rPr lang="en-US" altLang="ko-KR" sz="1200" dirty="0">
+                  <a:solidFill>
+                    <a:schemeClr val="tx1"/>
+                  </a:solidFill>
+                </a:rPr>
+                <a:t>UI/UX</a:t>
+              </a:r>
+              <a:endParaRPr lang="ko-KR" altLang="en-US" sz="1200" dirty="0">
+                <a:solidFill>
+                  <a:schemeClr val="tx1"/>
+                </a:solidFill>
+              </a:endParaRPr>
+            </a:p>
+          </p:txBody>
+        </p:sp>
+        <p:cxnSp>
+          <p:nvCxnSpPr>
+            <p:cNvPr id="74" name="직선 연결선 73">
+              <a:extLst>
+                <a:ext uri="{FF2B5EF4-FFF2-40B4-BE49-F238E27FC236}">
+                  <a16:creationId xmlns:a16="http://schemas.microsoft.com/office/drawing/2014/main" id="{44DB014F-838E-4444-BCF5-4B3AA62E726E}"/>
+                </a:ext>
+              </a:extLst>
+            </p:cNvPr>
+            <p:cNvCxnSpPr>
+              <a:cxnSpLocks/>
+              <a:stCxn id="72" idx="4"/>
+              <a:endCxn id="77" idx="0"/>
+            </p:cNvCxnSpPr>
+            <p:nvPr/>
+          </p:nvCxnSpPr>
+          <p:spPr>
+            <a:xfrm>
+              <a:off x="8721841" y="1882776"/>
+              <a:ext cx="493746" cy="320251"/>
+            </a:xfrm>
+            <a:prstGeom prst="line">
+              <a:avLst/>
+            </a:prstGeom>
+          </p:spPr>
+          <p:style>
+            <a:lnRef idx="1">
+              <a:schemeClr val="dk1"/>
+            </a:lnRef>
+            <a:fillRef idx="0">
+              <a:schemeClr val="dk1"/>
+            </a:fillRef>
+            <a:effectRef idx="0">
+              <a:schemeClr val="dk1"/>
+            </a:effectRef>
+            <a:fontRef idx="minor">
+              <a:schemeClr val="tx1"/>
+            </a:fontRef>
+          </p:style>
+        </p:cxnSp>
+        <p:cxnSp>
+          <p:nvCxnSpPr>
+            <p:cNvPr id="75" name="직선 연결선 74">
+              <a:extLst>
+                <a:ext uri="{FF2B5EF4-FFF2-40B4-BE49-F238E27FC236}">
+                  <a16:creationId xmlns:a16="http://schemas.microsoft.com/office/drawing/2014/main" id="{645B6098-8DF4-4BB6-9136-266B4CC3F233}"/>
+                </a:ext>
+              </a:extLst>
+            </p:cNvPr>
+            <p:cNvCxnSpPr>
+              <a:cxnSpLocks/>
+              <a:stCxn id="77" idx="0"/>
+              <a:endCxn id="73" idx="4"/>
+            </p:cNvCxnSpPr>
+            <p:nvPr/>
+          </p:nvCxnSpPr>
+          <p:spPr>
+            <a:xfrm flipV="1">
+              <a:off x="9215586" y="1882776"/>
+              <a:ext cx="704046" cy="320251"/>
+            </a:xfrm>
+            <a:prstGeom prst="line">
+              <a:avLst/>
+            </a:prstGeom>
+          </p:spPr>
+          <p:style>
+            <a:lnRef idx="1">
+              <a:schemeClr val="dk1"/>
+            </a:lnRef>
+            <a:fillRef idx="0">
+              <a:schemeClr val="dk1"/>
+            </a:fillRef>
+            <a:effectRef idx="0">
+              <a:schemeClr val="dk1"/>
+            </a:effectRef>
+            <a:fontRef idx="minor">
+              <a:schemeClr val="tx1"/>
+            </a:fontRef>
+          </p:style>
+        </p:cxnSp>
+      </p:grpSp>
+      <p:grpSp>
+        <p:nvGrpSpPr>
+          <p:cNvPr id="78" name="그룹 77">
+            <a:extLst>
+              <a:ext uri="{FF2B5EF4-FFF2-40B4-BE49-F238E27FC236}">
+                <a16:creationId xmlns:a16="http://schemas.microsoft.com/office/drawing/2014/main" id="{FA2C70A6-AF8A-4C77-ABE1-C0093ED64F70}"/>
+              </a:ext>
+            </a:extLst>
+          </p:cNvPr>
+          <p:cNvGrpSpPr/>
+          <p:nvPr/>
+        </p:nvGrpSpPr>
+        <p:grpSpPr>
+          <a:xfrm>
+            <a:off x="3992242" y="4751398"/>
+            <a:ext cx="1626211" cy="1086700"/>
+            <a:chOff x="7018669" y="3956873"/>
+            <a:chExt cx="1570825" cy="1123058"/>
+          </a:xfrm>
+        </p:grpSpPr>
+        <p:sp>
+          <p:nvSpPr>
+            <p:cNvPr id="79" name="TextBox 78">
+              <a:extLst>
+                <a:ext uri="{FF2B5EF4-FFF2-40B4-BE49-F238E27FC236}">
+                  <a16:creationId xmlns:a16="http://schemas.microsoft.com/office/drawing/2014/main" id="{59CCC0EE-ED43-45AB-BBB0-213E0C324782}"/>
+                </a:ext>
+              </a:extLst>
+            </p:cNvPr>
+            <p:cNvSpPr txBox="1"/>
+            <p:nvPr/>
+          </p:nvSpPr>
+          <p:spPr>
+            <a:xfrm>
+              <a:off x="7041280" y="4333736"/>
+              <a:ext cx="1548214" cy="369332"/>
+            </a:xfrm>
+            <a:prstGeom prst="rect">
+              <a:avLst/>
+            </a:prstGeom>
+            <a:noFill/>
+          </p:spPr>
+          <p:txBody>
+            <a:bodyPr wrap="square" rtlCol="0">
+              <a:spAutoFit/>
+            </a:bodyPr>
+            <a:lstStyle/>
+            <a:p>
+              <a:r>
+                <a:rPr lang="en-US" altLang="ko-KR" dirty="0"/>
+                <a:t>Raspberry Pi</a:t>
+              </a:r>
+              <a:endParaRPr lang="ko-KR" altLang="en-US" dirty="0"/>
+            </a:p>
+          </p:txBody>
+        </p:sp>
+        <p:sp>
+          <p:nvSpPr>
+            <p:cNvPr id="80" name="직사각형 79">
+              <a:extLst>
+                <a:ext uri="{FF2B5EF4-FFF2-40B4-BE49-F238E27FC236}">
+                  <a16:creationId xmlns:a16="http://schemas.microsoft.com/office/drawing/2014/main" id="{27CACB22-474D-436D-8C4E-8F50BA417169}"/>
+                </a:ext>
+              </a:extLst>
+            </p:cNvPr>
+            <p:cNvSpPr/>
+            <p:nvPr/>
+          </p:nvSpPr>
+          <p:spPr>
+            <a:xfrm>
+              <a:off x="7018669" y="3956873"/>
+              <a:ext cx="1548214" cy="1123058"/>
+            </a:xfrm>
+            <a:prstGeom prst="rect">
+              <a:avLst/>
+            </a:prstGeom>
+            <a:noFill/>
+            <a:ln>
+              <a:solidFill>
+                <a:schemeClr val="tx1"/>
+              </a:solidFill>
+            </a:ln>
+          </p:spPr>
+          <p:style>
+            <a:lnRef idx="2">
+              <a:schemeClr val="accent1">
+                <a:shade val="50000"/>
+              </a:schemeClr>
+            </a:lnRef>
+            <a:fillRef idx="1">
+              <a:schemeClr val="accent1"/>
+            </a:fillRef>
+            <a:effectRef idx="0">
+              <a:schemeClr val="accent1"/>
+            </a:effectRef>
+            <a:fontRef idx="minor">
+              <a:schemeClr val="lt1"/>
+            </a:fontRef>
+          </p:style>
+          <p:txBody>
+            <a:bodyPr rtlCol="0" anchor="ctr"/>
+            <a:lstStyle/>
+            <a:p>
+              <a:pPr algn="ctr"/>
+              <a:endParaRPr lang="ko-KR" altLang="en-US"/>
+            </a:p>
+          </p:txBody>
+        </p:sp>
+      </p:grpSp>
+      <p:sp>
+        <p:nvSpPr>
+          <p:cNvPr id="81" name="TextBox 80">
+            <a:extLst>
+              <a:ext uri="{FF2B5EF4-FFF2-40B4-BE49-F238E27FC236}">
+                <a16:creationId xmlns:a16="http://schemas.microsoft.com/office/drawing/2014/main" id="{A7935BA1-B068-4394-8D44-2BEA593E3658}"/>
+              </a:ext>
+            </a:extLst>
+          </p:cNvPr>
+          <p:cNvSpPr txBox="1"/>
+          <p:nvPr/>
+        </p:nvSpPr>
+        <p:spPr>
+          <a:xfrm>
+            <a:off x="5630575" y="5648424"/>
             <a:ext cx="1684185" cy="523220"/>
           </a:xfrm>
           <a:prstGeom prst="rect">
@@ -4375,10 +6320,10 @@
       </p:sp>
       <p:sp>
         <p:nvSpPr>
-          <p:cNvPr id="11" name="TextBox 10">
-            <a:extLst>
-              <a:ext uri="{FF2B5EF4-FFF2-40B4-BE49-F238E27FC236}">
-                <a16:creationId xmlns:a16="http://schemas.microsoft.com/office/drawing/2014/main" id="{0258B488-ED3A-429A-AE36-4B8B3A02D470}"/>
+          <p:cNvPr id="82" name="TextBox 81">
+            <a:extLst>
+              <a:ext uri="{FF2B5EF4-FFF2-40B4-BE49-F238E27FC236}">
+                <a16:creationId xmlns:a16="http://schemas.microsoft.com/office/drawing/2014/main" id="{E9FB8B6D-3413-4F65-B186-1874863EDF7D}"/>
               </a:ext>
             </a:extLst>
           </p:cNvPr>
@@ -4387,79 +6332,7 @@
         </p:nvSpPr>
         <p:spPr>
           <a:xfrm>
-            <a:off x="7255295" y="3426663"/>
-            <a:ext cx="1521018" cy="307777"/>
-          </a:xfrm>
-          <a:prstGeom prst="rect">
-            <a:avLst/>
-          </a:prstGeom>
-          <a:noFill/>
-        </p:spPr>
-        <p:txBody>
-          <a:bodyPr wrap="square" rtlCol="0">
-            <a:spAutoFit/>
-          </a:bodyPr>
-          <a:lstStyle/>
-          <a:p>
-            <a:r>
-              <a:rPr lang="en-US" altLang="ko-KR" sz="1400" dirty="0"/>
-              <a:t>AI result Data</a:t>
-            </a:r>
-            <a:endParaRPr lang="ko-KR" altLang="en-US" sz="1400" dirty="0"/>
-          </a:p>
-        </p:txBody>
-      </p:sp>
-      <p:sp>
-        <p:nvSpPr>
-          <p:cNvPr id="14" name="TextBox 13">
-            <a:extLst>
-              <a:ext uri="{FF2B5EF4-FFF2-40B4-BE49-F238E27FC236}">
-                <a16:creationId xmlns:a16="http://schemas.microsoft.com/office/drawing/2014/main" id="{3CDE2BB6-56BB-4D5D-A4C6-570B200E42AB}"/>
-              </a:ext>
-            </a:extLst>
-          </p:cNvPr>
-          <p:cNvSpPr txBox="1"/>
-          <p:nvPr/>
-        </p:nvSpPr>
-        <p:spPr>
-          <a:xfrm>
-            <a:off x="3831904" y="3035112"/>
-            <a:ext cx="1521018" cy="307777"/>
-          </a:xfrm>
-          <a:prstGeom prst="rect">
-            <a:avLst/>
-          </a:prstGeom>
-          <a:noFill/>
-        </p:spPr>
-        <p:txBody>
-          <a:bodyPr wrap="square" rtlCol="0">
-            <a:spAutoFit/>
-          </a:bodyPr>
-          <a:lstStyle/>
-          <a:p>
-            <a:r>
-              <a:rPr lang="en-US" altLang="ko-KR" sz="1400" dirty="0"/>
-              <a:t>Image Data</a:t>
-            </a:r>
-            <a:endParaRPr lang="ko-KR" altLang="en-US" sz="1400" dirty="0"/>
-          </a:p>
-        </p:txBody>
-      </p:sp>
-      <p:sp>
-        <p:nvSpPr>
-          <p:cNvPr id="15" name="TextBox 14">
-            <a:extLst>
-              <a:ext uri="{FF2B5EF4-FFF2-40B4-BE49-F238E27FC236}">
-                <a16:creationId xmlns:a16="http://schemas.microsoft.com/office/drawing/2014/main" id="{D844ADF2-BB59-452D-9988-229777843515}"/>
-              </a:ext>
-            </a:extLst>
-          </p:cNvPr>
-          <p:cNvSpPr txBox="1"/>
-          <p:nvPr/>
-        </p:nvSpPr>
-        <p:spPr>
-          <a:xfrm>
-            <a:off x="2700784" y="3923162"/>
+            <a:off x="2847597" y="4924552"/>
             <a:ext cx="1152652" cy="307777"/>
           </a:xfrm>
           <a:prstGeom prst="rect">
@@ -4482,10 +6355,10 @@
       </p:sp>
       <p:sp>
         <p:nvSpPr>
-          <p:cNvPr id="106" name="타원 105">
-            <a:extLst>
-              <a:ext uri="{FF2B5EF4-FFF2-40B4-BE49-F238E27FC236}">
-                <a16:creationId xmlns:a16="http://schemas.microsoft.com/office/drawing/2014/main" id="{E31F3F45-2D72-479B-AD8D-89156896E702}"/>
+          <p:cNvPr id="83" name="타원 82">
+            <a:extLst>
+              <a:ext uri="{FF2B5EF4-FFF2-40B4-BE49-F238E27FC236}">
+                <a16:creationId xmlns:a16="http://schemas.microsoft.com/office/drawing/2014/main" id="{DCD785A1-09A0-4B7E-A4BE-B28A56285174}"/>
               </a:ext>
             </a:extLst>
           </p:cNvPr>
@@ -4494,7 +6367,7 @@
         </p:nvSpPr>
         <p:spPr>
           <a:xfrm>
-            <a:off x="2650280" y="5773677"/>
+            <a:off x="1876457" y="6367411"/>
             <a:ext cx="1409161" cy="458332"/>
           </a:xfrm>
           <a:prstGeom prst="ellipse">
@@ -4548,24 +6421,24 @@
       </p:sp>
       <p:cxnSp>
         <p:nvCxnSpPr>
-          <p:cNvPr id="107" name="직선 연결선 106">
-            <a:extLst>
-              <a:ext uri="{FF2B5EF4-FFF2-40B4-BE49-F238E27FC236}">
-                <a16:creationId xmlns:a16="http://schemas.microsoft.com/office/drawing/2014/main" id="{4AFF99C2-AE4A-4303-9F3B-D1E3F40F26D8}"/>
+          <p:cNvPr id="84" name="직선 연결선 83">
+            <a:extLst>
+              <a:ext uri="{FF2B5EF4-FFF2-40B4-BE49-F238E27FC236}">
+                <a16:creationId xmlns:a16="http://schemas.microsoft.com/office/drawing/2014/main" id="{6B171E06-E043-4505-93BF-0C1FCF21CF9B}"/>
               </a:ext>
             </a:extLst>
           </p:cNvPr>
           <p:cNvCxnSpPr>
             <a:cxnSpLocks/>
-            <a:stCxn id="99" idx="2"/>
-            <a:endCxn id="106" idx="0"/>
+            <a:stCxn id="66" idx="2"/>
+            <a:endCxn id="83" idx="0"/>
           </p:cNvCxnSpPr>
           <p:nvPr/>
         </p:nvCxnSpPr>
         <p:spPr>
           <a:xfrm>
-            <a:off x="2561072" y="5524299"/>
-            <a:ext cx="793789" cy="249378"/>
+            <a:off x="1700201" y="5849184"/>
+            <a:ext cx="880837" cy="518227"/>
           </a:xfrm>
           <a:prstGeom prst="line">
             <a:avLst/>
@@ -4588,24 +6461,22 @@
       </p:cxnSp>
       <p:cxnSp>
         <p:nvCxnSpPr>
-          <p:cNvPr id="102" name="직선 화살표 연결선 101">
-            <a:extLst>
-              <a:ext uri="{FF2B5EF4-FFF2-40B4-BE49-F238E27FC236}">
-                <a16:creationId xmlns:a16="http://schemas.microsoft.com/office/drawing/2014/main" id="{899CF412-4E26-4442-990B-CC981CB84C52}"/>
+          <p:cNvPr id="86" name="직선 화살표 연결선 85">
+            <a:extLst>
+              <a:ext uri="{FF2B5EF4-FFF2-40B4-BE49-F238E27FC236}">
+                <a16:creationId xmlns:a16="http://schemas.microsoft.com/office/drawing/2014/main" id="{531FE38E-C948-41B2-8FB3-CFE60A2AF74B}"/>
               </a:ext>
             </a:extLst>
           </p:cNvPr>
           <p:cNvCxnSpPr>
             <a:cxnSpLocks/>
-            <a:stCxn id="95" idx="2"/>
-            <a:endCxn id="99" idx="0"/>
           </p:cNvCxnSpPr>
           <p:nvPr/>
         </p:nvCxnSpPr>
         <p:spPr>
           <a:xfrm>
-            <a:off x="2550364" y="3716552"/>
-            <a:ext cx="10708" cy="721046"/>
+            <a:off x="5765018" y="5396105"/>
+            <a:ext cx="1342049" cy="30410"/>
           </a:xfrm>
           <a:prstGeom prst="straightConnector1">
             <a:avLst/>
@@ -4614,7 +6485,145 @@
             <a:solidFill>
               <a:schemeClr val="tx1"/>
             </a:solidFill>
-            <a:headEnd type="triangle"/>
+            <a:tailEnd type="triangle"/>
+          </a:ln>
+        </p:spPr>
+        <p:style>
+          <a:lnRef idx="1">
+            <a:schemeClr val="accent1"/>
+          </a:lnRef>
+          <a:fillRef idx="0">
+            <a:schemeClr val="accent1"/>
+          </a:fillRef>
+          <a:effectRef idx="0">
+            <a:schemeClr val="accent1"/>
+          </a:effectRef>
+          <a:fontRef idx="minor">
+            <a:schemeClr val="tx1"/>
+          </a:fontRef>
+        </p:style>
+      </p:cxnSp>
+      <p:cxnSp>
+        <p:nvCxnSpPr>
+          <p:cNvPr id="88" name="직선 화살표 연결선 87">
+            <a:extLst>
+              <a:ext uri="{FF2B5EF4-FFF2-40B4-BE49-F238E27FC236}">
+                <a16:creationId xmlns:a16="http://schemas.microsoft.com/office/drawing/2014/main" id="{82722D47-FF4B-4558-8543-4E0A87E1534E}"/>
+              </a:ext>
+            </a:extLst>
+          </p:cNvPr>
+          <p:cNvCxnSpPr>
+            <a:cxnSpLocks/>
+          </p:cNvCxnSpPr>
+          <p:nvPr/>
+        </p:nvCxnSpPr>
+        <p:spPr>
+          <a:xfrm>
+            <a:off x="2581037" y="5325210"/>
+            <a:ext cx="1273195" cy="0"/>
+          </a:xfrm>
+          <a:prstGeom prst="straightConnector1">
+            <a:avLst/>
+          </a:prstGeom>
+          <a:ln w="57150">
+            <a:solidFill>
+              <a:schemeClr val="tx1"/>
+            </a:solidFill>
+            <a:tailEnd type="triangle"/>
+          </a:ln>
+        </p:spPr>
+        <p:style>
+          <a:lnRef idx="1">
+            <a:schemeClr val="accent1"/>
+          </a:lnRef>
+          <a:fillRef idx="0">
+            <a:schemeClr val="accent1"/>
+          </a:fillRef>
+          <a:effectRef idx="0">
+            <a:schemeClr val="accent1"/>
+          </a:effectRef>
+          <a:fontRef idx="minor">
+            <a:schemeClr val="tx1"/>
+          </a:fontRef>
+        </p:style>
+      </p:cxnSp>
+      <p:sp>
+        <p:nvSpPr>
+          <p:cNvPr id="89" name="TextBox 88">
+            <a:extLst>
+              <a:ext uri="{FF2B5EF4-FFF2-40B4-BE49-F238E27FC236}">
+                <a16:creationId xmlns:a16="http://schemas.microsoft.com/office/drawing/2014/main" id="{FACE284D-C751-4067-AB79-FF133FE0C1A7}"/>
+              </a:ext>
+            </a:extLst>
+          </p:cNvPr>
+          <p:cNvSpPr txBox="1"/>
+          <p:nvPr/>
+        </p:nvSpPr>
+        <p:spPr>
+          <a:xfrm>
+            <a:off x="8313292" y="5648424"/>
+            <a:ext cx="1684185" cy="523220"/>
+          </a:xfrm>
+          <a:prstGeom prst="rect">
+            <a:avLst/>
+          </a:prstGeom>
+          <a:noFill/>
+        </p:spPr>
+        <p:txBody>
+          <a:bodyPr wrap="square" rtlCol="0">
+            <a:spAutoFit/>
+          </a:bodyPr>
+          <a:lstStyle/>
+          <a:p>
+            <a:r>
+              <a:rPr lang="en-US" altLang="ko-KR" sz="1400" dirty="0"/>
+              <a:t>Temperature</a:t>
+            </a:r>
+            <a:r>
+              <a:rPr lang="ko-KR" altLang="en-US" sz="1400" dirty="0"/>
+              <a:t> </a:t>
+            </a:r>
+            <a:r>
+              <a:rPr lang="en-US" altLang="ko-KR" sz="1400" dirty="0"/>
+              <a:t>Data</a:t>
+            </a:r>
+            <a:br>
+              <a:rPr lang="en-US" altLang="ko-KR" sz="1400" dirty="0"/>
+            </a:br>
+            <a:r>
+              <a:rPr lang="en-US" altLang="ko-KR" sz="1400" dirty="0"/>
+              <a:t>Humidity Data</a:t>
+            </a:r>
+            <a:endParaRPr lang="ko-KR" altLang="en-US" sz="1400" dirty="0"/>
+          </a:p>
+        </p:txBody>
+      </p:sp>
+      <p:cxnSp>
+        <p:nvCxnSpPr>
+          <p:cNvPr id="90" name="직선 화살표 연결선 89">
+            <a:extLst>
+              <a:ext uri="{FF2B5EF4-FFF2-40B4-BE49-F238E27FC236}">
+                <a16:creationId xmlns:a16="http://schemas.microsoft.com/office/drawing/2014/main" id="{8D04A8AF-C712-4C72-A2BF-972A8643392F}"/>
+              </a:ext>
+            </a:extLst>
+          </p:cNvPr>
+          <p:cNvCxnSpPr>
+            <a:cxnSpLocks/>
+          </p:cNvCxnSpPr>
+          <p:nvPr/>
+        </p:nvCxnSpPr>
+        <p:spPr>
+          <a:xfrm>
+            <a:off x="8447735" y="5396105"/>
+            <a:ext cx="1342049" cy="30410"/>
+          </a:xfrm>
+          <a:prstGeom prst="straightConnector1">
+            <a:avLst/>
+          </a:prstGeom>
+          <a:ln w="57150">
+            <a:solidFill>
+              <a:schemeClr val="tx1"/>
+            </a:solidFill>
             <a:tailEnd type="triangle"/>
           </a:ln>
         </p:spPr>
@@ -4636,7 +6645,3533 @@
     </p:spTree>
     <p:extLst>
       <p:ext uri="{BB962C8B-B14F-4D97-AF65-F5344CB8AC3E}">
+        <p14:creationId xmlns:p14="http://schemas.microsoft.com/office/powerpoint/2010/main" val="3548807346"/>
+      </p:ext>
+    </p:extLst>
+  </p:cSld>
+  <p:clrMapOvr>
+    <a:masterClrMapping/>
+  </p:clrMapOvr>
+</p:sld>
+</file>
+
+<file path=ppt/slides/slide3.xml><?xml version="1.0" encoding="utf-8"?>
+<p:sld xmlns:a="http://schemas.openxmlformats.org/drawingml/2006/main" xmlns:r="http://schemas.openxmlformats.org/officeDocument/2006/relationships" xmlns:p="http://schemas.openxmlformats.org/presentationml/2006/main">
+  <p:cSld>
+    <p:spTree>
+      <p:nvGrpSpPr>
+        <p:cNvPr id="1" name=""/>
+        <p:cNvGrpSpPr/>
+        <p:nvPr/>
+      </p:nvGrpSpPr>
+      <p:grpSpPr>
+        <a:xfrm>
+          <a:off x="0" y="0"/>
+          <a:ext cx="0" cy="0"/>
+          <a:chOff x="0" y="0"/>
+          <a:chExt cx="0" cy="0"/>
+        </a:xfrm>
+      </p:grpSpPr>
+      <p:sp>
+        <p:nvSpPr>
+          <p:cNvPr id="5" name="TextBox 4">
+            <a:extLst>
+              <a:ext uri="{FF2B5EF4-FFF2-40B4-BE49-F238E27FC236}">
+                <a16:creationId xmlns:a16="http://schemas.microsoft.com/office/drawing/2014/main" id="{65D7B605-B5B3-44B7-BA8D-00677B0015F0}"/>
+              </a:ext>
+            </a:extLst>
+          </p:cNvPr>
+          <p:cNvSpPr txBox="1"/>
+          <p:nvPr/>
+        </p:nvSpPr>
+        <p:spPr>
+          <a:xfrm>
+            <a:off x="145930" y="164326"/>
+            <a:ext cx="558166" cy="461665"/>
+          </a:xfrm>
+          <a:prstGeom prst="rect">
+            <a:avLst/>
+          </a:prstGeom>
+          <a:noFill/>
+        </p:spPr>
+        <p:txBody>
+          <a:bodyPr wrap="none" rtlCol="0">
+            <a:spAutoFit/>
+          </a:bodyPr>
+          <a:lstStyle/>
+          <a:p>
+            <a:r>
+              <a:rPr lang="en-US" altLang="ko-KR" sz="2400" spc="-150" dirty="0">
+                <a:solidFill>
+                  <a:schemeClr val="bg2">
+                    <a:lumMod val="25000"/>
+                  </a:schemeClr>
+                </a:solidFill>
+                <a:latin typeface="+mj-ea"/>
+                <a:ea typeface="+mj-ea"/>
+              </a:rPr>
+              <a:t>IoT</a:t>
+            </a:r>
+            <a:endParaRPr lang="ko-KR" altLang="en-US" sz="2400" spc="-150" dirty="0">
+              <a:solidFill>
+                <a:schemeClr val="bg2">
+                  <a:lumMod val="25000"/>
+                </a:schemeClr>
+              </a:solidFill>
+              <a:latin typeface="+mj-ea"/>
+              <a:ea typeface="+mj-ea"/>
+            </a:endParaRPr>
+          </a:p>
+        </p:txBody>
+      </p:sp>
+      <p:grpSp>
+        <p:nvGrpSpPr>
+          <p:cNvPr id="4" name="그룹 3">
+            <a:extLst>
+              <a:ext uri="{FF2B5EF4-FFF2-40B4-BE49-F238E27FC236}">
+                <a16:creationId xmlns:a16="http://schemas.microsoft.com/office/drawing/2014/main" id="{EA1A9A8F-6E5F-4336-8785-021550808EE7}"/>
+              </a:ext>
+            </a:extLst>
+          </p:cNvPr>
+          <p:cNvGrpSpPr/>
+          <p:nvPr/>
+        </p:nvGrpSpPr>
+        <p:grpSpPr>
+          <a:xfrm>
+            <a:off x="661537" y="1633980"/>
+            <a:ext cx="10044254" cy="4598029"/>
+            <a:chOff x="661537" y="1633980"/>
+            <a:chExt cx="10044254" cy="4598029"/>
+          </a:xfrm>
+        </p:grpSpPr>
+        <p:sp>
+          <p:nvSpPr>
+            <p:cNvPr id="71" name="원통형 70">
+              <a:extLst>
+                <a:ext uri="{FF2B5EF4-FFF2-40B4-BE49-F238E27FC236}">
+                  <a16:creationId xmlns:a16="http://schemas.microsoft.com/office/drawing/2014/main" id="{4362027E-F92C-4CAB-9C35-761CE9D688B1}"/>
+                </a:ext>
+              </a:extLst>
+            </p:cNvPr>
+            <p:cNvSpPr/>
+            <p:nvPr/>
+          </p:nvSpPr>
+          <p:spPr>
+            <a:xfrm>
+              <a:off x="5965554" y="2836461"/>
+              <a:ext cx="987393" cy="1086701"/>
+            </a:xfrm>
+            <a:prstGeom prst="can">
+              <a:avLst/>
+            </a:prstGeom>
+            <a:solidFill>
+              <a:schemeClr val="accent3">
+                <a:lumMod val="20000"/>
+                <a:lumOff val="80000"/>
+              </a:schemeClr>
+            </a:solidFill>
+            <a:ln>
+              <a:solidFill>
+                <a:schemeClr val="tx1"/>
+              </a:solidFill>
+            </a:ln>
+          </p:spPr>
+          <p:style>
+            <a:lnRef idx="2">
+              <a:schemeClr val="accent6"/>
+            </a:lnRef>
+            <a:fillRef idx="1">
+              <a:schemeClr val="lt1"/>
+            </a:fillRef>
+            <a:effectRef idx="0">
+              <a:schemeClr val="accent6"/>
+            </a:effectRef>
+            <a:fontRef idx="minor">
+              <a:schemeClr val="dk1"/>
+            </a:fontRef>
+          </p:style>
+          <p:txBody>
+            <a:bodyPr rtlCol="0" anchor="ctr"/>
+            <a:lstStyle/>
+            <a:p>
+              <a:pPr algn="ctr"/>
+              <a:r>
+                <a:rPr lang="en-US" altLang="ko-KR" dirty="0"/>
+                <a:t>AWS</a:t>
+              </a:r>
+              <a:br>
+                <a:rPr lang="en-US" altLang="ko-KR" dirty="0"/>
+              </a:br>
+              <a:r>
+                <a:rPr lang="en-US" altLang="ko-KR" dirty="0"/>
+                <a:t>IoT</a:t>
+              </a:r>
+              <a:endParaRPr lang="ko-KR" altLang="en-US" dirty="0"/>
+            </a:p>
+          </p:txBody>
+        </p:sp>
+        <p:grpSp>
+          <p:nvGrpSpPr>
+            <p:cNvPr id="70" name="그룹 69">
+              <a:extLst>
+                <a:ext uri="{FF2B5EF4-FFF2-40B4-BE49-F238E27FC236}">
+                  <a16:creationId xmlns:a16="http://schemas.microsoft.com/office/drawing/2014/main" id="{EEC20B53-CB5D-467A-B977-3169514340B8}"/>
+                </a:ext>
+              </a:extLst>
+            </p:cNvPr>
+            <p:cNvGrpSpPr/>
+            <p:nvPr/>
+          </p:nvGrpSpPr>
+          <p:grpSpPr>
+            <a:xfrm>
+              <a:off x="1759670" y="4437598"/>
+              <a:ext cx="1602803" cy="1086701"/>
+              <a:chOff x="6096000" y="3943358"/>
+              <a:chExt cx="1548214" cy="1123058"/>
+            </a:xfrm>
+          </p:grpSpPr>
+          <p:sp>
+            <p:nvSpPr>
+              <p:cNvPr id="98" name="TextBox 97">
+                <a:extLst>
+                  <a:ext uri="{FF2B5EF4-FFF2-40B4-BE49-F238E27FC236}">
+                    <a16:creationId xmlns:a16="http://schemas.microsoft.com/office/drawing/2014/main" id="{3CAF01D3-60DE-4181-A522-775D96FC723C}"/>
+                  </a:ext>
+                </a:extLst>
+              </p:cNvPr>
+              <p:cNvSpPr txBox="1"/>
+              <p:nvPr/>
+            </p:nvSpPr>
+            <p:spPr>
+              <a:xfrm>
+                <a:off x="6380859" y="4334068"/>
+                <a:ext cx="1126302" cy="381688"/>
+              </a:xfrm>
+              <a:prstGeom prst="rect">
+                <a:avLst/>
+              </a:prstGeom>
+              <a:noFill/>
+            </p:spPr>
+            <p:txBody>
+              <a:bodyPr wrap="square" rtlCol="0">
+                <a:spAutoFit/>
+              </a:bodyPr>
+              <a:lstStyle/>
+              <a:p>
+                <a:r>
+                  <a:rPr lang="en-US" altLang="ko-KR" dirty="0"/>
+                  <a:t>Arduino</a:t>
+                </a:r>
+                <a:endParaRPr lang="ko-KR" altLang="en-US" dirty="0"/>
+              </a:p>
+            </p:txBody>
+          </p:sp>
+          <p:sp>
+            <p:nvSpPr>
+              <p:cNvPr id="99" name="직사각형 98">
+                <a:extLst>
+                  <a:ext uri="{FF2B5EF4-FFF2-40B4-BE49-F238E27FC236}">
+                    <a16:creationId xmlns:a16="http://schemas.microsoft.com/office/drawing/2014/main" id="{5E14E888-0547-49F0-B828-0071CDAF3DFB}"/>
+                  </a:ext>
+                </a:extLst>
+              </p:cNvPr>
+              <p:cNvSpPr/>
+              <p:nvPr/>
+            </p:nvSpPr>
+            <p:spPr>
+              <a:xfrm>
+                <a:off x="6096000" y="3943358"/>
+                <a:ext cx="1548214" cy="1123058"/>
+              </a:xfrm>
+              <a:prstGeom prst="rect">
+                <a:avLst/>
+              </a:prstGeom>
+              <a:noFill/>
+              <a:ln>
+                <a:solidFill>
+                  <a:schemeClr val="tx1"/>
+                </a:solidFill>
+              </a:ln>
+            </p:spPr>
+            <p:style>
+              <a:lnRef idx="2">
+                <a:schemeClr val="accent1">
+                  <a:shade val="50000"/>
+                </a:schemeClr>
+              </a:lnRef>
+              <a:fillRef idx="1">
+                <a:schemeClr val="accent1"/>
+              </a:fillRef>
+              <a:effectRef idx="0">
+                <a:schemeClr val="accent1"/>
+              </a:effectRef>
+              <a:fontRef idx="minor">
+                <a:schemeClr val="lt1"/>
+              </a:fontRef>
+            </p:style>
+            <p:txBody>
+              <a:bodyPr rtlCol="0" anchor="ctr"/>
+              <a:lstStyle/>
+              <a:p>
+                <a:pPr algn="ctr"/>
+                <a:endParaRPr lang="ko-KR" altLang="en-US"/>
+              </a:p>
+            </p:txBody>
+          </p:sp>
+        </p:grpSp>
+        <p:sp>
+          <p:nvSpPr>
+            <p:cNvPr id="73" name="타원 72">
+              <a:extLst>
+                <a:ext uri="{FF2B5EF4-FFF2-40B4-BE49-F238E27FC236}">
+                  <a16:creationId xmlns:a16="http://schemas.microsoft.com/office/drawing/2014/main" id="{2E905291-BB6B-464E-BEC8-FCC5C08B09A1}"/>
+                </a:ext>
+              </a:extLst>
+            </p:cNvPr>
+            <p:cNvSpPr/>
+            <p:nvPr/>
+          </p:nvSpPr>
+          <p:spPr>
+            <a:xfrm>
+              <a:off x="661537" y="5773677"/>
+              <a:ext cx="1699381" cy="458332"/>
+            </a:xfrm>
+            <a:prstGeom prst="ellipse">
+              <a:avLst/>
+            </a:prstGeom>
+            <a:solidFill>
+              <a:schemeClr val="bg1"/>
+            </a:solidFill>
+            <a:ln>
+              <a:solidFill>
+                <a:schemeClr val="tx1"/>
+              </a:solidFill>
+            </a:ln>
+          </p:spPr>
+          <p:style>
+            <a:lnRef idx="2">
+              <a:schemeClr val="accent1">
+                <a:shade val="50000"/>
+              </a:schemeClr>
+            </a:lnRef>
+            <a:fillRef idx="1">
+              <a:schemeClr val="accent1"/>
+            </a:fillRef>
+            <a:effectRef idx="0">
+              <a:schemeClr val="accent1"/>
+            </a:effectRef>
+            <a:fontRef idx="minor">
+              <a:schemeClr val="lt1"/>
+            </a:fontRef>
+          </p:style>
+          <p:txBody>
+            <a:bodyPr rtlCol="0" anchor="ctr"/>
+            <a:lstStyle/>
+            <a:p>
+              <a:pPr algn="ctr"/>
+              <a:r>
+                <a:rPr lang="en-US" altLang="ko-KR" sz="1200" dirty="0">
+                  <a:solidFill>
+                    <a:schemeClr val="tx1"/>
+                  </a:solidFill>
+                </a:rPr>
+                <a:t>Temperature</a:t>
+              </a:r>
+              <a:endParaRPr lang="ko-KR" altLang="en-US" sz="1200" dirty="0">
+                <a:solidFill>
+                  <a:schemeClr val="tx1"/>
+                </a:solidFill>
+              </a:endParaRPr>
+            </a:p>
+          </p:txBody>
+        </p:sp>
+        <p:cxnSp>
+          <p:nvCxnSpPr>
+            <p:cNvPr id="76" name="직선 연결선 75">
+              <a:extLst>
+                <a:ext uri="{FF2B5EF4-FFF2-40B4-BE49-F238E27FC236}">
+                  <a16:creationId xmlns:a16="http://schemas.microsoft.com/office/drawing/2014/main" id="{8C920F9D-4058-4C27-AD8A-11D822C6B92A}"/>
+                </a:ext>
+              </a:extLst>
+            </p:cNvPr>
+            <p:cNvCxnSpPr>
+              <a:cxnSpLocks/>
+              <a:stCxn id="73" idx="0"/>
+              <a:endCxn id="99" idx="2"/>
+            </p:cNvCxnSpPr>
+            <p:nvPr/>
+          </p:nvCxnSpPr>
+          <p:spPr>
+            <a:xfrm flipV="1">
+              <a:off x="1511228" y="5524299"/>
+              <a:ext cx="1049844" cy="249378"/>
+            </a:xfrm>
+            <a:prstGeom prst="line">
+              <a:avLst/>
+            </a:prstGeom>
+          </p:spPr>
+          <p:style>
+            <a:lnRef idx="1">
+              <a:schemeClr val="dk1"/>
+            </a:lnRef>
+            <a:fillRef idx="0">
+              <a:schemeClr val="dk1"/>
+            </a:fillRef>
+            <a:effectRef idx="0">
+              <a:schemeClr val="dk1"/>
+            </a:effectRef>
+            <a:fontRef idx="minor">
+              <a:schemeClr val="tx1"/>
+            </a:fontRef>
+          </p:style>
+        </p:cxnSp>
+        <p:grpSp>
+          <p:nvGrpSpPr>
+            <p:cNvPr id="3" name="그룹 2">
+              <a:extLst>
+                <a:ext uri="{FF2B5EF4-FFF2-40B4-BE49-F238E27FC236}">
+                  <a16:creationId xmlns:a16="http://schemas.microsoft.com/office/drawing/2014/main" id="{8DB4DAF2-CA16-48D8-BE5D-BFDFDDF5A425}"/>
+                </a:ext>
+              </a:extLst>
+            </p:cNvPr>
+            <p:cNvGrpSpPr/>
+            <p:nvPr/>
+          </p:nvGrpSpPr>
+          <p:grpSpPr>
+            <a:xfrm>
+              <a:off x="8640716" y="2104971"/>
+              <a:ext cx="2065075" cy="1818191"/>
+              <a:chOff x="8199900" y="1345427"/>
+              <a:chExt cx="2238496" cy="2131649"/>
+            </a:xfrm>
+          </p:grpSpPr>
+          <p:grpSp>
+            <p:nvGrpSpPr>
+              <p:cNvPr id="78" name="그룹 77">
+                <a:extLst>
+                  <a:ext uri="{FF2B5EF4-FFF2-40B4-BE49-F238E27FC236}">
+                    <a16:creationId xmlns:a16="http://schemas.microsoft.com/office/drawing/2014/main" id="{8A915E2A-D477-456F-8BD1-14C4CD936A17}"/>
+                  </a:ext>
+                </a:extLst>
+              </p:cNvPr>
+              <p:cNvGrpSpPr/>
+              <p:nvPr/>
+            </p:nvGrpSpPr>
+            <p:grpSpPr>
+              <a:xfrm>
+                <a:off x="8346884" y="2203027"/>
+                <a:ext cx="1746026" cy="1274049"/>
+                <a:chOff x="6096000" y="3943358"/>
+                <a:chExt cx="1555898" cy="1123058"/>
+              </a:xfrm>
+            </p:grpSpPr>
+            <p:sp>
+              <p:nvSpPr>
+                <p:cNvPr id="96" name="TextBox 95">
+                  <a:extLst>
+                    <a:ext uri="{FF2B5EF4-FFF2-40B4-BE49-F238E27FC236}">
+                      <a16:creationId xmlns:a16="http://schemas.microsoft.com/office/drawing/2014/main" id="{B8B2FEF1-ABBB-424E-89E3-5BA3A9B9983E}"/>
+                    </a:ext>
+                  </a:extLst>
+                </p:cNvPr>
+                <p:cNvSpPr txBox="1"/>
+                <p:nvPr/>
+              </p:nvSpPr>
+              <p:spPr>
+                <a:xfrm>
+                  <a:off x="6231497" y="4314042"/>
+                  <a:ext cx="1420401" cy="381688"/>
+                </a:xfrm>
+                <a:prstGeom prst="rect">
+                  <a:avLst/>
+                </a:prstGeom>
+                <a:noFill/>
+              </p:spPr>
+              <p:txBody>
+                <a:bodyPr wrap="square" rtlCol="0">
+                  <a:spAutoFit/>
+                </a:bodyPr>
+                <a:lstStyle/>
+                <a:p>
+                  <a:r>
+                    <a:rPr lang="en-US" altLang="ko-KR" dirty="0"/>
+                    <a:t>Application</a:t>
+                  </a:r>
+                  <a:endParaRPr lang="ko-KR" altLang="en-US" dirty="0"/>
+                </a:p>
+              </p:txBody>
+            </p:sp>
+            <p:sp>
+              <p:nvSpPr>
+                <p:cNvPr id="97" name="직사각형 96">
+                  <a:extLst>
+                    <a:ext uri="{FF2B5EF4-FFF2-40B4-BE49-F238E27FC236}">
+                      <a16:creationId xmlns:a16="http://schemas.microsoft.com/office/drawing/2014/main" id="{1E524784-102F-4C35-B3ED-1B0A60940D3F}"/>
+                    </a:ext>
+                  </a:extLst>
+                </p:cNvPr>
+                <p:cNvSpPr/>
+                <p:nvPr/>
+              </p:nvSpPr>
+              <p:spPr>
+                <a:xfrm>
+                  <a:off x="6096000" y="3943358"/>
+                  <a:ext cx="1548214" cy="1123058"/>
+                </a:xfrm>
+                <a:prstGeom prst="rect">
+                  <a:avLst/>
+                </a:prstGeom>
+                <a:noFill/>
+                <a:ln>
+                  <a:solidFill>
+                    <a:schemeClr val="tx1"/>
+                  </a:solidFill>
+                </a:ln>
+              </p:spPr>
+              <p:style>
+                <a:lnRef idx="2">
+                  <a:schemeClr val="accent1">
+                    <a:shade val="50000"/>
+                  </a:schemeClr>
+                </a:lnRef>
+                <a:fillRef idx="1">
+                  <a:schemeClr val="accent1"/>
+                </a:fillRef>
+                <a:effectRef idx="0">
+                  <a:schemeClr val="accent1"/>
+                </a:effectRef>
+                <a:fontRef idx="minor">
+                  <a:schemeClr val="lt1"/>
+                </a:fontRef>
+              </p:style>
+              <p:txBody>
+                <a:bodyPr rtlCol="0" anchor="ctr"/>
+                <a:lstStyle/>
+                <a:p>
+                  <a:pPr algn="ctr"/>
+                  <a:endParaRPr lang="ko-KR" altLang="en-US"/>
+                </a:p>
+              </p:txBody>
+            </p:sp>
+          </p:grpSp>
+          <p:sp>
+            <p:nvSpPr>
+              <p:cNvPr id="79" name="타원 78">
+                <a:extLst>
+                  <a:ext uri="{FF2B5EF4-FFF2-40B4-BE49-F238E27FC236}">
+                    <a16:creationId xmlns:a16="http://schemas.microsoft.com/office/drawing/2014/main" id="{7F2C2760-3B88-4BD9-9B28-315DF7A8B872}"/>
+                  </a:ext>
+                </a:extLst>
+              </p:cNvPr>
+              <p:cNvSpPr/>
+              <p:nvPr/>
+            </p:nvSpPr>
+            <p:spPr>
+              <a:xfrm>
+                <a:off x="8199900" y="1345427"/>
+                <a:ext cx="1043881" cy="537349"/>
+              </a:xfrm>
+              <a:prstGeom prst="ellipse">
+                <a:avLst/>
+              </a:prstGeom>
+              <a:solidFill>
+                <a:schemeClr val="bg1"/>
+              </a:solidFill>
+              <a:ln>
+                <a:solidFill>
+                  <a:schemeClr val="tx1"/>
+                </a:solidFill>
+              </a:ln>
+            </p:spPr>
+            <p:style>
+              <a:lnRef idx="2">
+                <a:schemeClr val="accent1">
+                  <a:shade val="50000"/>
+                </a:schemeClr>
+              </a:lnRef>
+              <a:fillRef idx="1">
+                <a:schemeClr val="accent1"/>
+              </a:fillRef>
+              <a:effectRef idx="0">
+                <a:schemeClr val="accent1"/>
+              </a:effectRef>
+              <a:fontRef idx="minor">
+                <a:schemeClr val="lt1"/>
+              </a:fontRef>
+            </p:style>
+            <p:txBody>
+              <a:bodyPr rtlCol="0" anchor="ctr"/>
+              <a:lstStyle/>
+              <a:p>
+                <a:pPr algn="ctr"/>
+                <a:r>
+                  <a:rPr lang="en-US" altLang="ko-KR" sz="1200" dirty="0">
+                    <a:solidFill>
+                      <a:schemeClr val="tx1"/>
+                    </a:solidFill>
+                  </a:rPr>
+                  <a:t>LCD</a:t>
+                </a:r>
+                <a:endParaRPr lang="ko-KR" altLang="en-US" sz="1200" dirty="0">
+                  <a:solidFill>
+                    <a:schemeClr val="tx1"/>
+                  </a:solidFill>
+                </a:endParaRPr>
+              </a:p>
+            </p:txBody>
+          </p:sp>
+          <p:sp>
+            <p:nvSpPr>
+              <p:cNvPr id="81" name="타원 80">
+                <a:extLst>
+                  <a:ext uri="{FF2B5EF4-FFF2-40B4-BE49-F238E27FC236}">
+                    <a16:creationId xmlns:a16="http://schemas.microsoft.com/office/drawing/2014/main" id="{856D9BB8-9E43-4B0F-849C-1701B0B4A95B}"/>
+                  </a:ext>
+                </a:extLst>
+              </p:cNvPr>
+              <p:cNvSpPr/>
+              <p:nvPr/>
+            </p:nvSpPr>
+            <p:spPr>
+              <a:xfrm>
+                <a:off x="9400867" y="1345427"/>
+                <a:ext cx="1037529" cy="537349"/>
+              </a:xfrm>
+              <a:prstGeom prst="ellipse">
+                <a:avLst/>
+              </a:prstGeom>
+              <a:solidFill>
+                <a:schemeClr val="bg1"/>
+              </a:solidFill>
+              <a:ln>
+                <a:solidFill>
+                  <a:schemeClr val="tx1"/>
+                </a:solidFill>
+              </a:ln>
+            </p:spPr>
+            <p:style>
+              <a:lnRef idx="2">
+                <a:schemeClr val="accent1">
+                  <a:shade val="50000"/>
+                </a:schemeClr>
+              </a:lnRef>
+              <a:fillRef idx="1">
+                <a:schemeClr val="accent1"/>
+              </a:fillRef>
+              <a:effectRef idx="0">
+                <a:schemeClr val="accent1"/>
+              </a:effectRef>
+              <a:fontRef idx="minor">
+                <a:schemeClr val="lt1"/>
+              </a:fontRef>
+            </p:style>
+            <p:txBody>
+              <a:bodyPr rtlCol="0" anchor="ctr"/>
+              <a:lstStyle/>
+              <a:p>
+                <a:pPr algn="ctr"/>
+                <a:r>
+                  <a:rPr lang="en-US" altLang="ko-KR" sz="1200" dirty="0">
+                    <a:solidFill>
+                      <a:schemeClr val="tx1"/>
+                    </a:solidFill>
+                  </a:rPr>
+                  <a:t>UI/UX</a:t>
+                </a:r>
+                <a:endParaRPr lang="ko-KR" altLang="en-US" sz="1200" dirty="0">
+                  <a:solidFill>
+                    <a:schemeClr val="tx1"/>
+                  </a:solidFill>
+                </a:endParaRPr>
+              </a:p>
+            </p:txBody>
+          </p:sp>
+          <p:cxnSp>
+            <p:nvCxnSpPr>
+              <p:cNvPr id="82" name="직선 연결선 81">
+                <a:extLst>
+                  <a:ext uri="{FF2B5EF4-FFF2-40B4-BE49-F238E27FC236}">
+                    <a16:creationId xmlns:a16="http://schemas.microsoft.com/office/drawing/2014/main" id="{43F5947B-5578-4510-B4B8-37F993220741}"/>
+                  </a:ext>
+                </a:extLst>
+              </p:cNvPr>
+              <p:cNvCxnSpPr>
+                <a:cxnSpLocks/>
+                <a:stCxn id="79" idx="4"/>
+                <a:endCxn id="97" idx="0"/>
+              </p:cNvCxnSpPr>
+              <p:nvPr/>
+            </p:nvCxnSpPr>
+            <p:spPr>
+              <a:xfrm>
+                <a:off x="8721841" y="1882776"/>
+                <a:ext cx="493746" cy="320251"/>
+              </a:xfrm>
+              <a:prstGeom prst="line">
+                <a:avLst/>
+              </a:prstGeom>
+            </p:spPr>
+            <p:style>
+              <a:lnRef idx="1">
+                <a:schemeClr val="dk1"/>
+              </a:lnRef>
+              <a:fillRef idx="0">
+                <a:schemeClr val="dk1"/>
+              </a:fillRef>
+              <a:effectRef idx="0">
+                <a:schemeClr val="dk1"/>
+              </a:effectRef>
+              <a:fontRef idx="minor">
+                <a:schemeClr val="tx1"/>
+              </a:fontRef>
+            </p:style>
+          </p:cxnSp>
+          <p:cxnSp>
+            <p:nvCxnSpPr>
+              <p:cNvPr id="84" name="직선 연결선 83">
+                <a:extLst>
+                  <a:ext uri="{FF2B5EF4-FFF2-40B4-BE49-F238E27FC236}">
+                    <a16:creationId xmlns:a16="http://schemas.microsoft.com/office/drawing/2014/main" id="{9AD18D52-B554-44EB-AEE0-5F8C64FD2FD4}"/>
+                  </a:ext>
+                </a:extLst>
+              </p:cNvPr>
+              <p:cNvCxnSpPr>
+                <a:cxnSpLocks/>
+                <a:stCxn id="97" idx="0"/>
+                <a:endCxn id="81" idx="4"/>
+              </p:cNvCxnSpPr>
+              <p:nvPr/>
+            </p:nvCxnSpPr>
+            <p:spPr>
+              <a:xfrm flipV="1">
+                <a:off x="9215586" y="1882776"/>
+                <a:ext cx="704046" cy="320251"/>
+              </a:xfrm>
+              <a:prstGeom prst="line">
+                <a:avLst/>
+              </a:prstGeom>
+            </p:spPr>
+            <p:style>
+              <a:lnRef idx="1">
+                <a:schemeClr val="dk1"/>
+              </a:lnRef>
+              <a:fillRef idx="0">
+                <a:schemeClr val="dk1"/>
+              </a:fillRef>
+              <a:effectRef idx="0">
+                <a:schemeClr val="dk1"/>
+              </a:effectRef>
+              <a:fontRef idx="minor">
+                <a:schemeClr val="tx1"/>
+              </a:fontRef>
+            </p:style>
+          </p:cxnSp>
+        </p:grpSp>
+        <p:grpSp>
+          <p:nvGrpSpPr>
+            <p:cNvPr id="6" name="그룹 5">
+              <a:extLst>
+                <a:ext uri="{FF2B5EF4-FFF2-40B4-BE49-F238E27FC236}">
+                  <a16:creationId xmlns:a16="http://schemas.microsoft.com/office/drawing/2014/main" id="{CBCBF58C-B1C5-4C9A-8100-16C42514A2AC}"/>
+                </a:ext>
+              </a:extLst>
+            </p:cNvPr>
+            <p:cNvGrpSpPr/>
+            <p:nvPr/>
+          </p:nvGrpSpPr>
+          <p:grpSpPr>
+            <a:xfrm>
+              <a:off x="1748962" y="1633980"/>
+              <a:ext cx="1626211" cy="2082572"/>
+              <a:chOff x="2935220" y="3144252"/>
+              <a:chExt cx="1762777" cy="2441610"/>
+            </a:xfrm>
+          </p:grpSpPr>
+          <p:grpSp>
+            <p:nvGrpSpPr>
+              <p:cNvPr id="85" name="그룹 84">
+                <a:extLst>
+                  <a:ext uri="{FF2B5EF4-FFF2-40B4-BE49-F238E27FC236}">
+                    <a16:creationId xmlns:a16="http://schemas.microsoft.com/office/drawing/2014/main" id="{634F5E78-5622-47F8-B3F8-B1DE747463A7}"/>
+                  </a:ext>
+                </a:extLst>
+              </p:cNvPr>
+              <p:cNvGrpSpPr/>
+              <p:nvPr/>
+            </p:nvGrpSpPr>
+            <p:grpSpPr>
+              <a:xfrm>
+                <a:off x="2935220" y="4311813"/>
+                <a:ext cx="1762777" cy="1274049"/>
+                <a:chOff x="6096000" y="3943358"/>
+                <a:chExt cx="1570825" cy="1123058"/>
+              </a:xfrm>
+            </p:grpSpPr>
+            <p:sp>
+              <p:nvSpPr>
+                <p:cNvPr id="94" name="TextBox 93">
+                  <a:extLst>
+                    <a:ext uri="{FF2B5EF4-FFF2-40B4-BE49-F238E27FC236}">
+                      <a16:creationId xmlns:a16="http://schemas.microsoft.com/office/drawing/2014/main" id="{CBE3AE1B-3495-4B8A-8C8F-ADDEE46528B0}"/>
+                    </a:ext>
+                  </a:extLst>
+                </p:cNvPr>
+                <p:cNvSpPr txBox="1"/>
+                <p:nvPr/>
+              </p:nvSpPr>
+              <p:spPr>
+                <a:xfrm>
+                  <a:off x="6118611" y="4320221"/>
+                  <a:ext cx="1548214" cy="369332"/>
+                </a:xfrm>
+                <a:prstGeom prst="rect">
+                  <a:avLst/>
+                </a:prstGeom>
+                <a:noFill/>
+              </p:spPr>
+              <p:txBody>
+                <a:bodyPr wrap="square" rtlCol="0">
+                  <a:spAutoFit/>
+                </a:bodyPr>
+                <a:lstStyle/>
+                <a:p>
+                  <a:r>
+                    <a:rPr lang="en-US" altLang="ko-KR" dirty="0"/>
+                    <a:t>Raspberry Pi</a:t>
+                  </a:r>
+                  <a:endParaRPr lang="ko-KR" altLang="en-US" dirty="0"/>
+                </a:p>
+              </p:txBody>
+            </p:sp>
+            <p:sp>
+              <p:nvSpPr>
+                <p:cNvPr id="95" name="직사각형 94">
+                  <a:extLst>
+                    <a:ext uri="{FF2B5EF4-FFF2-40B4-BE49-F238E27FC236}">
+                      <a16:creationId xmlns:a16="http://schemas.microsoft.com/office/drawing/2014/main" id="{474F3B62-D2AA-48BC-A056-29E0207168CA}"/>
+                    </a:ext>
+                  </a:extLst>
+                </p:cNvPr>
+                <p:cNvSpPr/>
+                <p:nvPr/>
+              </p:nvSpPr>
+              <p:spPr>
+                <a:xfrm>
+                  <a:off x="6096000" y="3943358"/>
+                  <a:ext cx="1548214" cy="1123058"/>
+                </a:xfrm>
+                <a:prstGeom prst="rect">
+                  <a:avLst/>
+                </a:prstGeom>
+                <a:noFill/>
+                <a:ln>
+                  <a:solidFill>
+                    <a:schemeClr val="tx1"/>
+                  </a:solidFill>
+                </a:ln>
+              </p:spPr>
+              <p:style>
+                <a:lnRef idx="2">
+                  <a:schemeClr val="accent1">
+                    <a:shade val="50000"/>
+                  </a:schemeClr>
+                </a:lnRef>
+                <a:fillRef idx="1">
+                  <a:schemeClr val="accent1"/>
+                </a:fillRef>
+                <a:effectRef idx="0">
+                  <a:schemeClr val="accent1"/>
+                </a:effectRef>
+                <a:fontRef idx="minor">
+                  <a:schemeClr val="lt1"/>
+                </a:fontRef>
+              </p:style>
+              <p:txBody>
+                <a:bodyPr rtlCol="0" anchor="ctr"/>
+                <a:lstStyle/>
+                <a:p>
+                  <a:pPr algn="ctr"/>
+                  <a:endParaRPr lang="ko-KR" altLang="en-US"/>
+                </a:p>
+              </p:txBody>
+            </p:sp>
+          </p:grpSp>
+          <p:sp>
+            <p:nvSpPr>
+              <p:cNvPr id="87" name="타원 86">
+                <a:extLst>
+                  <a:ext uri="{FF2B5EF4-FFF2-40B4-BE49-F238E27FC236}">
+                    <a16:creationId xmlns:a16="http://schemas.microsoft.com/office/drawing/2014/main" id="{CECAB841-2074-488A-825A-0A8440493B88}"/>
+                  </a:ext>
+                </a:extLst>
+              </p:cNvPr>
+              <p:cNvSpPr/>
+              <p:nvPr/>
+            </p:nvSpPr>
+            <p:spPr>
+              <a:xfrm>
+                <a:off x="3087467" y="3144252"/>
+                <a:ext cx="1417219" cy="537349"/>
+              </a:xfrm>
+              <a:prstGeom prst="ellipse">
+                <a:avLst/>
+              </a:prstGeom>
+              <a:solidFill>
+                <a:schemeClr val="bg1"/>
+              </a:solidFill>
+              <a:ln>
+                <a:solidFill>
+                  <a:schemeClr val="tx1"/>
+                </a:solidFill>
+              </a:ln>
+            </p:spPr>
+            <p:style>
+              <a:lnRef idx="2">
+                <a:schemeClr val="accent1">
+                  <a:shade val="50000"/>
+                </a:schemeClr>
+              </a:lnRef>
+              <a:fillRef idx="1">
+                <a:schemeClr val="accent1"/>
+              </a:fillRef>
+              <a:effectRef idx="0">
+                <a:schemeClr val="accent1"/>
+              </a:effectRef>
+              <a:fontRef idx="minor">
+                <a:schemeClr val="lt1"/>
+              </a:fontRef>
+            </p:style>
+            <p:txBody>
+              <a:bodyPr rtlCol="0" anchor="ctr"/>
+              <a:lstStyle/>
+              <a:p>
+                <a:pPr algn="ctr"/>
+                <a:r>
+                  <a:rPr lang="en-US" altLang="ko-KR" sz="1200" dirty="0">
+                    <a:solidFill>
+                      <a:schemeClr val="tx1"/>
+                    </a:solidFill>
+                  </a:rPr>
+                  <a:t>USB CAM</a:t>
+                </a:r>
+                <a:endParaRPr lang="ko-KR" altLang="en-US" sz="1200" dirty="0">
+                  <a:solidFill>
+                    <a:schemeClr val="tx1"/>
+                  </a:solidFill>
+                </a:endParaRPr>
+              </a:p>
+            </p:txBody>
+          </p:sp>
+          <p:cxnSp>
+            <p:nvCxnSpPr>
+              <p:cNvPr id="91" name="직선 연결선 90">
+                <a:extLst>
+                  <a:ext uri="{FF2B5EF4-FFF2-40B4-BE49-F238E27FC236}">
+                    <a16:creationId xmlns:a16="http://schemas.microsoft.com/office/drawing/2014/main" id="{B71AE8EB-B32A-4339-A10D-8C7759E93D4D}"/>
+                  </a:ext>
+                </a:extLst>
+              </p:cNvPr>
+              <p:cNvCxnSpPr>
+                <a:cxnSpLocks/>
+                <a:stCxn id="95" idx="0"/>
+                <a:endCxn id="87" idx="4"/>
+              </p:cNvCxnSpPr>
+              <p:nvPr/>
+            </p:nvCxnSpPr>
+            <p:spPr>
+              <a:xfrm flipH="1" flipV="1">
+                <a:off x="3796076" y="3681601"/>
+                <a:ext cx="7846" cy="630213"/>
+              </a:xfrm>
+              <a:prstGeom prst="line">
+                <a:avLst/>
+              </a:prstGeom>
+            </p:spPr>
+            <p:style>
+              <a:lnRef idx="1">
+                <a:schemeClr val="dk1"/>
+              </a:lnRef>
+              <a:fillRef idx="0">
+                <a:schemeClr val="dk1"/>
+              </a:fillRef>
+              <a:effectRef idx="0">
+                <a:schemeClr val="dk1"/>
+              </a:effectRef>
+              <a:fontRef idx="minor">
+                <a:schemeClr val="tx1"/>
+              </a:fontRef>
+            </p:style>
+          </p:cxnSp>
+        </p:grpSp>
+        <p:cxnSp>
+          <p:nvCxnSpPr>
+            <p:cNvPr id="92" name="직선 화살표 연결선 91">
+              <a:extLst>
+                <a:ext uri="{FF2B5EF4-FFF2-40B4-BE49-F238E27FC236}">
+                  <a16:creationId xmlns:a16="http://schemas.microsoft.com/office/drawing/2014/main" id="{F179F2A7-64BA-47BA-92F7-3B378E5F1F42}"/>
+                </a:ext>
+              </a:extLst>
+            </p:cNvPr>
+            <p:cNvCxnSpPr>
+              <a:cxnSpLocks/>
+            </p:cNvCxnSpPr>
+            <p:nvPr/>
+          </p:nvCxnSpPr>
+          <p:spPr>
+            <a:xfrm>
+              <a:off x="3375173" y="3396591"/>
+              <a:ext cx="2479178" cy="0"/>
+            </a:xfrm>
+            <a:prstGeom prst="straightConnector1">
+              <a:avLst/>
+            </a:prstGeom>
+            <a:ln w="57150">
+              <a:solidFill>
+                <a:schemeClr val="tx1"/>
+              </a:solidFill>
+              <a:headEnd type="triangle"/>
+              <a:tailEnd type="triangle"/>
+            </a:ln>
+          </p:spPr>
+          <p:style>
+            <a:lnRef idx="1">
+              <a:schemeClr val="accent1"/>
+            </a:lnRef>
+            <a:fillRef idx="0">
+              <a:schemeClr val="accent1"/>
+            </a:fillRef>
+            <a:effectRef idx="0">
+              <a:schemeClr val="accent1"/>
+            </a:effectRef>
+            <a:fontRef idx="minor">
+              <a:schemeClr val="tx1"/>
+            </a:fontRef>
+          </p:style>
+        </p:cxnSp>
+        <p:cxnSp>
+          <p:nvCxnSpPr>
+            <p:cNvPr id="93" name="직선 화살표 연결선 92">
+              <a:extLst>
+                <a:ext uri="{FF2B5EF4-FFF2-40B4-BE49-F238E27FC236}">
+                  <a16:creationId xmlns:a16="http://schemas.microsoft.com/office/drawing/2014/main" id="{3377F0F0-875E-4493-9688-6654D4F8FDB2}"/>
+                </a:ext>
+              </a:extLst>
+            </p:cNvPr>
+            <p:cNvCxnSpPr>
+              <a:cxnSpLocks/>
+            </p:cNvCxnSpPr>
+            <p:nvPr/>
+          </p:nvCxnSpPr>
+          <p:spPr>
+            <a:xfrm>
+              <a:off x="7070711" y="3396591"/>
+              <a:ext cx="1705601" cy="0"/>
+            </a:xfrm>
+            <a:prstGeom prst="straightConnector1">
+              <a:avLst/>
+            </a:prstGeom>
+            <a:ln w="57150">
+              <a:solidFill>
+                <a:schemeClr val="tx1"/>
+              </a:solidFill>
+              <a:headEnd type="triangle"/>
+              <a:tailEnd type="triangle"/>
+            </a:ln>
+          </p:spPr>
+          <p:style>
+            <a:lnRef idx="1">
+              <a:schemeClr val="accent1"/>
+            </a:lnRef>
+            <a:fillRef idx="0">
+              <a:schemeClr val="accent1"/>
+            </a:fillRef>
+            <a:effectRef idx="0">
+              <a:schemeClr val="accent1"/>
+            </a:effectRef>
+            <a:fontRef idx="minor">
+              <a:schemeClr val="tx1"/>
+            </a:fontRef>
+          </p:style>
+        </p:cxnSp>
+        <p:sp>
+          <p:nvSpPr>
+            <p:cNvPr id="2" name="TextBox 1">
+              <a:extLst>
+                <a:ext uri="{FF2B5EF4-FFF2-40B4-BE49-F238E27FC236}">
+                  <a16:creationId xmlns:a16="http://schemas.microsoft.com/office/drawing/2014/main" id="{C89E8090-B48C-472D-BE93-AE35FFD5B472}"/>
+                </a:ext>
+              </a:extLst>
+            </p:cNvPr>
+            <p:cNvSpPr txBox="1"/>
+            <p:nvPr/>
+          </p:nvSpPr>
+          <p:spPr>
+            <a:xfrm>
+              <a:off x="3818477" y="3462553"/>
+              <a:ext cx="1684185" cy="523220"/>
+            </a:xfrm>
+            <a:prstGeom prst="rect">
+              <a:avLst/>
+            </a:prstGeom>
+            <a:noFill/>
+          </p:spPr>
+          <p:txBody>
+            <a:bodyPr wrap="square" rtlCol="0">
+              <a:spAutoFit/>
+            </a:bodyPr>
+            <a:lstStyle/>
+            <a:p>
+              <a:r>
+                <a:rPr lang="en-US" altLang="ko-KR" sz="1400" dirty="0"/>
+                <a:t>Temperature</a:t>
+              </a:r>
+              <a:r>
+                <a:rPr lang="ko-KR" altLang="en-US" sz="1400" dirty="0"/>
+                <a:t> </a:t>
+              </a:r>
+              <a:r>
+                <a:rPr lang="en-US" altLang="ko-KR" sz="1400" dirty="0"/>
+                <a:t>Data</a:t>
+              </a:r>
+              <a:br>
+                <a:rPr lang="en-US" altLang="ko-KR" sz="1400" dirty="0"/>
+              </a:br>
+              <a:r>
+                <a:rPr lang="en-US" altLang="ko-KR" sz="1400" dirty="0"/>
+                <a:t>Humidity Data</a:t>
+              </a:r>
+              <a:endParaRPr lang="ko-KR" altLang="en-US" sz="1400" dirty="0"/>
+            </a:p>
+          </p:txBody>
+        </p:sp>
+        <p:sp>
+          <p:nvSpPr>
+            <p:cNvPr id="11" name="TextBox 10">
+              <a:extLst>
+                <a:ext uri="{FF2B5EF4-FFF2-40B4-BE49-F238E27FC236}">
+                  <a16:creationId xmlns:a16="http://schemas.microsoft.com/office/drawing/2014/main" id="{0258B488-ED3A-429A-AE36-4B8B3A02D470}"/>
+                </a:ext>
+              </a:extLst>
+            </p:cNvPr>
+            <p:cNvSpPr txBox="1"/>
+            <p:nvPr/>
+          </p:nvSpPr>
+          <p:spPr>
+            <a:xfrm>
+              <a:off x="7255295" y="3426663"/>
+              <a:ext cx="1521018" cy="307777"/>
+            </a:xfrm>
+            <a:prstGeom prst="rect">
+              <a:avLst/>
+            </a:prstGeom>
+            <a:noFill/>
+          </p:spPr>
+          <p:txBody>
+            <a:bodyPr wrap="square" rtlCol="0">
+              <a:spAutoFit/>
+            </a:bodyPr>
+            <a:lstStyle/>
+            <a:p>
+              <a:r>
+                <a:rPr lang="en-US" altLang="ko-KR" sz="1400" dirty="0"/>
+                <a:t>AI result Data</a:t>
+              </a:r>
+              <a:endParaRPr lang="ko-KR" altLang="en-US" sz="1400" dirty="0"/>
+            </a:p>
+          </p:txBody>
+        </p:sp>
+        <p:sp>
+          <p:nvSpPr>
+            <p:cNvPr id="14" name="TextBox 13">
+              <a:extLst>
+                <a:ext uri="{FF2B5EF4-FFF2-40B4-BE49-F238E27FC236}">
+                  <a16:creationId xmlns:a16="http://schemas.microsoft.com/office/drawing/2014/main" id="{3CDE2BB6-56BB-4D5D-A4C6-570B200E42AB}"/>
+                </a:ext>
+              </a:extLst>
+            </p:cNvPr>
+            <p:cNvSpPr txBox="1"/>
+            <p:nvPr/>
+          </p:nvSpPr>
+          <p:spPr>
+            <a:xfrm>
+              <a:off x="3831904" y="3035112"/>
+              <a:ext cx="1521018" cy="307777"/>
+            </a:xfrm>
+            <a:prstGeom prst="rect">
+              <a:avLst/>
+            </a:prstGeom>
+            <a:noFill/>
+          </p:spPr>
+          <p:txBody>
+            <a:bodyPr wrap="square" rtlCol="0">
+              <a:spAutoFit/>
+            </a:bodyPr>
+            <a:lstStyle/>
+            <a:p>
+              <a:r>
+                <a:rPr lang="en-US" altLang="ko-KR" sz="1400" dirty="0"/>
+                <a:t>Image Data</a:t>
+              </a:r>
+              <a:endParaRPr lang="ko-KR" altLang="en-US" sz="1400" dirty="0"/>
+            </a:p>
+          </p:txBody>
+        </p:sp>
+        <p:sp>
+          <p:nvSpPr>
+            <p:cNvPr id="15" name="TextBox 14">
+              <a:extLst>
+                <a:ext uri="{FF2B5EF4-FFF2-40B4-BE49-F238E27FC236}">
+                  <a16:creationId xmlns:a16="http://schemas.microsoft.com/office/drawing/2014/main" id="{D844ADF2-BB59-452D-9988-229777843515}"/>
+                </a:ext>
+              </a:extLst>
+            </p:cNvPr>
+            <p:cNvSpPr txBox="1"/>
+            <p:nvPr/>
+          </p:nvSpPr>
+          <p:spPr>
+            <a:xfrm>
+              <a:off x="2700784" y="3923162"/>
+              <a:ext cx="1152652" cy="307777"/>
+            </a:xfrm>
+            <a:prstGeom prst="rect">
+              <a:avLst/>
+            </a:prstGeom>
+            <a:noFill/>
+          </p:spPr>
+          <p:txBody>
+            <a:bodyPr wrap="square" rtlCol="0">
+              <a:spAutoFit/>
+            </a:bodyPr>
+            <a:lstStyle/>
+            <a:p>
+              <a:r>
+                <a:rPr lang="en-US" altLang="ko-KR" sz="1400" dirty="0"/>
+                <a:t>MQTT</a:t>
+              </a:r>
+            </a:p>
+          </p:txBody>
+        </p:sp>
+        <p:sp>
+          <p:nvSpPr>
+            <p:cNvPr id="106" name="타원 105">
+              <a:extLst>
+                <a:ext uri="{FF2B5EF4-FFF2-40B4-BE49-F238E27FC236}">
+                  <a16:creationId xmlns:a16="http://schemas.microsoft.com/office/drawing/2014/main" id="{E31F3F45-2D72-479B-AD8D-89156896E702}"/>
+                </a:ext>
+              </a:extLst>
+            </p:cNvPr>
+            <p:cNvSpPr/>
+            <p:nvPr/>
+          </p:nvSpPr>
+          <p:spPr>
+            <a:xfrm>
+              <a:off x="2650280" y="5773677"/>
+              <a:ext cx="1409161" cy="458332"/>
+            </a:xfrm>
+            <a:prstGeom prst="ellipse">
+              <a:avLst/>
+            </a:prstGeom>
+            <a:solidFill>
+              <a:schemeClr val="bg1"/>
+            </a:solidFill>
+            <a:ln>
+              <a:solidFill>
+                <a:schemeClr val="tx1"/>
+              </a:solidFill>
+            </a:ln>
+          </p:spPr>
+          <p:style>
+            <a:lnRef idx="2">
+              <a:schemeClr val="accent1">
+                <a:shade val="50000"/>
+              </a:schemeClr>
+            </a:lnRef>
+            <a:fillRef idx="1">
+              <a:schemeClr val="accent1"/>
+            </a:fillRef>
+            <a:effectRef idx="0">
+              <a:schemeClr val="accent1"/>
+            </a:effectRef>
+            <a:fontRef idx="minor">
+              <a:schemeClr val="lt1"/>
+            </a:fontRef>
+          </p:style>
+          <p:txBody>
+            <a:bodyPr rtlCol="0" anchor="ctr"/>
+            <a:lstStyle/>
+            <a:p>
+              <a:pPr algn="ctr"/>
+              <a:r>
+                <a:rPr lang="en-US" altLang="ko-KR" sz="1200" dirty="0">
+                  <a:solidFill>
+                    <a:schemeClr val="tx1"/>
+                  </a:solidFill>
+                </a:rPr>
+                <a:t>Humidity</a:t>
+              </a:r>
+              <a:endParaRPr lang="ko-KR" altLang="en-US" sz="1200" dirty="0">
+                <a:solidFill>
+                  <a:schemeClr val="tx1"/>
+                </a:solidFill>
+              </a:endParaRPr>
+            </a:p>
+          </p:txBody>
+        </p:sp>
+        <p:cxnSp>
+          <p:nvCxnSpPr>
+            <p:cNvPr id="107" name="직선 연결선 106">
+              <a:extLst>
+                <a:ext uri="{FF2B5EF4-FFF2-40B4-BE49-F238E27FC236}">
+                  <a16:creationId xmlns:a16="http://schemas.microsoft.com/office/drawing/2014/main" id="{4AFF99C2-AE4A-4303-9F3B-D1E3F40F26D8}"/>
+                </a:ext>
+              </a:extLst>
+            </p:cNvPr>
+            <p:cNvCxnSpPr>
+              <a:cxnSpLocks/>
+              <a:stCxn id="99" idx="2"/>
+              <a:endCxn id="106" idx="0"/>
+            </p:cNvCxnSpPr>
+            <p:nvPr/>
+          </p:nvCxnSpPr>
+          <p:spPr>
+            <a:xfrm>
+              <a:off x="2561072" y="5524299"/>
+              <a:ext cx="793789" cy="249378"/>
+            </a:xfrm>
+            <a:prstGeom prst="line">
+              <a:avLst/>
+            </a:prstGeom>
+          </p:spPr>
+          <p:style>
+            <a:lnRef idx="1">
+              <a:schemeClr val="dk1"/>
+            </a:lnRef>
+            <a:fillRef idx="0">
+              <a:schemeClr val="dk1"/>
+            </a:fillRef>
+            <a:effectRef idx="0">
+              <a:schemeClr val="dk1"/>
+            </a:effectRef>
+            <a:fontRef idx="minor">
+              <a:schemeClr val="tx1"/>
+            </a:fontRef>
+          </p:style>
+        </p:cxnSp>
+        <p:cxnSp>
+          <p:nvCxnSpPr>
+            <p:cNvPr id="102" name="직선 화살표 연결선 101">
+              <a:extLst>
+                <a:ext uri="{FF2B5EF4-FFF2-40B4-BE49-F238E27FC236}">
+                  <a16:creationId xmlns:a16="http://schemas.microsoft.com/office/drawing/2014/main" id="{899CF412-4E26-4442-990B-CC981CB84C52}"/>
+                </a:ext>
+              </a:extLst>
+            </p:cNvPr>
+            <p:cNvCxnSpPr>
+              <a:cxnSpLocks/>
+              <a:stCxn id="95" idx="2"/>
+              <a:endCxn id="99" idx="0"/>
+            </p:cNvCxnSpPr>
+            <p:nvPr/>
+          </p:nvCxnSpPr>
+          <p:spPr>
+            <a:xfrm>
+              <a:off x="2550364" y="3716552"/>
+              <a:ext cx="10708" cy="721046"/>
+            </a:xfrm>
+            <a:prstGeom prst="straightConnector1">
+              <a:avLst/>
+            </a:prstGeom>
+            <a:ln w="57150">
+              <a:solidFill>
+                <a:schemeClr val="tx1"/>
+              </a:solidFill>
+              <a:headEnd type="triangle"/>
+              <a:tailEnd type="triangle"/>
+            </a:ln>
+          </p:spPr>
+          <p:style>
+            <a:lnRef idx="1">
+              <a:schemeClr val="accent1"/>
+            </a:lnRef>
+            <a:fillRef idx="0">
+              <a:schemeClr val="accent1"/>
+            </a:fillRef>
+            <a:effectRef idx="0">
+              <a:schemeClr val="accent1"/>
+            </a:effectRef>
+            <a:fontRef idx="minor">
+              <a:schemeClr val="tx1"/>
+            </a:fontRef>
+          </p:style>
+        </p:cxnSp>
+      </p:grpSp>
+    </p:spTree>
+    <p:extLst>
+      <p:ext uri="{BB962C8B-B14F-4D97-AF65-F5344CB8AC3E}">
         <p14:creationId xmlns:p14="http://schemas.microsoft.com/office/powerpoint/2010/main" val="1217592630"/>
+      </p:ext>
+    </p:extLst>
+  </p:cSld>
+  <p:clrMapOvr>
+    <a:masterClrMapping/>
+  </p:clrMapOvr>
+</p:sld>
+</file>
+
+<file path=ppt/slides/slide4.xml><?xml version="1.0" encoding="utf-8"?>
+<p:sld xmlns:a="http://schemas.openxmlformats.org/drawingml/2006/main" xmlns:r="http://schemas.openxmlformats.org/officeDocument/2006/relationships" xmlns:p="http://schemas.openxmlformats.org/presentationml/2006/main">
+  <p:cSld>
+    <p:spTree>
+      <p:nvGrpSpPr>
+        <p:cNvPr id="1" name=""/>
+        <p:cNvGrpSpPr/>
+        <p:nvPr/>
+      </p:nvGrpSpPr>
+      <p:grpSpPr>
+        <a:xfrm>
+          <a:off x="0" y="0"/>
+          <a:ext cx="0" cy="0"/>
+          <a:chOff x="0" y="0"/>
+          <a:chExt cx="0" cy="0"/>
+        </a:xfrm>
+      </p:grpSpPr>
+      <p:sp>
+        <p:nvSpPr>
+          <p:cNvPr id="32" name="TextBox 31">
+            <a:extLst>
+              <a:ext uri="{FF2B5EF4-FFF2-40B4-BE49-F238E27FC236}">
+                <a16:creationId xmlns:a16="http://schemas.microsoft.com/office/drawing/2014/main" id="{6298B959-AF63-422F-BBA3-A14C8452D4A7}"/>
+              </a:ext>
+            </a:extLst>
+          </p:cNvPr>
+          <p:cNvSpPr txBox="1"/>
+          <p:nvPr/>
+        </p:nvSpPr>
+        <p:spPr>
+          <a:xfrm>
+            <a:off x="145930" y="202857"/>
+            <a:ext cx="2005677" cy="461665"/>
+          </a:xfrm>
+          <a:prstGeom prst="rect">
+            <a:avLst/>
+          </a:prstGeom>
+          <a:noFill/>
+        </p:spPr>
+        <p:txBody>
+          <a:bodyPr wrap="none" rtlCol="0">
+            <a:spAutoFit/>
+          </a:bodyPr>
+          <a:lstStyle/>
+          <a:p>
+            <a:r>
+              <a:rPr lang="ko-KR" altLang="en-US" sz="2400" spc="-150" dirty="0">
+                <a:solidFill>
+                  <a:schemeClr val="bg2">
+                    <a:lumMod val="25000"/>
+                  </a:schemeClr>
+                </a:solidFill>
+                <a:latin typeface="+mj-ea"/>
+                <a:ea typeface="+mj-ea"/>
+              </a:rPr>
+              <a:t>시스템 구상도</a:t>
+            </a:r>
+          </a:p>
+        </p:txBody>
+      </p:sp>
+      <p:sp>
+        <p:nvSpPr>
+          <p:cNvPr id="115" name="원통형 114">
+            <a:extLst>
+              <a:ext uri="{FF2B5EF4-FFF2-40B4-BE49-F238E27FC236}">
+                <a16:creationId xmlns:a16="http://schemas.microsoft.com/office/drawing/2014/main" id="{12403C1F-6DA5-4649-9863-0EF87CCC480A}"/>
+              </a:ext>
+            </a:extLst>
+          </p:cNvPr>
+          <p:cNvSpPr/>
+          <p:nvPr/>
+        </p:nvSpPr>
+        <p:spPr>
+          <a:xfrm>
+            <a:off x="5493780" y="2739682"/>
+            <a:ext cx="1041117" cy="1086701"/>
+          </a:xfrm>
+          <a:prstGeom prst="can">
+            <a:avLst/>
+          </a:prstGeom>
+          <a:solidFill>
+            <a:schemeClr val="accent3">
+              <a:lumMod val="20000"/>
+              <a:lumOff val="80000"/>
+            </a:schemeClr>
+          </a:solidFill>
+          <a:ln>
+            <a:solidFill>
+              <a:schemeClr val="tx1"/>
+            </a:solidFill>
+          </a:ln>
+        </p:spPr>
+        <p:style>
+          <a:lnRef idx="2">
+            <a:schemeClr val="accent6"/>
+          </a:lnRef>
+          <a:fillRef idx="1">
+            <a:schemeClr val="lt1"/>
+          </a:fillRef>
+          <a:effectRef idx="0">
+            <a:schemeClr val="accent6"/>
+          </a:effectRef>
+          <a:fontRef idx="minor">
+            <a:schemeClr val="dk1"/>
+          </a:fontRef>
+        </p:style>
+        <p:txBody>
+          <a:bodyPr rtlCol="0" anchor="ctr"/>
+          <a:lstStyle/>
+          <a:p>
+            <a:pPr algn="ctr"/>
+            <a:r>
+              <a:rPr lang="en-US" altLang="ko-KR" dirty="0"/>
+              <a:t>AWS</a:t>
+            </a:r>
+            <a:br>
+              <a:rPr lang="en-US" altLang="ko-KR" dirty="0"/>
+            </a:br>
+            <a:r>
+              <a:rPr lang="en-US" altLang="ko-KR" dirty="0"/>
+              <a:t>AI </a:t>
+            </a:r>
+            <a:r>
+              <a:rPr lang="ko-KR" altLang="en-US" dirty="0"/>
+              <a:t>분석</a:t>
+            </a:r>
+          </a:p>
+        </p:txBody>
+      </p:sp>
+      <p:grpSp>
+        <p:nvGrpSpPr>
+          <p:cNvPr id="119" name="그룹 118">
+            <a:extLst>
+              <a:ext uri="{FF2B5EF4-FFF2-40B4-BE49-F238E27FC236}">
+                <a16:creationId xmlns:a16="http://schemas.microsoft.com/office/drawing/2014/main" id="{792DD850-BDAB-4854-921D-EB36A97F3977}"/>
+              </a:ext>
+            </a:extLst>
+          </p:cNvPr>
+          <p:cNvGrpSpPr/>
+          <p:nvPr/>
+        </p:nvGrpSpPr>
+        <p:grpSpPr>
+          <a:xfrm>
+            <a:off x="9220952" y="2608090"/>
+            <a:ext cx="2223116" cy="1180127"/>
+            <a:chOff x="8199900" y="1345427"/>
+            <a:chExt cx="2238496" cy="2131649"/>
+          </a:xfrm>
+        </p:grpSpPr>
+        <p:grpSp>
+          <p:nvGrpSpPr>
+            <p:cNvPr id="135" name="그룹 134">
+              <a:extLst>
+                <a:ext uri="{FF2B5EF4-FFF2-40B4-BE49-F238E27FC236}">
+                  <a16:creationId xmlns:a16="http://schemas.microsoft.com/office/drawing/2014/main" id="{48125FF5-983F-49A8-A476-AE379724291E}"/>
+                </a:ext>
+              </a:extLst>
+            </p:cNvPr>
+            <p:cNvGrpSpPr/>
+            <p:nvPr/>
+          </p:nvGrpSpPr>
+          <p:grpSpPr>
+            <a:xfrm>
+              <a:off x="8346882" y="2203027"/>
+              <a:ext cx="1783985" cy="1274049"/>
+              <a:chOff x="6096000" y="3943358"/>
+              <a:chExt cx="1589724" cy="1123058"/>
+            </a:xfrm>
+          </p:grpSpPr>
+          <p:sp>
+            <p:nvSpPr>
+              <p:cNvPr id="140" name="TextBox 139">
+                <a:extLst>
+                  <a:ext uri="{FF2B5EF4-FFF2-40B4-BE49-F238E27FC236}">
+                    <a16:creationId xmlns:a16="http://schemas.microsoft.com/office/drawing/2014/main" id="{1DD9A177-212F-4F9F-9B06-F4AD3A8FA6FD}"/>
+                  </a:ext>
+                </a:extLst>
+              </p:cNvPr>
+              <p:cNvSpPr txBox="1"/>
+              <p:nvPr/>
+            </p:nvSpPr>
+            <p:spPr>
+              <a:xfrm>
+                <a:off x="6265323" y="4200925"/>
+                <a:ext cx="1420401" cy="381689"/>
+              </a:xfrm>
+              <a:prstGeom prst="rect">
+                <a:avLst/>
+              </a:prstGeom>
+              <a:noFill/>
+            </p:spPr>
+            <p:txBody>
+              <a:bodyPr wrap="square" rtlCol="0">
+                <a:spAutoFit/>
+              </a:bodyPr>
+              <a:lstStyle/>
+              <a:p>
+                <a:r>
+                  <a:rPr lang="en-US" altLang="ko-KR" dirty="0"/>
+                  <a:t>Application</a:t>
+                </a:r>
+                <a:endParaRPr lang="ko-KR" altLang="en-US" dirty="0"/>
+              </a:p>
+            </p:txBody>
+          </p:sp>
+          <p:sp>
+            <p:nvSpPr>
+              <p:cNvPr id="141" name="직사각형 140">
+                <a:extLst>
+                  <a:ext uri="{FF2B5EF4-FFF2-40B4-BE49-F238E27FC236}">
+                    <a16:creationId xmlns:a16="http://schemas.microsoft.com/office/drawing/2014/main" id="{01AE2236-D5B1-4643-A679-9BD341C9B0F2}"/>
+                  </a:ext>
+                </a:extLst>
+              </p:cNvPr>
+              <p:cNvSpPr/>
+              <p:nvPr/>
+            </p:nvSpPr>
+            <p:spPr>
+              <a:xfrm>
+                <a:off x="6096000" y="3943358"/>
+                <a:ext cx="1548214" cy="1123058"/>
+              </a:xfrm>
+              <a:prstGeom prst="rect">
+                <a:avLst/>
+              </a:prstGeom>
+              <a:noFill/>
+              <a:ln>
+                <a:solidFill>
+                  <a:schemeClr val="tx1"/>
+                </a:solidFill>
+              </a:ln>
+            </p:spPr>
+            <p:style>
+              <a:lnRef idx="2">
+                <a:schemeClr val="accent1">
+                  <a:shade val="50000"/>
+                </a:schemeClr>
+              </a:lnRef>
+              <a:fillRef idx="1">
+                <a:schemeClr val="accent1"/>
+              </a:fillRef>
+              <a:effectRef idx="0">
+                <a:schemeClr val="accent1"/>
+              </a:effectRef>
+              <a:fontRef idx="minor">
+                <a:schemeClr val="lt1"/>
+              </a:fontRef>
+            </p:style>
+            <p:txBody>
+              <a:bodyPr rtlCol="0" anchor="ctr"/>
+              <a:lstStyle/>
+              <a:p>
+                <a:pPr algn="ctr"/>
+                <a:endParaRPr lang="ko-KR" altLang="en-US"/>
+              </a:p>
+            </p:txBody>
+          </p:sp>
+        </p:grpSp>
+        <p:sp>
+          <p:nvSpPr>
+            <p:cNvPr id="136" name="타원 135">
+              <a:extLst>
+                <a:ext uri="{FF2B5EF4-FFF2-40B4-BE49-F238E27FC236}">
+                  <a16:creationId xmlns:a16="http://schemas.microsoft.com/office/drawing/2014/main" id="{096F0F07-DA34-41E0-900A-B41C11AB12FC}"/>
+                </a:ext>
+              </a:extLst>
+            </p:cNvPr>
+            <p:cNvSpPr/>
+            <p:nvPr/>
+          </p:nvSpPr>
+          <p:spPr>
+            <a:xfrm>
+              <a:off x="8199900" y="1345427"/>
+              <a:ext cx="1043881" cy="537349"/>
+            </a:xfrm>
+            <a:prstGeom prst="ellipse">
+              <a:avLst/>
+            </a:prstGeom>
+            <a:solidFill>
+              <a:schemeClr val="bg1"/>
+            </a:solidFill>
+            <a:ln>
+              <a:solidFill>
+                <a:schemeClr val="tx1"/>
+              </a:solidFill>
+            </a:ln>
+          </p:spPr>
+          <p:style>
+            <a:lnRef idx="2">
+              <a:schemeClr val="accent1">
+                <a:shade val="50000"/>
+              </a:schemeClr>
+            </a:lnRef>
+            <a:fillRef idx="1">
+              <a:schemeClr val="accent1"/>
+            </a:fillRef>
+            <a:effectRef idx="0">
+              <a:schemeClr val="accent1"/>
+            </a:effectRef>
+            <a:fontRef idx="minor">
+              <a:schemeClr val="lt1"/>
+            </a:fontRef>
+          </p:style>
+          <p:txBody>
+            <a:bodyPr rtlCol="0" anchor="ctr"/>
+            <a:lstStyle/>
+            <a:p>
+              <a:pPr algn="ctr"/>
+              <a:r>
+                <a:rPr lang="en-US" altLang="ko-KR" sz="1200" dirty="0">
+                  <a:solidFill>
+                    <a:schemeClr val="tx1"/>
+                  </a:solidFill>
+                </a:rPr>
+                <a:t>LCD</a:t>
+              </a:r>
+              <a:endParaRPr lang="ko-KR" altLang="en-US" sz="1200" dirty="0">
+                <a:solidFill>
+                  <a:schemeClr val="tx1"/>
+                </a:solidFill>
+              </a:endParaRPr>
+            </a:p>
+          </p:txBody>
+        </p:sp>
+        <p:sp>
+          <p:nvSpPr>
+            <p:cNvPr id="137" name="타원 136">
+              <a:extLst>
+                <a:ext uri="{FF2B5EF4-FFF2-40B4-BE49-F238E27FC236}">
+                  <a16:creationId xmlns:a16="http://schemas.microsoft.com/office/drawing/2014/main" id="{0E54A275-38F5-40CC-923E-0B3A12733F60}"/>
+                </a:ext>
+              </a:extLst>
+            </p:cNvPr>
+            <p:cNvSpPr/>
+            <p:nvPr/>
+          </p:nvSpPr>
+          <p:spPr>
+            <a:xfrm>
+              <a:off x="9400867" y="1345427"/>
+              <a:ext cx="1037529" cy="537349"/>
+            </a:xfrm>
+            <a:prstGeom prst="ellipse">
+              <a:avLst/>
+            </a:prstGeom>
+            <a:solidFill>
+              <a:schemeClr val="bg1"/>
+            </a:solidFill>
+            <a:ln>
+              <a:solidFill>
+                <a:schemeClr val="tx1"/>
+              </a:solidFill>
+            </a:ln>
+          </p:spPr>
+          <p:style>
+            <a:lnRef idx="2">
+              <a:schemeClr val="accent1">
+                <a:shade val="50000"/>
+              </a:schemeClr>
+            </a:lnRef>
+            <a:fillRef idx="1">
+              <a:schemeClr val="accent1"/>
+            </a:fillRef>
+            <a:effectRef idx="0">
+              <a:schemeClr val="accent1"/>
+            </a:effectRef>
+            <a:fontRef idx="minor">
+              <a:schemeClr val="lt1"/>
+            </a:fontRef>
+          </p:style>
+          <p:txBody>
+            <a:bodyPr rtlCol="0" anchor="ctr"/>
+            <a:lstStyle/>
+            <a:p>
+              <a:pPr algn="ctr"/>
+              <a:r>
+                <a:rPr lang="en-US" altLang="ko-KR" sz="1200" dirty="0">
+                  <a:solidFill>
+                    <a:schemeClr val="tx1"/>
+                  </a:solidFill>
+                </a:rPr>
+                <a:t>UI/UX</a:t>
+              </a:r>
+              <a:endParaRPr lang="ko-KR" altLang="en-US" sz="1200" dirty="0">
+                <a:solidFill>
+                  <a:schemeClr val="tx1"/>
+                </a:solidFill>
+              </a:endParaRPr>
+            </a:p>
+          </p:txBody>
+        </p:sp>
+        <p:cxnSp>
+          <p:nvCxnSpPr>
+            <p:cNvPr id="138" name="직선 연결선 137">
+              <a:extLst>
+                <a:ext uri="{FF2B5EF4-FFF2-40B4-BE49-F238E27FC236}">
+                  <a16:creationId xmlns:a16="http://schemas.microsoft.com/office/drawing/2014/main" id="{A67D396D-E641-4907-A1EC-CC9D5F15953F}"/>
+                </a:ext>
+              </a:extLst>
+            </p:cNvPr>
+            <p:cNvCxnSpPr>
+              <a:cxnSpLocks/>
+              <a:stCxn id="136" idx="4"/>
+              <a:endCxn id="141" idx="0"/>
+            </p:cNvCxnSpPr>
+            <p:nvPr/>
+          </p:nvCxnSpPr>
+          <p:spPr>
+            <a:xfrm>
+              <a:off x="8721841" y="1882776"/>
+              <a:ext cx="493746" cy="320251"/>
+            </a:xfrm>
+            <a:prstGeom prst="line">
+              <a:avLst/>
+            </a:prstGeom>
+          </p:spPr>
+          <p:style>
+            <a:lnRef idx="1">
+              <a:schemeClr val="dk1"/>
+            </a:lnRef>
+            <a:fillRef idx="0">
+              <a:schemeClr val="dk1"/>
+            </a:fillRef>
+            <a:effectRef idx="0">
+              <a:schemeClr val="dk1"/>
+            </a:effectRef>
+            <a:fontRef idx="minor">
+              <a:schemeClr val="tx1"/>
+            </a:fontRef>
+          </p:style>
+        </p:cxnSp>
+        <p:cxnSp>
+          <p:nvCxnSpPr>
+            <p:cNvPr id="139" name="직선 연결선 138">
+              <a:extLst>
+                <a:ext uri="{FF2B5EF4-FFF2-40B4-BE49-F238E27FC236}">
+                  <a16:creationId xmlns:a16="http://schemas.microsoft.com/office/drawing/2014/main" id="{68EF597D-CF55-4FC1-A559-2AA1172A582D}"/>
+                </a:ext>
+              </a:extLst>
+            </p:cNvPr>
+            <p:cNvCxnSpPr>
+              <a:cxnSpLocks/>
+              <a:stCxn id="141" idx="0"/>
+              <a:endCxn id="137" idx="4"/>
+            </p:cNvCxnSpPr>
+            <p:nvPr/>
+          </p:nvCxnSpPr>
+          <p:spPr>
+            <a:xfrm flipV="1">
+              <a:off x="9215586" y="1882776"/>
+              <a:ext cx="704046" cy="320251"/>
+            </a:xfrm>
+            <a:prstGeom prst="line">
+              <a:avLst/>
+            </a:prstGeom>
+          </p:spPr>
+          <p:style>
+            <a:lnRef idx="1">
+              <a:schemeClr val="dk1"/>
+            </a:lnRef>
+            <a:fillRef idx="0">
+              <a:schemeClr val="dk1"/>
+            </a:fillRef>
+            <a:effectRef idx="0">
+              <a:schemeClr val="dk1"/>
+            </a:effectRef>
+            <a:fontRef idx="minor">
+              <a:schemeClr val="tx1"/>
+            </a:fontRef>
+          </p:style>
+        </p:cxnSp>
+      </p:grpSp>
+      <p:sp>
+        <p:nvSpPr>
+          <p:cNvPr id="124" name="TextBox 123">
+            <a:extLst>
+              <a:ext uri="{FF2B5EF4-FFF2-40B4-BE49-F238E27FC236}">
+                <a16:creationId xmlns:a16="http://schemas.microsoft.com/office/drawing/2014/main" id="{10A137B6-D721-41E1-84F1-E2D90C8F3D9C}"/>
+              </a:ext>
+            </a:extLst>
+          </p:cNvPr>
+          <p:cNvSpPr txBox="1"/>
+          <p:nvPr/>
+        </p:nvSpPr>
+        <p:spPr>
+          <a:xfrm>
+            <a:off x="7204265" y="3074387"/>
+            <a:ext cx="1363334" cy="199768"/>
+          </a:xfrm>
+          <a:prstGeom prst="rect">
+            <a:avLst/>
+          </a:prstGeom>
+          <a:noFill/>
+        </p:spPr>
+        <p:txBody>
+          <a:bodyPr wrap="square" rtlCol="0">
+            <a:spAutoFit/>
+          </a:bodyPr>
+          <a:lstStyle/>
+          <a:p>
+            <a:r>
+              <a:rPr lang="en-US" altLang="ko-KR" sz="1400" dirty="0"/>
+              <a:t>AI result Data</a:t>
+            </a:r>
+            <a:endParaRPr lang="ko-KR" altLang="en-US" sz="1400" dirty="0"/>
+          </a:p>
+        </p:txBody>
+      </p:sp>
+      <p:sp>
+        <p:nvSpPr>
+          <p:cNvPr id="144" name="원통형 143">
+            <a:extLst>
+              <a:ext uri="{FF2B5EF4-FFF2-40B4-BE49-F238E27FC236}">
+                <a16:creationId xmlns:a16="http://schemas.microsoft.com/office/drawing/2014/main" id="{4C43D1C1-D730-4123-8450-CE373B9BDB60}"/>
+              </a:ext>
+            </a:extLst>
+          </p:cNvPr>
+          <p:cNvSpPr/>
+          <p:nvPr/>
+        </p:nvSpPr>
+        <p:spPr>
+          <a:xfrm>
+            <a:off x="5520642" y="231440"/>
+            <a:ext cx="987393" cy="1086701"/>
+          </a:xfrm>
+          <a:prstGeom prst="can">
+            <a:avLst/>
+          </a:prstGeom>
+          <a:solidFill>
+            <a:schemeClr val="accent3">
+              <a:lumMod val="20000"/>
+              <a:lumOff val="80000"/>
+            </a:schemeClr>
+          </a:solidFill>
+          <a:ln>
+            <a:solidFill>
+              <a:schemeClr val="tx1"/>
+            </a:solidFill>
+          </a:ln>
+        </p:spPr>
+        <p:style>
+          <a:lnRef idx="2">
+            <a:schemeClr val="accent6"/>
+          </a:lnRef>
+          <a:fillRef idx="1">
+            <a:schemeClr val="lt1"/>
+          </a:fillRef>
+          <a:effectRef idx="0">
+            <a:schemeClr val="accent6"/>
+          </a:effectRef>
+          <a:fontRef idx="minor">
+            <a:schemeClr val="dk1"/>
+          </a:fontRef>
+        </p:style>
+        <p:txBody>
+          <a:bodyPr rtlCol="0" anchor="ctr"/>
+          <a:lstStyle/>
+          <a:p>
+            <a:pPr algn="ctr"/>
+            <a:r>
+              <a:rPr lang="en-US" altLang="ko-KR" dirty="0"/>
+              <a:t>Image</a:t>
+            </a:r>
+            <a:br>
+              <a:rPr lang="en-US" altLang="ko-KR" dirty="0"/>
+            </a:br>
+            <a:r>
+              <a:rPr lang="en-US" altLang="ko-KR" dirty="0"/>
+              <a:t>Bigdata</a:t>
+            </a:r>
+            <a:endParaRPr lang="ko-KR" altLang="en-US" dirty="0"/>
+          </a:p>
+        </p:txBody>
+      </p:sp>
+      <p:sp>
+        <p:nvSpPr>
+          <p:cNvPr id="145" name="원통형 144">
+            <a:extLst>
+              <a:ext uri="{FF2B5EF4-FFF2-40B4-BE49-F238E27FC236}">
+                <a16:creationId xmlns:a16="http://schemas.microsoft.com/office/drawing/2014/main" id="{EABE8D5D-D305-41CE-BEFE-5C696704EC03}"/>
+              </a:ext>
+            </a:extLst>
+          </p:cNvPr>
+          <p:cNvSpPr/>
+          <p:nvPr/>
+        </p:nvSpPr>
+        <p:spPr>
+          <a:xfrm>
+            <a:off x="5541208" y="4851694"/>
+            <a:ext cx="987393" cy="1086701"/>
+          </a:xfrm>
+          <a:prstGeom prst="can">
+            <a:avLst/>
+          </a:prstGeom>
+          <a:solidFill>
+            <a:schemeClr val="accent3">
+              <a:lumMod val="20000"/>
+              <a:lumOff val="80000"/>
+            </a:schemeClr>
+          </a:solidFill>
+          <a:ln>
+            <a:solidFill>
+              <a:schemeClr val="tx1"/>
+            </a:solidFill>
+          </a:ln>
+        </p:spPr>
+        <p:style>
+          <a:lnRef idx="2">
+            <a:schemeClr val="accent6"/>
+          </a:lnRef>
+          <a:fillRef idx="1">
+            <a:schemeClr val="lt1"/>
+          </a:fillRef>
+          <a:effectRef idx="0">
+            <a:schemeClr val="accent6"/>
+          </a:effectRef>
+          <a:fontRef idx="minor">
+            <a:schemeClr val="dk1"/>
+          </a:fontRef>
+        </p:style>
+        <p:txBody>
+          <a:bodyPr rtlCol="0" anchor="ctr"/>
+          <a:lstStyle/>
+          <a:p>
+            <a:pPr algn="ctr"/>
+            <a:r>
+              <a:rPr lang="en-US" altLang="ko-KR" dirty="0"/>
+              <a:t>AWS</a:t>
+            </a:r>
+            <a:br>
+              <a:rPr lang="en-US" altLang="ko-KR" dirty="0"/>
+            </a:br>
+            <a:r>
+              <a:rPr lang="en-US" altLang="ko-KR" dirty="0"/>
+              <a:t>IoT</a:t>
+            </a:r>
+            <a:endParaRPr lang="ko-KR" altLang="en-US" dirty="0"/>
+          </a:p>
+        </p:txBody>
+      </p:sp>
+      <p:sp>
+        <p:nvSpPr>
+          <p:cNvPr id="146" name="TextBox 145">
+            <a:extLst>
+              <a:ext uri="{FF2B5EF4-FFF2-40B4-BE49-F238E27FC236}">
+                <a16:creationId xmlns:a16="http://schemas.microsoft.com/office/drawing/2014/main" id="{022A6677-06A5-4B22-A30C-346D4CF95CA5}"/>
+              </a:ext>
+            </a:extLst>
+          </p:cNvPr>
+          <p:cNvSpPr txBox="1"/>
+          <p:nvPr/>
+        </p:nvSpPr>
+        <p:spPr>
+          <a:xfrm>
+            <a:off x="5427949" y="6046078"/>
+            <a:ext cx="1497745" cy="523220"/>
+          </a:xfrm>
+          <a:prstGeom prst="rect">
+            <a:avLst/>
+          </a:prstGeom>
+          <a:noFill/>
+        </p:spPr>
+        <p:txBody>
+          <a:bodyPr wrap="square" rtlCol="0">
+            <a:spAutoFit/>
+          </a:bodyPr>
+          <a:lstStyle/>
+          <a:p>
+            <a:r>
+              <a:rPr lang="ko-KR" altLang="en-US" sz="1400" dirty="0"/>
+              <a:t>실시간 이미지</a:t>
+            </a:r>
+            <a:endParaRPr lang="en-US" altLang="ko-KR" sz="1400" dirty="0"/>
+          </a:p>
+          <a:p>
+            <a:r>
+              <a:rPr lang="ko-KR" altLang="en-US" sz="1400" dirty="0" err="1"/>
+              <a:t>온습도</a:t>
+            </a:r>
+            <a:r>
+              <a:rPr lang="ko-KR" altLang="en-US" sz="1400" dirty="0"/>
+              <a:t> 데이터</a:t>
+            </a:r>
+            <a:endParaRPr lang="en-US" altLang="ko-KR" sz="1400" dirty="0"/>
+          </a:p>
+        </p:txBody>
+      </p:sp>
+      <p:sp>
+        <p:nvSpPr>
+          <p:cNvPr id="147" name="TextBox 146">
+            <a:extLst>
+              <a:ext uri="{FF2B5EF4-FFF2-40B4-BE49-F238E27FC236}">
+                <a16:creationId xmlns:a16="http://schemas.microsoft.com/office/drawing/2014/main" id="{65069309-8715-4165-970F-9C5FA6B1129C}"/>
+              </a:ext>
+            </a:extLst>
+          </p:cNvPr>
+          <p:cNvSpPr txBox="1"/>
+          <p:nvPr/>
+        </p:nvSpPr>
+        <p:spPr>
+          <a:xfrm>
+            <a:off x="5287006" y="1406594"/>
+            <a:ext cx="1497745" cy="307777"/>
+          </a:xfrm>
+          <a:prstGeom prst="rect">
+            <a:avLst/>
+          </a:prstGeom>
+          <a:noFill/>
+        </p:spPr>
+        <p:txBody>
+          <a:bodyPr wrap="square" rtlCol="0">
+            <a:spAutoFit/>
+          </a:bodyPr>
+          <a:lstStyle/>
+          <a:p>
+            <a:r>
+              <a:rPr lang="ko-KR" altLang="en-US" sz="1400" dirty="0"/>
+              <a:t>옷 </a:t>
+            </a:r>
+            <a:r>
+              <a:rPr lang="en-US" altLang="ko-KR" sz="1400" dirty="0" err="1"/>
+              <a:t>BigData</a:t>
+            </a:r>
+            <a:r>
+              <a:rPr lang="en-US" altLang="ko-KR" sz="1400" dirty="0"/>
+              <a:t> </a:t>
+            </a:r>
+            <a:r>
+              <a:rPr lang="ko-KR" altLang="en-US" sz="1400" dirty="0"/>
+              <a:t>정보</a:t>
+            </a:r>
+            <a:endParaRPr lang="en-US" altLang="ko-KR" sz="1400" dirty="0"/>
+          </a:p>
+        </p:txBody>
+      </p:sp>
+      <p:cxnSp>
+        <p:nvCxnSpPr>
+          <p:cNvPr id="150" name="직선 화살표 연결선 149">
+            <a:extLst>
+              <a:ext uri="{FF2B5EF4-FFF2-40B4-BE49-F238E27FC236}">
+                <a16:creationId xmlns:a16="http://schemas.microsoft.com/office/drawing/2014/main" id="{E5F6B5C5-6FD6-48E8-A585-58ABFF75D716}"/>
+              </a:ext>
+            </a:extLst>
+          </p:cNvPr>
+          <p:cNvCxnSpPr>
+            <a:cxnSpLocks/>
+          </p:cNvCxnSpPr>
+          <p:nvPr/>
+        </p:nvCxnSpPr>
+        <p:spPr>
+          <a:xfrm>
+            <a:off x="6784751" y="3450751"/>
+            <a:ext cx="2420386" cy="0"/>
+          </a:xfrm>
+          <a:prstGeom prst="straightConnector1">
+            <a:avLst/>
+          </a:prstGeom>
+          <a:ln w="57150">
+            <a:solidFill>
+              <a:schemeClr val="tx1"/>
+            </a:solidFill>
+            <a:tailEnd type="triangle"/>
+          </a:ln>
+        </p:spPr>
+        <p:style>
+          <a:lnRef idx="1">
+            <a:schemeClr val="accent1"/>
+          </a:lnRef>
+          <a:fillRef idx="0">
+            <a:schemeClr val="accent1"/>
+          </a:fillRef>
+          <a:effectRef idx="0">
+            <a:schemeClr val="accent1"/>
+          </a:effectRef>
+          <a:fontRef idx="minor">
+            <a:schemeClr val="tx1"/>
+          </a:fontRef>
+        </p:style>
+      </p:cxnSp>
+      <p:sp>
+        <p:nvSpPr>
+          <p:cNvPr id="151" name="TextBox 150">
+            <a:extLst>
+              <a:ext uri="{FF2B5EF4-FFF2-40B4-BE49-F238E27FC236}">
+                <a16:creationId xmlns:a16="http://schemas.microsoft.com/office/drawing/2014/main" id="{E4960335-8DF1-4896-9C9D-7EAD7C172754}"/>
+              </a:ext>
+            </a:extLst>
+          </p:cNvPr>
+          <p:cNvSpPr txBox="1"/>
+          <p:nvPr/>
+        </p:nvSpPr>
+        <p:spPr>
+          <a:xfrm>
+            <a:off x="6968627" y="3989132"/>
+            <a:ext cx="1725466" cy="307777"/>
+          </a:xfrm>
+          <a:prstGeom prst="rect">
+            <a:avLst/>
+          </a:prstGeom>
+          <a:noFill/>
+        </p:spPr>
+        <p:txBody>
+          <a:bodyPr wrap="square" rtlCol="0">
+            <a:spAutoFit/>
+          </a:bodyPr>
+          <a:lstStyle/>
+          <a:p>
+            <a:r>
+              <a:rPr lang="ko-KR" altLang="en-US" sz="1400" b="1" dirty="0"/>
+              <a:t>어울리는 옷 추천</a:t>
+            </a:r>
+            <a:endParaRPr lang="en-US" altLang="ko-KR" sz="1400" b="1" dirty="0"/>
+          </a:p>
+        </p:txBody>
+      </p:sp>
+      <p:sp>
+        <p:nvSpPr>
+          <p:cNvPr id="47" name="TextBox 46">
+            <a:extLst>
+              <a:ext uri="{FF2B5EF4-FFF2-40B4-BE49-F238E27FC236}">
+                <a16:creationId xmlns:a16="http://schemas.microsoft.com/office/drawing/2014/main" id="{E98E34CD-FEB3-4D91-84D7-1E6BAF912221}"/>
+              </a:ext>
+            </a:extLst>
+          </p:cNvPr>
+          <p:cNvSpPr txBox="1"/>
+          <p:nvPr/>
+        </p:nvSpPr>
+        <p:spPr>
+          <a:xfrm>
+            <a:off x="6968627" y="3642998"/>
+            <a:ext cx="2052634" cy="307777"/>
+          </a:xfrm>
+          <a:prstGeom prst="rect">
+            <a:avLst/>
+          </a:prstGeom>
+          <a:noFill/>
+        </p:spPr>
+        <p:txBody>
+          <a:bodyPr wrap="square" rtlCol="0">
+            <a:spAutoFit/>
+          </a:bodyPr>
+          <a:lstStyle/>
+          <a:p>
+            <a:r>
+              <a:rPr lang="ko-KR" altLang="en-US" sz="1400" b="1" dirty="0"/>
+              <a:t>현재 코디 유행도 평가</a:t>
+            </a:r>
+          </a:p>
+        </p:txBody>
+      </p:sp>
+      <p:grpSp>
+        <p:nvGrpSpPr>
+          <p:cNvPr id="48" name="그룹 47">
+            <a:extLst>
+              <a:ext uri="{FF2B5EF4-FFF2-40B4-BE49-F238E27FC236}">
+                <a16:creationId xmlns:a16="http://schemas.microsoft.com/office/drawing/2014/main" id="{4C763837-EEE3-4FF1-A0E8-F6A1B092D585}"/>
+              </a:ext>
+            </a:extLst>
+          </p:cNvPr>
+          <p:cNvGrpSpPr/>
+          <p:nvPr/>
+        </p:nvGrpSpPr>
+        <p:grpSpPr>
+          <a:xfrm>
+            <a:off x="938517" y="4591883"/>
+            <a:ext cx="1602803" cy="1086701"/>
+            <a:chOff x="6096000" y="3943358"/>
+            <a:chExt cx="1548214" cy="1123058"/>
+          </a:xfrm>
+        </p:grpSpPr>
+        <p:sp>
+          <p:nvSpPr>
+            <p:cNvPr id="49" name="TextBox 48">
+              <a:extLst>
+                <a:ext uri="{FF2B5EF4-FFF2-40B4-BE49-F238E27FC236}">
+                  <a16:creationId xmlns:a16="http://schemas.microsoft.com/office/drawing/2014/main" id="{5D0D154A-D71F-480A-8E82-41656C8EDA0C}"/>
+                </a:ext>
+              </a:extLst>
+            </p:cNvPr>
+            <p:cNvSpPr txBox="1"/>
+            <p:nvPr/>
+          </p:nvSpPr>
+          <p:spPr>
+            <a:xfrm>
+              <a:off x="6380859" y="4334068"/>
+              <a:ext cx="1126302" cy="381688"/>
+            </a:xfrm>
+            <a:prstGeom prst="rect">
+              <a:avLst/>
+            </a:prstGeom>
+            <a:noFill/>
+          </p:spPr>
+          <p:txBody>
+            <a:bodyPr wrap="square" rtlCol="0">
+              <a:spAutoFit/>
+            </a:bodyPr>
+            <a:lstStyle/>
+            <a:p>
+              <a:r>
+                <a:rPr lang="en-US" altLang="ko-KR" dirty="0"/>
+                <a:t>Arduino</a:t>
+              </a:r>
+              <a:endParaRPr lang="ko-KR" altLang="en-US" dirty="0"/>
+            </a:p>
+          </p:txBody>
+        </p:sp>
+        <p:sp>
+          <p:nvSpPr>
+            <p:cNvPr id="50" name="직사각형 49">
+              <a:extLst>
+                <a:ext uri="{FF2B5EF4-FFF2-40B4-BE49-F238E27FC236}">
+                  <a16:creationId xmlns:a16="http://schemas.microsoft.com/office/drawing/2014/main" id="{09570136-DC5F-47B5-9688-83DCA8E09340}"/>
+                </a:ext>
+              </a:extLst>
+            </p:cNvPr>
+            <p:cNvSpPr/>
+            <p:nvPr/>
+          </p:nvSpPr>
+          <p:spPr>
+            <a:xfrm>
+              <a:off x="6096000" y="3943358"/>
+              <a:ext cx="1548214" cy="1123058"/>
+            </a:xfrm>
+            <a:prstGeom prst="rect">
+              <a:avLst/>
+            </a:prstGeom>
+            <a:noFill/>
+            <a:ln>
+              <a:solidFill>
+                <a:schemeClr val="tx1"/>
+              </a:solidFill>
+            </a:ln>
+          </p:spPr>
+          <p:style>
+            <a:lnRef idx="2">
+              <a:schemeClr val="accent1">
+                <a:shade val="50000"/>
+              </a:schemeClr>
+            </a:lnRef>
+            <a:fillRef idx="1">
+              <a:schemeClr val="accent1"/>
+            </a:fillRef>
+            <a:effectRef idx="0">
+              <a:schemeClr val="accent1"/>
+            </a:effectRef>
+            <a:fontRef idx="minor">
+              <a:schemeClr val="lt1"/>
+            </a:fontRef>
+          </p:style>
+          <p:txBody>
+            <a:bodyPr rtlCol="0" anchor="ctr"/>
+            <a:lstStyle/>
+            <a:p>
+              <a:pPr algn="ctr"/>
+              <a:endParaRPr lang="ko-KR" altLang="en-US"/>
+            </a:p>
+          </p:txBody>
+        </p:sp>
+      </p:grpSp>
+      <p:sp>
+        <p:nvSpPr>
+          <p:cNvPr id="51" name="타원 50">
+            <a:extLst>
+              <a:ext uri="{FF2B5EF4-FFF2-40B4-BE49-F238E27FC236}">
+                <a16:creationId xmlns:a16="http://schemas.microsoft.com/office/drawing/2014/main" id="{C28603F8-1854-400C-8F82-67FA639D35AB}"/>
+              </a:ext>
+            </a:extLst>
+          </p:cNvPr>
+          <p:cNvSpPr/>
+          <p:nvPr/>
+        </p:nvSpPr>
+        <p:spPr>
+          <a:xfrm>
+            <a:off x="145930" y="6196811"/>
+            <a:ext cx="1554271" cy="458332"/>
+          </a:xfrm>
+          <a:prstGeom prst="ellipse">
+            <a:avLst/>
+          </a:prstGeom>
+          <a:solidFill>
+            <a:schemeClr val="bg1"/>
+          </a:solidFill>
+          <a:ln>
+            <a:solidFill>
+              <a:schemeClr val="tx1"/>
+            </a:solidFill>
+          </a:ln>
+        </p:spPr>
+        <p:style>
+          <a:lnRef idx="2">
+            <a:schemeClr val="accent1">
+              <a:shade val="50000"/>
+            </a:schemeClr>
+          </a:lnRef>
+          <a:fillRef idx="1">
+            <a:schemeClr val="accent1"/>
+          </a:fillRef>
+          <a:effectRef idx="0">
+            <a:schemeClr val="accent1"/>
+          </a:effectRef>
+          <a:fontRef idx="minor">
+            <a:schemeClr val="lt1"/>
+          </a:fontRef>
+        </p:style>
+        <p:txBody>
+          <a:bodyPr rtlCol="0" anchor="ctr"/>
+          <a:lstStyle/>
+          <a:p>
+            <a:pPr algn="ctr"/>
+            <a:r>
+              <a:rPr lang="en-US" altLang="ko-KR" sz="1200" dirty="0">
+                <a:solidFill>
+                  <a:schemeClr val="tx1"/>
+                </a:solidFill>
+              </a:rPr>
+              <a:t>Temperature</a:t>
+            </a:r>
+            <a:endParaRPr lang="ko-KR" altLang="en-US" sz="1200" dirty="0">
+              <a:solidFill>
+                <a:schemeClr val="tx1"/>
+              </a:solidFill>
+            </a:endParaRPr>
+          </a:p>
+        </p:txBody>
+      </p:sp>
+      <p:cxnSp>
+        <p:nvCxnSpPr>
+          <p:cNvPr id="52" name="직선 연결선 51">
+            <a:extLst>
+              <a:ext uri="{FF2B5EF4-FFF2-40B4-BE49-F238E27FC236}">
+                <a16:creationId xmlns:a16="http://schemas.microsoft.com/office/drawing/2014/main" id="{98223051-4E35-4B19-B9E7-0FA3C407CFCB}"/>
+              </a:ext>
+            </a:extLst>
+          </p:cNvPr>
+          <p:cNvCxnSpPr>
+            <a:cxnSpLocks/>
+            <a:stCxn id="51" idx="0"/>
+            <a:endCxn id="50" idx="2"/>
+          </p:cNvCxnSpPr>
+          <p:nvPr/>
+        </p:nvCxnSpPr>
+        <p:spPr>
+          <a:xfrm flipV="1">
+            <a:off x="923066" y="5678584"/>
+            <a:ext cx="816853" cy="518227"/>
+          </a:xfrm>
+          <a:prstGeom prst="line">
+            <a:avLst/>
+          </a:prstGeom>
+        </p:spPr>
+        <p:style>
+          <a:lnRef idx="1">
+            <a:schemeClr val="dk1"/>
+          </a:lnRef>
+          <a:fillRef idx="0">
+            <a:schemeClr val="dk1"/>
+          </a:fillRef>
+          <a:effectRef idx="0">
+            <a:schemeClr val="dk1"/>
+          </a:effectRef>
+          <a:fontRef idx="minor">
+            <a:schemeClr val="tx1"/>
+          </a:fontRef>
+        </p:style>
+      </p:cxnSp>
+      <p:grpSp>
+        <p:nvGrpSpPr>
+          <p:cNvPr id="53" name="그룹 52">
+            <a:extLst>
+              <a:ext uri="{FF2B5EF4-FFF2-40B4-BE49-F238E27FC236}">
+                <a16:creationId xmlns:a16="http://schemas.microsoft.com/office/drawing/2014/main" id="{94C2D119-EEFF-4046-8B03-FCEC22E996F5}"/>
+              </a:ext>
+            </a:extLst>
+          </p:cNvPr>
+          <p:cNvGrpSpPr/>
+          <p:nvPr/>
+        </p:nvGrpSpPr>
+        <p:grpSpPr>
+          <a:xfrm>
+            <a:off x="926813" y="2869034"/>
+            <a:ext cx="1626211" cy="1086700"/>
+            <a:chOff x="7018669" y="3956873"/>
+            <a:chExt cx="1570825" cy="1123058"/>
+          </a:xfrm>
+        </p:grpSpPr>
+        <p:sp>
+          <p:nvSpPr>
+            <p:cNvPr id="54" name="TextBox 53">
+              <a:extLst>
+                <a:ext uri="{FF2B5EF4-FFF2-40B4-BE49-F238E27FC236}">
+                  <a16:creationId xmlns:a16="http://schemas.microsoft.com/office/drawing/2014/main" id="{B07E6C18-47CB-4DE6-AE90-A8F69D175097}"/>
+                </a:ext>
+              </a:extLst>
+            </p:cNvPr>
+            <p:cNvSpPr txBox="1"/>
+            <p:nvPr/>
+          </p:nvSpPr>
+          <p:spPr>
+            <a:xfrm>
+              <a:off x="7041280" y="4333736"/>
+              <a:ext cx="1548214" cy="369332"/>
+            </a:xfrm>
+            <a:prstGeom prst="rect">
+              <a:avLst/>
+            </a:prstGeom>
+            <a:noFill/>
+          </p:spPr>
+          <p:txBody>
+            <a:bodyPr wrap="square" rtlCol="0">
+              <a:spAutoFit/>
+            </a:bodyPr>
+            <a:lstStyle/>
+            <a:p>
+              <a:r>
+                <a:rPr lang="en-US" altLang="ko-KR" dirty="0"/>
+                <a:t>Raspberry Pi</a:t>
+              </a:r>
+              <a:endParaRPr lang="ko-KR" altLang="en-US" dirty="0"/>
+            </a:p>
+          </p:txBody>
+        </p:sp>
+        <p:sp>
+          <p:nvSpPr>
+            <p:cNvPr id="55" name="직사각형 54">
+              <a:extLst>
+                <a:ext uri="{FF2B5EF4-FFF2-40B4-BE49-F238E27FC236}">
+                  <a16:creationId xmlns:a16="http://schemas.microsoft.com/office/drawing/2014/main" id="{9931D198-381D-46CE-B23E-5BD9EFE69524}"/>
+                </a:ext>
+              </a:extLst>
+            </p:cNvPr>
+            <p:cNvSpPr/>
+            <p:nvPr/>
+          </p:nvSpPr>
+          <p:spPr>
+            <a:xfrm>
+              <a:off x="7018669" y="3956873"/>
+              <a:ext cx="1548214" cy="1123058"/>
+            </a:xfrm>
+            <a:prstGeom prst="rect">
+              <a:avLst/>
+            </a:prstGeom>
+            <a:noFill/>
+            <a:ln>
+              <a:solidFill>
+                <a:schemeClr val="tx1"/>
+              </a:solidFill>
+            </a:ln>
+          </p:spPr>
+          <p:style>
+            <a:lnRef idx="2">
+              <a:schemeClr val="accent1">
+                <a:shade val="50000"/>
+              </a:schemeClr>
+            </a:lnRef>
+            <a:fillRef idx="1">
+              <a:schemeClr val="accent1"/>
+            </a:fillRef>
+            <a:effectRef idx="0">
+              <a:schemeClr val="accent1"/>
+            </a:effectRef>
+            <a:fontRef idx="minor">
+              <a:schemeClr val="lt1"/>
+            </a:fontRef>
+          </p:style>
+          <p:txBody>
+            <a:bodyPr rtlCol="0" anchor="ctr"/>
+            <a:lstStyle/>
+            <a:p>
+              <a:pPr algn="ctr"/>
+              <a:endParaRPr lang="ko-KR" altLang="en-US"/>
+            </a:p>
+          </p:txBody>
+        </p:sp>
+      </p:grpSp>
+      <p:sp>
+        <p:nvSpPr>
+          <p:cNvPr id="56" name="TextBox 55">
+            <a:extLst>
+              <a:ext uri="{FF2B5EF4-FFF2-40B4-BE49-F238E27FC236}">
+                <a16:creationId xmlns:a16="http://schemas.microsoft.com/office/drawing/2014/main" id="{3AE90A72-D659-4AC9-8D8B-EED21604ACD0}"/>
+              </a:ext>
+            </a:extLst>
+          </p:cNvPr>
+          <p:cNvSpPr txBox="1"/>
+          <p:nvPr/>
+        </p:nvSpPr>
+        <p:spPr>
+          <a:xfrm>
+            <a:off x="3082017" y="4342487"/>
+            <a:ext cx="1684185" cy="738664"/>
+          </a:xfrm>
+          <a:prstGeom prst="rect">
+            <a:avLst/>
+          </a:prstGeom>
+          <a:noFill/>
+        </p:spPr>
+        <p:txBody>
+          <a:bodyPr wrap="square" rtlCol="0">
+            <a:spAutoFit/>
+          </a:bodyPr>
+          <a:lstStyle/>
+          <a:p>
+            <a:r>
+              <a:rPr lang="en-US" altLang="ko-KR" sz="1400" dirty="0"/>
+              <a:t>Image Data</a:t>
+            </a:r>
+            <a:br>
+              <a:rPr lang="en-US" altLang="ko-KR" sz="1400" dirty="0"/>
+            </a:br>
+            <a:r>
+              <a:rPr lang="en-US" altLang="ko-KR" sz="1400" dirty="0"/>
+              <a:t>Temperature</a:t>
+            </a:r>
+            <a:r>
+              <a:rPr lang="ko-KR" altLang="en-US" sz="1400" dirty="0"/>
+              <a:t> </a:t>
+            </a:r>
+            <a:r>
+              <a:rPr lang="en-US" altLang="ko-KR" sz="1400" dirty="0"/>
+              <a:t>Data</a:t>
+            </a:r>
+            <a:br>
+              <a:rPr lang="en-US" altLang="ko-KR" sz="1400" dirty="0"/>
+            </a:br>
+            <a:r>
+              <a:rPr lang="en-US" altLang="ko-KR" sz="1400" dirty="0"/>
+              <a:t>Humidity Data</a:t>
+            </a:r>
+            <a:endParaRPr lang="ko-KR" altLang="en-US" sz="1400" dirty="0"/>
+          </a:p>
+        </p:txBody>
+      </p:sp>
+      <p:sp>
+        <p:nvSpPr>
+          <p:cNvPr id="57" name="TextBox 56">
+            <a:extLst>
+              <a:ext uri="{FF2B5EF4-FFF2-40B4-BE49-F238E27FC236}">
+                <a16:creationId xmlns:a16="http://schemas.microsoft.com/office/drawing/2014/main" id="{F316CC0D-CD03-4A37-B79E-95B83389B6D0}"/>
+              </a:ext>
+            </a:extLst>
+          </p:cNvPr>
+          <p:cNvSpPr txBox="1"/>
+          <p:nvPr/>
+        </p:nvSpPr>
+        <p:spPr>
+          <a:xfrm>
+            <a:off x="1888660" y="4119920"/>
+            <a:ext cx="1152652" cy="307777"/>
+          </a:xfrm>
+          <a:prstGeom prst="rect">
+            <a:avLst/>
+          </a:prstGeom>
+          <a:noFill/>
+        </p:spPr>
+        <p:txBody>
+          <a:bodyPr wrap="square" rtlCol="0">
+            <a:spAutoFit/>
+          </a:bodyPr>
+          <a:lstStyle/>
+          <a:p>
+            <a:r>
+              <a:rPr lang="en-US" altLang="ko-KR" sz="1400" dirty="0"/>
+              <a:t>MQTT</a:t>
+            </a:r>
+          </a:p>
+        </p:txBody>
+      </p:sp>
+      <p:sp>
+        <p:nvSpPr>
+          <p:cNvPr id="58" name="타원 57">
+            <a:extLst>
+              <a:ext uri="{FF2B5EF4-FFF2-40B4-BE49-F238E27FC236}">
+                <a16:creationId xmlns:a16="http://schemas.microsoft.com/office/drawing/2014/main" id="{9FCE1CD9-1B78-4B69-9693-D5DAF03FC422}"/>
+              </a:ext>
+            </a:extLst>
+          </p:cNvPr>
+          <p:cNvSpPr/>
+          <p:nvPr/>
+        </p:nvSpPr>
+        <p:spPr>
+          <a:xfrm>
+            <a:off x="1876457" y="6196811"/>
+            <a:ext cx="1409161" cy="458332"/>
+          </a:xfrm>
+          <a:prstGeom prst="ellipse">
+            <a:avLst/>
+          </a:prstGeom>
+          <a:solidFill>
+            <a:schemeClr val="bg1"/>
+          </a:solidFill>
+          <a:ln>
+            <a:solidFill>
+              <a:schemeClr val="tx1"/>
+            </a:solidFill>
+          </a:ln>
+        </p:spPr>
+        <p:style>
+          <a:lnRef idx="2">
+            <a:schemeClr val="accent1">
+              <a:shade val="50000"/>
+            </a:schemeClr>
+          </a:lnRef>
+          <a:fillRef idx="1">
+            <a:schemeClr val="accent1"/>
+          </a:fillRef>
+          <a:effectRef idx="0">
+            <a:schemeClr val="accent1"/>
+          </a:effectRef>
+          <a:fontRef idx="minor">
+            <a:schemeClr val="lt1"/>
+          </a:fontRef>
+        </p:style>
+        <p:txBody>
+          <a:bodyPr rtlCol="0" anchor="ctr"/>
+          <a:lstStyle/>
+          <a:p>
+            <a:pPr algn="ctr"/>
+            <a:r>
+              <a:rPr lang="en-US" altLang="ko-KR" sz="1200" dirty="0">
+                <a:solidFill>
+                  <a:schemeClr val="tx1"/>
+                </a:solidFill>
+              </a:rPr>
+              <a:t>Humidity</a:t>
+            </a:r>
+            <a:endParaRPr lang="ko-KR" altLang="en-US" sz="1200" dirty="0">
+              <a:solidFill>
+                <a:schemeClr val="tx1"/>
+              </a:solidFill>
+            </a:endParaRPr>
+          </a:p>
+        </p:txBody>
+      </p:sp>
+      <p:cxnSp>
+        <p:nvCxnSpPr>
+          <p:cNvPr id="59" name="직선 연결선 58">
+            <a:extLst>
+              <a:ext uri="{FF2B5EF4-FFF2-40B4-BE49-F238E27FC236}">
+                <a16:creationId xmlns:a16="http://schemas.microsoft.com/office/drawing/2014/main" id="{D64A06CD-D722-4151-9503-8F4777E15B3D}"/>
+              </a:ext>
+            </a:extLst>
+          </p:cNvPr>
+          <p:cNvCxnSpPr>
+            <a:cxnSpLocks/>
+            <a:stCxn id="50" idx="2"/>
+            <a:endCxn id="58" idx="0"/>
+          </p:cNvCxnSpPr>
+          <p:nvPr/>
+        </p:nvCxnSpPr>
+        <p:spPr>
+          <a:xfrm>
+            <a:off x="1739919" y="5678584"/>
+            <a:ext cx="841119" cy="518227"/>
+          </a:xfrm>
+          <a:prstGeom prst="line">
+            <a:avLst/>
+          </a:prstGeom>
+        </p:spPr>
+        <p:style>
+          <a:lnRef idx="1">
+            <a:schemeClr val="dk1"/>
+          </a:lnRef>
+          <a:fillRef idx="0">
+            <a:schemeClr val="dk1"/>
+          </a:fillRef>
+          <a:effectRef idx="0">
+            <a:schemeClr val="dk1"/>
+          </a:effectRef>
+          <a:fontRef idx="minor">
+            <a:schemeClr val="tx1"/>
+          </a:fontRef>
+        </p:style>
+      </p:cxnSp>
+      <p:cxnSp>
+        <p:nvCxnSpPr>
+          <p:cNvPr id="60" name="직선 화살표 연결선 59">
+            <a:extLst>
+              <a:ext uri="{FF2B5EF4-FFF2-40B4-BE49-F238E27FC236}">
+                <a16:creationId xmlns:a16="http://schemas.microsoft.com/office/drawing/2014/main" id="{264BEE9C-D20F-4194-B5AD-E9365124E79D}"/>
+              </a:ext>
+            </a:extLst>
+          </p:cNvPr>
+          <p:cNvCxnSpPr>
+            <a:cxnSpLocks/>
+          </p:cNvCxnSpPr>
+          <p:nvPr/>
+        </p:nvCxnSpPr>
+        <p:spPr>
+          <a:xfrm>
+            <a:off x="2968788" y="3446973"/>
+            <a:ext cx="2363205" cy="1522971"/>
+          </a:xfrm>
+          <a:prstGeom prst="straightConnector1">
+            <a:avLst/>
+          </a:prstGeom>
+          <a:ln w="57150">
+            <a:solidFill>
+              <a:schemeClr val="tx1"/>
+            </a:solidFill>
+            <a:tailEnd type="triangle"/>
+          </a:ln>
+        </p:spPr>
+        <p:style>
+          <a:lnRef idx="1">
+            <a:schemeClr val="accent1"/>
+          </a:lnRef>
+          <a:fillRef idx="0">
+            <a:schemeClr val="accent1"/>
+          </a:fillRef>
+          <a:effectRef idx="0">
+            <a:schemeClr val="accent1"/>
+          </a:effectRef>
+          <a:fontRef idx="minor">
+            <a:schemeClr val="tx1"/>
+          </a:fontRef>
+        </p:style>
+      </p:cxnSp>
+      <p:cxnSp>
+        <p:nvCxnSpPr>
+          <p:cNvPr id="61" name="직선 화살표 연결선 60">
+            <a:extLst>
+              <a:ext uri="{FF2B5EF4-FFF2-40B4-BE49-F238E27FC236}">
+                <a16:creationId xmlns:a16="http://schemas.microsoft.com/office/drawing/2014/main" id="{9CD9F8BF-EE8E-4AEC-B5FF-C490B506EACC}"/>
+              </a:ext>
+            </a:extLst>
+          </p:cNvPr>
+          <p:cNvCxnSpPr>
+            <a:cxnSpLocks/>
+            <a:stCxn id="50" idx="0"/>
+            <a:endCxn id="55" idx="2"/>
+          </p:cNvCxnSpPr>
+          <p:nvPr/>
+        </p:nvCxnSpPr>
+        <p:spPr>
+          <a:xfrm flipH="1" flipV="1">
+            <a:off x="1728215" y="3955734"/>
+            <a:ext cx="11704" cy="636149"/>
+          </a:xfrm>
+          <a:prstGeom prst="straightConnector1">
+            <a:avLst/>
+          </a:prstGeom>
+          <a:ln w="57150">
+            <a:solidFill>
+              <a:schemeClr val="tx1"/>
+            </a:solidFill>
+            <a:tailEnd type="triangle"/>
+          </a:ln>
+        </p:spPr>
+        <p:style>
+          <a:lnRef idx="1">
+            <a:schemeClr val="accent1"/>
+          </a:lnRef>
+          <a:fillRef idx="0">
+            <a:schemeClr val="accent1"/>
+          </a:fillRef>
+          <a:effectRef idx="0">
+            <a:schemeClr val="accent1"/>
+          </a:effectRef>
+          <a:fontRef idx="minor">
+            <a:schemeClr val="tx1"/>
+          </a:fontRef>
+        </p:style>
+      </p:cxnSp>
+      <p:sp>
+        <p:nvSpPr>
+          <p:cNvPr id="71" name="타원 70">
+            <a:extLst>
+              <a:ext uri="{FF2B5EF4-FFF2-40B4-BE49-F238E27FC236}">
+                <a16:creationId xmlns:a16="http://schemas.microsoft.com/office/drawing/2014/main" id="{FA853CE5-CB29-4F45-B534-53FC74362614}"/>
+              </a:ext>
+            </a:extLst>
+          </p:cNvPr>
+          <p:cNvSpPr/>
+          <p:nvPr/>
+        </p:nvSpPr>
+        <p:spPr>
+          <a:xfrm>
+            <a:off x="1093785" y="2141171"/>
+            <a:ext cx="1264131" cy="328819"/>
+          </a:xfrm>
+          <a:prstGeom prst="ellipse">
+            <a:avLst/>
+          </a:prstGeom>
+          <a:solidFill>
+            <a:schemeClr val="bg1"/>
+          </a:solidFill>
+          <a:ln>
+            <a:solidFill>
+              <a:schemeClr val="tx1"/>
+            </a:solidFill>
+          </a:ln>
+        </p:spPr>
+        <p:style>
+          <a:lnRef idx="2">
+            <a:schemeClr val="accent1">
+              <a:shade val="50000"/>
+            </a:schemeClr>
+          </a:lnRef>
+          <a:fillRef idx="1">
+            <a:schemeClr val="accent1"/>
+          </a:fillRef>
+          <a:effectRef idx="0">
+            <a:schemeClr val="accent1"/>
+          </a:effectRef>
+          <a:fontRef idx="minor">
+            <a:schemeClr val="lt1"/>
+          </a:fontRef>
+        </p:style>
+        <p:txBody>
+          <a:bodyPr rtlCol="0" anchor="ctr"/>
+          <a:lstStyle/>
+          <a:p>
+            <a:pPr algn="ctr"/>
+            <a:r>
+              <a:rPr lang="en-US" altLang="ko-KR" sz="1200" dirty="0">
+                <a:solidFill>
+                  <a:schemeClr val="tx1"/>
+                </a:solidFill>
+              </a:rPr>
+              <a:t>USB CAM</a:t>
+            </a:r>
+            <a:endParaRPr lang="ko-KR" altLang="en-US" sz="1200" dirty="0">
+              <a:solidFill>
+                <a:schemeClr val="tx1"/>
+              </a:solidFill>
+            </a:endParaRPr>
+          </a:p>
+        </p:txBody>
+      </p:sp>
+      <p:cxnSp>
+        <p:nvCxnSpPr>
+          <p:cNvPr id="85" name="직선 연결선 84">
+            <a:extLst>
+              <a:ext uri="{FF2B5EF4-FFF2-40B4-BE49-F238E27FC236}">
+                <a16:creationId xmlns:a16="http://schemas.microsoft.com/office/drawing/2014/main" id="{5E53E913-709A-43EA-ACA9-602278AE2F73}"/>
+              </a:ext>
+            </a:extLst>
+          </p:cNvPr>
+          <p:cNvCxnSpPr>
+            <a:cxnSpLocks/>
+            <a:endCxn id="71" idx="4"/>
+          </p:cNvCxnSpPr>
+          <p:nvPr/>
+        </p:nvCxnSpPr>
+        <p:spPr>
+          <a:xfrm flipV="1">
+            <a:off x="1714279" y="2469990"/>
+            <a:ext cx="11572" cy="394530"/>
+          </a:xfrm>
+          <a:prstGeom prst="line">
+            <a:avLst/>
+          </a:prstGeom>
+        </p:spPr>
+        <p:style>
+          <a:lnRef idx="1">
+            <a:schemeClr val="dk1"/>
+          </a:lnRef>
+          <a:fillRef idx="0">
+            <a:schemeClr val="dk1"/>
+          </a:fillRef>
+          <a:effectRef idx="0">
+            <a:schemeClr val="dk1"/>
+          </a:effectRef>
+          <a:fontRef idx="minor">
+            <a:schemeClr val="tx1"/>
+          </a:fontRef>
+        </p:style>
+      </p:cxnSp>
+      <p:sp>
+        <p:nvSpPr>
+          <p:cNvPr id="87" name="TextBox 86">
+            <a:extLst>
+              <a:ext uri="{FF2B5EF4-FFF2-40B4-BE49-F238E27FC236}">
+                <a16:creationId xmlns:a16="http://schemas.microsoft.com/office/drawing/2014/main" id="{DA04B71A-5531-4A1B-995D-4A7501348A5E}"/>
+              </a:ext>
+            </a:extLst>
+          </p:cNvPr>
+          <p:cNvSpPr txBox="1"/>
+          <p:nvPr/>
+        </p:nvSpPr>
+        <p:spPr>
+          <a:xfrm>
+            <a:off x="624529" y="1790851"/>
+            <a:ext cx="2661087" cy="307777"/>
+          </a:xfrm>
+          <a:prstGeom prst="rect">
+            <a:avLst/>
+          </a:prstGeom>
+          <a:noFill/>
+        </p:spPr>
+        <p:txBody>
+          <a:bodyPr wrap="square" rtlCol="0">
+            <a:spAutoFit/>
+          </a:bodyPr>
+          <a:lstStyle/>
+          <a:p>
+            <a:r>
+              <a:rPr lang="ko-KR" altLang="en-US" sz="1400" dirty="0"/>
+              <a:t>나의 옷 정보</a:t>
+            </a:r>
+            <a:r>
+              <a:rPr lang="en-US" altLang="ko-KR" sz="1400" dirty="0"/>
+              <a:t>, </a:t>
+            </a:r>
+            <a:r>
+              <a:rPr lang="ko-KR" altLang="en-US" sz="1400" dirty="0"/>
+              <a:t>실시간 이미지</a:t>
+            </a:r>
+            <a:endParaRPr lang="en-US" altLang="ko-KR" sz="1400" dirty="0"/>
+          </a:p>
+        </p:txBody>
+      </p:sp>
+      <p:cxnSp>
+        <p:nvCxnSpPr>
+          <p:cNvPr id="91" name="직선 화살표 연결선 90">
+            <a:extLst>
+              <a:ext uri="{FF2B5EF4-FFF2-40B4-BE49-F238E27FC236}">
+                <a16:creationId xmlns:a16="http://schemas.microsoft.com/office/drawing/2014/main" id="{7AA2A296-6002-419B-B9BC-23087C106701}"/>
+              </a:ext>
+            </a:extLst>
+          </p:cNvPr>
+          <p:cNvCxnSpPr>
+            <a:cxnSpLocks/>
+          </p:cNvCxnSpPr>
+          <p:nvPr/>
+        </p:nvCxnSpPr>
+        <p:spPr>
+          <a:xfrm flipV="1">
+            <a:off x="6034904" y="3933757"/>
+            <a:ext cx="0" cy="817459"/>
+          </a:xfrm>
+          <a:prstGeom prst="straightConnector1">
+            <a:avLst/>
+          </a:prstGeom>
+          <a:ln w="57150">
+            <a:solidFill>
+              <a:schemeClr val="tx1"/>
+            </a:solidFill>
+            <a:tailEnd type="triangle"/>
+          </a:ln>
+        </p:spPr>
+        <p:style>
+          <a:lnRef idx="1">
+            <a:schemeClr val="accent1"/>
+          </a:lnRef>
+          <a:fillRef idx="0">
+            <a:schemeClr val="accent1"/>
+          </a:fillRef>
+          <a:effectRef idx="0">
+            <a:schemeClr val="accent1"/>
+          </a:effectRef>
+          <a:fontRef idx="minor">
+            <a:schemeClr val="tx1"/>
+          </a:fontRef>
+        </p:style>
+      </p:cxnSp>
+      <p:cxnSp>
+        <p:nvCxnSpPr>
+          <p:cNvPr id="92" name="직선 화살표 연결선 91">
+            <a:extLst>
+              <a:ext uri="{FF2B5EF4-FFF2-40B4-BE49-F238E27FC236}">
+                <a16:creationId xmlns:a16="http://schemas.microsoft.com/office/drawing/2014/main" id="{18353951-EA75-48B9-AAC5-1467F991FDFF}"/>
+              </a:ext>
+            </a:extLst>
+          </p:cNvPr>
+          <p:cNvCxnSpPr>
+            <a:cxnSpLocks/>
+          </p:cNvCxnSpPr>
+          <p:nvPr/>
+        </p:nvCxnSpPr>
+        <p:spPr>
+          <a:xfrm>
+            <a:off x="6737816" y="5395045"/>
+            <a:ext cx="2467321" cy="0"/>
+          </a:xfrm>
+          <a:prstGeom prst="straightConnector1">
+            <a:avLst/>
+          </a:prstGeom>
+          <a:ln w="57150">
+            <a:solidFill>
+              <a:schemeClr val="tx1"/>
+            </a:solidFill>
+            <a:tailEnd type="triangle"/>
+          </a:ln>
+        </p:spPr>
+        <p:style>
+          <a:lnRef idx="1">
+            <a:schemeClr val="accent1"/>
+          </a:lnRef>
+          <a:fillRef idx="0">
+            <a:schemeClr val="accent1"/>
+          </a:fillRef>
+          <a:effectRef idx="0">
+            <a:schemeClr val="accent1"/>
+          </a:effectRef>
+          <a:fontRef idx="minor">
+            <a:schemeClr val="tx1"/>
+          </a:fontRef>
+        </p:style>
+      </p:cxnSp>
+      <p:sp>
+        <p:nvSpPr>
+          <p:cNvPr id="93" name="TextBox 92">
+            <a:extLst>
+              <a:ext uri="{FF2B5EF4-FFF2-40B4-BE49-F238E27FC236}">
+                <a16:creationId xmlns:a16="http://schemas.microsoft.com/office/drawing/2014/main" id="{A97D3C42-3FD8-42A7-B36C-23D7CCB97E2F}"/>
+              </a:ext>
+            </a:extLst>
+          </p:cNvPr>
+          <p:cNvSpPr txBox="1"/>
+          <p:nvPr/>
+        </p:nvSpPr>
+        <p:spPr>
+          <a:xfrm>
+            <a:off x="7152851" y="5566673"/>
+            <a:ext cx="1684185" cy="307777"/>
+          </a:xfrm>
+          <a:prstGeom prst="rect">
+            <a:avLst/>
+          </a:prstGeom>
+          <a:noFill/>
+        </p:spPr>
+        <p:txBody>
+          <a:bodyPr wrap="square" rtlCol="0">
+            <a:spAutoFit/>
+          </a:bodyPr>
+          <a:lstStyle/>
+          <a:p>
+            <a:r>
+              <a:rPr lang="ko-KR" altLang="en-US" sz="1400" b="1" spc="-150" dirty="0">
+                <a:latin typeface="+mj-ea"/>
+              </a:rPr>
+              <a:t>온 </a:t>
+            </a:r>
+            <a:r>
+              <a:rPr lang="en-US" altLang="ko-KR" sz="1400" b="1" spc="-150" dirty="0">
+                <a:latin typeface="+mj-ea"/>
+              </a:rPr>
+              <a:t>· </a:t>
+            </a:r>
+            <a:r>
+              <a:rPr lang="ko-KR" altLang="en-US" sz="1400" b="1" spc="-150" dirty="0">
+                <a:latin typeface="+mj-ea"/>
+              </a:rPr>
+              <a:t>습도 경고 알림</a:t>
+            </a:r>
+          </a:p>
+        </p:txBody>
+      </p:sp>
+      <p:sp>
+        <p:nvSpPr>
+          <p:cNvPr id="94" name="TextBox 93">
+            <a:extLst>
+              <a:ext uri="{FF2B5EF4-FFF2-40B4-BE49-F238E27FC236}">
+                <a16:creationId xmlns:a16="http://schemas.microsoft.com/office/drawing/2014/main" id="{1C7379E8-DF9D-4AA3-BB7F-339F0703BE54}"/>
+              </a:ext>
+            </a:extLst>
+          </p:cNvPr>
+          <p:cNvSpPr txBox="1"/>
+          <p:nvPr/>
+        </p:nvSpPr>
+        <p:spPr>
+          <a:xfrm>
+            <a:off x="4949023" y="4176971"/>
+            <a:ext cx="1684185" cy="307777"/>
+          </a:xfrm>
+          <a:prstGeom prst="rect">
+            <a:avLst/>
+          </a:prstGeom>
+          <a:noFill/>
+        </p:spPr>
+        <p:txBody>
+          <a:bodyPr wrap="square" rtlCol="0">
+            <a:spAutoFit/>
+          </a:bodyPr>
+          <a:lstStyle/>
+          <a:p>
+            <a:r>
+              <a:rPr lang="en-US" altLang="ko-KR" sz="1400" dirty="0"/>
+              <a:t>Image Data</a:t>
+            </a:r>
+            <a:endParaRPr lang="ko-KR" altLang="en-US" sz="1400" dirty="0"/>
+          </a:p>
+        </p:txBody>
+      </p:sp>
+      <p:cxnSp>
+        <p:nvCxnSpPr>
+          <p:cNvPr id="95" name="직선 화살표 연결선 94">
+            <a:extLst>
+              <a:ext uri="{FF2B5EF4-FFF2-40B4-BE49-F238E27FC236}">
+                <a16:creationId xmlns:a16="http://schemas.microsoft.com/office/drawing/2014/main" id="{0B384BA4-B62F-439A-B319-34A9F7967869}"/>
+              </a:ext>
+            </a:extLst>
+          </p:cNvPr>
+          <p:cNvCxnSpPr>
+            <a:cxnSpLocks/>
+          </p:cNvCxnSpPr>
+          <p:nvPr/>
+        </p:nvCxnSpPr>
+        <p:spPr>
+          <a:xfrm>
+            <a:off x="3014697" y="3218985"/>
+            <a:ext cx="2249976" cy="0"/>
+          </a:xfrm>
+          <a:prstGeom prst="straightConnector1">
+            <a:avLst/>
+          </a:prstGeom>
+          <a:ln w="57150">
+            <a:solidFill>
+              <a:schemeClr val="tx1"/>
+            </a:solidFill>
+            <a:tailEnd type="triangle"/>
+          </a:ln>
+        </p:spPr>
+        <p:style>
+          <a:lnRef idx="1">
+            <a:schemeClr val="accent1"/>
+          </a:lnRef>
+          <a:fillRef idx="0">
+            <a:schemeClr val="accent1"/>
+          </a:fillRef>
+          <a:effectRef idx="0">
+            <a:schemeClr val="accent1"/>
+          </a:effectRef>
+          <a:fontRef idx="minor">
+            <a:schemeClr val="tx1"/>
+          </a:fontRef>
+        </p:style>
+      </p:cxnSp>
+      <p:sp>
+        <p:nvSpPr>
+          <p:cNvPr id="96" name="TextBox 95">
+            <a:extLst>
+              <a:ext uri="{FF2B5EF4-FFF2-40B4-BE49-F238E27FC236}">
+                <a16:creationId xmlns:a16="http://schemas.microsoft.com/office/drawing/2014/main" id="{0149AD90-CFAC-49D1-9539-B0034663AFEE}"/>
+              </a:ext>
+            </a:extLst>
+          </p:cNvPr>
+          <p:cNvSpPr txBox="1"/>
+          <p:nvPr/>
+        </p:nvSpPr>
+        <p:spPr>
+          <a:xfrm>
+            <a:off x="3294396" y="2766610"/>
+            <a:ext cx="1684185" cy="307777"/>
+          </a:xfrm>
+          <a:prstGeom prst="rect">
+            <a:avLst/>
+          </a:prstGeom>
+          <a:noFill/>
+        </p:spPr>
+        <p:txBody>
+          <a:bodyPr wrap="square" rtlCol="0">
+            <a:spAutoFit/>
+          </a:bodyPr>
+          <a:lstStyle/>
+          <a:p>
+            <a:r>
+              <a:rPr lang="ko-KR" altLang="en-US" sz="1400" b="1" spc="-150" dirty="0">
+                <a:latin typeface="+mj-ea"/>
+              </a:rPr>
+              <a:t>기존 옷 데이터 저장</a:t>
+            </a:r>
+          </a:p>
+        </p:txBody>
+      </p:sp>
+      <p:grpSp>
+        <p:nvGrpSpPr>
+          <p:cNvPr id="102" name="그룹 101">
+            <a:extLst>
+              <a:ext uri="{FF2B5EF4-FFF2-40B4-BE49-F238E27FC236}">
+                <a16:creationId xmlns:a16="http://schemas.microsoft.com/office/drawing/2014/main" id="{BA7A9BA2-74AC-45BD-A3A5-AF87D58A719D}"/>
+              </a:ext>
+            </a:extLst>
+          </p:cNvPr>
+          <p:cNvGrpSpPr/>
+          <p:nvPr/>
+        </p:nvGrpSpPr>
+        <p:grpSpPr>
+          <a:xfrm>
+            <a:off x="9345859" y="5121450"/>
+            <a:ext cx="1767595" cy="547188"/>
+            <a:chOff x="7018668" y="3956873"/>
+            <a:chExt cx="1707394" cy="1123058"/>
+          </a:xfrm>
+        </p:grpSpPr>
+        <p:sp>
+          <p:nvSpPr>
+            <p:cNvPr id="103" name="TextBox 102">
+              <a:extLst>
+                <a:ext uri="{FF2B5EF4-FFF2-40B4-BE49-F238E27FC236}">
+                  <a16:creationId xmlns:a16="http://schemas.microsoft.com/office/drawing/2014/main" id="{BFC2E892-E855-4DA3-9C91-837DA08D67FC}"/>
+                </a:ext>
+              </a:extLst>
+            </p:cNvPr>
+            <p:cNvSpPr txBox="1"/>
+            <p:nvPr/>
+          </p:nvSpPr>
+          <p:spPr>
+            <a:xfrm>
+              <a:off x="7177849" y="4207453"/>
+              <a:ext cx="1548213" cy="381688"/>
+            </a:xfrm>
+            <a:prstGeom prst="rect">
+              <a:avLst/>
+            </a:prstGeom>
+            <a:noFill/>
+          </p:spPr>
+          <p:txBody>
+            <a:bodyPr wrap="square" rtlCol="0">
+              <a:spAutoFit/>
+            </a:bodyPr>
+            <a:lstStyle/>
+            <a:p>
+              <a:r>
+                <a:rPr lang="en-US" altLang="ko-KR" dirty="0"/>
+                <a:t>AWS SNS</a:t>
+              </a:r>
+              <a:endParaRPr lang="ko-KR" altLang="en-US" dirty="0"/>
+            </a:p>
+          </p:txBody>
+        </p:sp>
+        <p:sp>
+          <p:nvSpPr>
+            <p:cNvPr id="104" name="직사각형 103">
+              <a:extLst>
+                <a:ext uri="{FF2B5EF4-FFF2-40B4-BE49-F238E27FC236}">
+                  <a16:creationId xmlns:a16="http://schemas.microsoft.com/office/drawing/2014/main" id="{71443DFD-842B-4E19-9625-595E63CE055A}"/>
+                </a:ext>
+              </a:extLst>
+            </p:cNvPr>
+            <p:cNvSpPr/>
+            <p:nvPr/>
+          </p:nvSpPr>
+          <p:spPr>
+            <a:xfrm>
+              <a:off x="7018668" y="3956873"/>
+              <a:ext cx="1548214" cy="1123058"/>
+            </a:xfrm>
+            <a:prstGeom prst="rect">
+              <a:avLst/>
+            </a:prstGeom>
+            <a:noFill/>
+            <a:ln>
+              <a:solidFill>
+                <a:schemeClr val="tx1"/>
+              </a:solidFill>
+            </a:ln>
+          </p:spPr>
+          <p:style>
+            <a:lnRef idx="2">
+              <a:schemeClr val="accent1">
+                <a:shade val="50000"/>
+              </a:schemeClr>
+            </a:lnRef>
+            <a:fillRef idx="1">
+              <a:schemeClr val="accent1"/>
+            </a:fillRef>
+            <a:effectRef idx="0">
+              <a:schemeClr val="accent1"/>
+            </a:effectRef>
+            <a:fontRef idx="minor">
+              <a:schemeClr val="lt1"/>
+            </a:fontRef>
+          </p:style>
+          <p:txBody>
+            <a:bodyPr rtlCol="0" anchor="ctr"/>
+            <a:lstStyle/>
+            <a:p>
+              <a:pPr algn="ctr"/>
+              <a:endParaRPr lang="ko-KR" altLang="en-US"/>
+            </a:p>
+          </p:txBody>
+        </p:sp>
+      </p:grpSp>
+      <p:sp>
+        <p:nvSpPr>
+          <p:cNvPr id="105" name="TextBox 104">
+            <a:extLst>
+              <a:ext uri="{FF2B5EF4-FFF2-40B4-BE49-F238E27FC236}">
+                <a16:creationId xmlns:a16="http://schemas.microsoft.com/office/drawing/2014/main" id="{06C02CD6-BD9A-423D-ABE3-6DB47B51685E}"/>
+              </a:ext>
+            </a:extLst>
+          </p:cNvPr>
+          <p:cNvSpPr txBox="1"/>
+          <p:nvPr/>
+        </p:nvSpPr>
+        <p:spPr>
+          <a:xfrm>
+            <a:off x="6342830" y="2057626"/>
+            <a:ext cx="1886543" cy="307777"/>
+          </a:xfrm>
+          <a:prstGeom prst="rect">
+            <a:avLst/>
+          </a:prstGeom>
+          <a:noFill/>
+        </p:spPr>
+        <p:txBody>
+          <a:bodyPr wrap="square" rtlCol="0">
+            <a:spAutoFit/>
+          </a:bodyPr>
+          <a:lstStyle/>
+          <a:p>
+            <a:r>
+              <a:rPr lang="ko-KR" altLang="en-US" sz="1400" dirty="0"/>
+              <a:t>카테고리</a:t>
+            </a:r>
+            <a:r>
+              <a:rPr lang="en-US" altLang="ko-KR" sz="1400" dirty="0"/>
+              <a:t>, </a:t>
+            </a:r>
+            <a:r>
+              <a:rPr lang="ko-KR" altLang="en-US" sz="1400" dirty="0"/>
+              <a:t>색상 분석</a:t>
+            </a:r>
+            <a:endParaRPr lang="en-US" altLang="ko-KR" sz="1400" dirty="0"/>
+          </a:p>
+        </p:txBody>
+      </p:sp>
+      <p:cxnSp>
+        <p:nvCxnSpPr>
+          <p:cNvPr id="106" name="직선 화살표 연결선 105">
+            <a:extLst>
+              <a:ext uri="{FF2B5EF4-FFF2-40B4-BE49-F238E27FC236}">
+                <a16:creationId xmlns:a16="http://schemas.microsoft.com/office/drawing/2014/main" id="{10508BD1-D6DE-443C-896C-514EF5A8F6D8}"/>
+              </a:ext>
+            </a:extLst>
+          </p:cNvPr>
+          <p:cNvCxnSpPr>
+            <a:cxnSpLocks/>
+          </p:cNvCxnSpPr>
+          <p:nvPr/>
+        </p:nvCxnSpPr>
+        <p:spPr>
+          <a:xfrm flipV="1">
+            <a:off x="6176821" y="1790851"/>
+            <a:ext cx="0" cy="817459"/>
+          </a:xfrm>
+          <a:prstGeom prst="straightConnector1">
+            <a:avLst/>
+          </a:prstGeom>
+          <a:ln w="57150">
+            <a:solidFill>
+              <a:schemeClr val="tx1"/>
+            </a:solidFill>
+            <a:tailEnd type="triangle"/>
+          </a:ln>
+        </p:spPr>
+        <p:style>
+          <a:lnRef idx="1">
+            <a:schemeClr val="accent1"/>
+          </a:lnRef>
+          <a:fillRef idx="0">
+            <a:schemeClr val="accent1"/>
+          </a:fillRef>
+          <a:effectRef idx="0">
+            <a:schemeClr val="accent1"/>
+          </a:effectRef>
+          <a:fontRef idx="minor">
+            <a:schemeClr val="tx1"/>
+          </a:fontRef>
+        </p:style>
+      </p:cxnSp>
+      <p:cxnSp>
+        <p:nvCxnSpPr>
+          <p:cNvPr id="107" name="직선 화살표 연결선 106">
+            <a:extLst>
+              <a:ext uri="{FF2B5EF4-FFF2-40B4-BE49-F238E27FC236}">
+                <a16:creationId xmlns:a16="http://schemas.microsoft.com/office/drawing/2014/main" id="{3BB21240-7CE4-4AD8-B474-16B81F7BD455}"/>
+              </a:ext>
+            </a:extLst>
+          </p:cNvPr>
+          <p:cNvCxnSpPr>
+            <a:cxnSpLocks/>
+          </p:cNvCxnSpPr>
+          <p:nvPr/>
+        </p:nvCxnSpPr>
+        <p:spPr>
+          <a:xfrm>
+            <a:off x="5849171" y="1790851"/>
+            <a:ext cx="0" cy="837624"/>
+          </a:xfrm>
+          <a:prstGeom prst="straightConnector1">
+            <a:avLst/>
+          </a:prstGeom>
+          <a:ln w="57150">
+            <a:solidFill>
+              <a:schemeClr val="tx1"/>
+            </a:solidFill>
+            <a:tailEnd type="triangle"/>
+          </a:ln>
+        </p:spPr>
+        <p:style>
+          <a:lnRef idx="1">
+            <a:schemeClr val="accent1"/>
+          </a:lnRef>
+          <a:fillRef idx="0">
+            <a:schemeClr val="accent1"/>
+          </a:fillRef>
+          <a:effectRef idx="0">
+            <a:schemeClr val="accent1"/>
+          </a:effectRef>
+          <a:fontRef idx="minor">
+            <a:schemeClr val="tx1"/>
+          </a:fontRef>
+        </p:style>
+      </p:cxnSp>
+      <p:sp>
+        <p:nvSpPr>
+          <p:cNvPr id="114" name="TextBox 113">
+            <a:extLst>
+              <a:ext uri="{FF2B5EF4-FFF2-40B4-BE49-F238E27FC236}">
+                <a16:creationId xmlns:a16="http://schemas.microsoft.com/office/drawing/2014/main" id="{A896F1C6-469C-46C3-AF4A-15E706F298D0}"/>
+              </a:ext>
+            </a:extLst>
+          </p:cNvPr>
+          <p:cNvSpPr txBox="1"/>
+          <p:nvPr/>
+        </p:nvSpPr>
+        <p:spPr>
+          <a:xfrm>
+            <a:off x="2953214" y="1860921"/>
+            <a:ext cx="2901207" cy="523220"/>
+          </a:xfrm>
+          <a:prstGeom prst="rect">
+            <a:avLst/>
+          </a:prstGeom>
+          <a:noFill/>
+        </p:spPr>
+        <p:txBody>
+          <a:bodyPr wrap="square" rtlCol="0">
+            <a:spAutoFit/>
+          </a:bodyPr>
+          <a:lstStyle/>
+          <a:p>
+            <a:pPr algn="r"/>
+            <a:r>
+              <a:rPr lang="ko-KR" altLang="en-US" sz="1400" dirty="0"/>
+              <a:t>색상 조합 판단</a:t>
+            </a:r>
+            <a:br>
+              <a:rPr lang="en-US" altLang="ko-KR" sz="1400" dirty="0"/>
+            </a:br>
+            <a:r>
+              <a:rPr lang="ko-KR" altLang="en-US" sz="1400" dirty="0"/>
+              <a:t>올해의 색과 어울리는 조합 판단</a:t>
+            </a:r>
+            <a:endParaRPr lang="en-US" altLang="ko-KR" sz="1400" dirty="0"/>
+          </a:p>
+        </p:txBody>
+      </p:sp>
+    </p:spTree>
+    <p:extLst>
+      <p:ext uri="{BB962C8B-B14F-4D97-AF65-F5344CB8AC3E}">
+        <p14:creationId xmlns:p14="http://schemas.microsoft.com/office/powerpoint/2010/main" val="48057954"/>
       </p:ext>
     </p:extLst>
   </p:cSld>

--- a/IoT/시스템구성.pptx
+++ b/IoT/시스템구성.pptx
@@ -9,6 +9,7 @@
     <p:sldId id="366" r:id="rId3"/>
     <p:sldId id="363" r:id="rId4"/>
     <p:sldId id="367" r:id="rId5"/>
+    <p:sldId id="337" r:id="rId6"/>
   </p:sldIdLst>
   <p:sldSz cx="12192000" cy="6858000"/>
   <p:notesSz cx="6858000" cy="9144000"/>
@@ -262,7 +263,7 @@
           <a:p>
             <a:fld id="{03CF010E-055D-4825-8363-842FC08E1FFF}" type="datetimeFigureOut">
               <a:rPr lang="ko-KR" altLang="en-US" smtClean="0"/>
-              <a:t>2020-11-24</a:t>
+              <a:t>2020-11-25</a:t>
             </a:fld>
             <a:endParaRPr lang="ko-KR" altLang="en-US"/>
           </a:p>
@@ -460,7 +461,7 @@
           <a:p>
             <a:fld id="{03CF010E-055D-4825-8363-842FC08E1FFF}" type="datetimeFigureOut">
               <a:rPr lang="ko-KR" altLang="en-US" smtClean="0"/>
-              <a:t>2020-11-24</a:t>
+              <a:t>2020-11-25</a:t>
             </a:fld>
             <a:endParaRPr lang="ko-KR" altLang="en-US"/>
           </a:p>
@@ -668,7 +669,7 @@
           <a:p>
             <a:fld id="{03CF010E-055D-4825-8363-842FC08E1FFF}" type="datetimeFigureOut">
               <a:rPr lang="ko-KR" altLang="en-US" smtClean="0"/>
-              <a:t>2020-11-24</a:t>
+              <a:t>2020-11-25</a:t>
             </a:fld>
             <a:endParaRPr lang="ko-KR" altLang="en-US"/>
           </a:p>
@@ -866,7 +867,7 @@
           <a:p>
             <a:fld id="{03CF010E-055D-4825-8363-842FC08E1FFF}" type="datetimeFigureOut">
               <a:rPr lang="ko-KR" altLang="en-US" smtClean="0"/>
-              <a:t>2020-11-24</a:t>
+              <a:t>2020-11-25</a:t>
             </a:fld>
             <a:endParaRPr lang="ko-KR" altLang="en-US"/>
           </a:p>
@@ -1141,7 +1142,7 @@
           <a:p>
             <a:fld id="{03CF010E-055D-4825-8363-842FC08E1FFF}" type="datetimeFigureOut">
               <a:rPr lang="ko-KR" altLang="en-US" smtClean="0"/>
-              <a:t>2020-11-24</a:t>
+              <a:t>2020-11-25</a:t>
             </a:fld>
             <a:endParaRPr lang="ko-KR" altLang="en-US"/>
           </a:p>
@@ -1406,7 +1407,7 @@
           <a:p>
             <a:fld id="{03CF010E-055D-4825-8363-842FC08E1FFF}" type="datetimeFigureOut">
               <a:rPr lang="ko-KR" altLang="en-US" smtClean="0"/>
-              <a:t>2020-11-24</a:t>
+              <a:t>2020-11-25</a:t>
             </a:fld>
             <a:endParaRPr lang="ko-KR" altLang="en-US"/>
           </a:p>
@@ -1818,7 +1819,7 @@
           <a:p>
             <a:fld id="{03CF010E-055D-4825-8363-842FC08E1FFF}" type="datetimeFigureOut">
               <a:rPr lang="ko-KR" altLang="en-US" smtClean="0"/>
-              <a:t>2020-11-24</a:t>
+              <a:t>2020-11-25</a:t>
             </a:fld>
             <a:endParaRPr lang="ko-KR" altLang="en-US"/>
           </a:p>
@@ -1959,7 +1960,7 @@
           <a:p>
             <a:fld id="{03CF010E-055D-4825-8363-842FC08E1FFF}" type="datetimeFigureOut">
               <a:rPr lang="ko-KR" altLang="en-US" smtClean="0"/>
-              <a:t>2020-11-24</a:t>
+              <a:t>2020-11-25</a:t>
             </a:fld>
             <a:endParaRPr lang="ko-KR" altLang="en-US"/>
           </a:p>
@@ -2072,7 +2073,7 @@
           <a:p>
             <a:fld id="{03CF010E-055D-4825-8363-842FC08E1FFF}" type="datetimeFigureOut">
               <a:rPr lang="ko-KR" altLang="en-US" smtClean="0"/>
-              <a:t>2020-11-24</a:t>
+              <a:t>2020-11-25</a:t>
             </a:fld>
             <a:endParaRPr lang="ko-KR" altLang="en-US"/>
           </a:p>
@@ -2383,7 +2384,7 @@
           <a:p>
             <a:fld id="{03CF010E-055D-4825-8363-842FC08E1FFF}" type="datetimeFigureOut">
               <a:rPr lang="ko-KR" altLang="en-US" smtClean="0"/>
-              <a:t>2020-11-24</a:t>
+              <a:t>2020-11-25</a:t>
             </a:fld>
             <a:endParaRPr lang="ko-KR" altLang="en-US"/>
           </a:p>
@@ -2671,7 +2672,7 @@
           <a:p>
             <a:fld id="{03CF010E-055D-4825-8363-842FC08E1FFF}" type="datetimeFigureOut">
               <a:rPr lang="ko-KR" altLang="en-US" smtClean="0"/>
-              <a:t>2020-11-24</a:t>
+              <a:t>2020-11-25</a:t>
             </a:fld>
             <a:endParaRPr lang="ko-KR" altLang="en-US"/>
           </a:p>
@@ -2912,7 +2913,7 @@
           <a:p>
             <a:fld id="{03CF010E-055D-4825-8363-842FC08E1FFF}" type="datetimeFigureOut">
               <a:rPr lang="ko-KR" altLang="en-US" smtClean="0"/>
-              <a:t>2020-11-24</a:t>
+              <a:t>2020-11-25</a:t>
             </a:fld>
             <a:endParaRPr lang="ko-KR" altLang="en-US"/>
           </a:p>
@@ -10181,6 +10182,1000 @@
 </p:sld>
 </file>
 
+<file path=ppt/slides/slide5.xml><?xml version="1.0" encoding="utf-8"?>
+<p:sld xmlns:a="http://schemas.openxmlformats.org/drawingml/2006/main" xmlns:r="http://schemas.openxmlformats.org/officeDocument/2006/relationships" xmlns:p="http://schemas.openxmlformats.org/presentationml/2006/main">
+  <p:cSld>
+    <p:spTree>
+      <p:nvGrpSpPr>
+        <p:cNvPr id="1" name=""/>
+        <p:cNvGrpSpPr/>
+        <p:nvPr/>
+      </p:nvGrpSpPr>
+      <p:grpSpPr>
+        <a:xfrm>
+          <a:off x="0" y="0"/>
+          <a:ext cx="0" cy="0"/>
+          <a:chOff x="0" y="0"/>
+          <a:chExt cx="0" cy="0"/>
+        </a:xfrm>
+      </p:grpSpPr>
+      <p:sp>
+        <p:nvSpPr>
+          <p:cNvPr id="17" name="직사각형 16"/>
+          <p:cNvSpPr/>
+          <p:nvPr/>
+        </p:nvSpPr>
+        <p:spPr>
+          <a:xfrm>
+            <a:off x="0" y="321392"/>
+            <a:ext cx="104775" cy="790575"/>
+          </a:xfrm>
+          <a:prstGeom prst="rect">
+            <a:avLst/>
+          </a:prstGeom>
+          <a:solidFill>
+            <a:srgbClr val="C00000"/>
+          </a:solidFill>
+          <a:ln>
+            <a:noFill/>
+          </a:ln>
+        </p:spPr>
+        <p:style>
+          <a:lnRef idx="2">
+            <a:schemeClr val="accent1">
+              <a:shade val="50000"/>
+            </a:schemeClr>
+          </a:lnRef>
+          <a:fillRef idx="1">
+            <a:schemeClr val="accent1"/>
+          </a:fillRef>
+          <a:effectRef idx="0">
+            <a:schemeClr val="accent1"/>
+          </a:effectRef>
+          <a:fontRef idx="minor">
+            <a:schemeClr val="lt1"/>
+          </a:fontRef>
+        </p:style>
+        <p:txBody>
+          <a:bodyPr rtlCol="0" anchor="ctr"/>
+          <a:lstStyle/>
+          <a:p>
+            <a:pPr algn="ctr"/>
+            <a:endParaRPr lang="ko-KR" altLang="en-US"/>
+          </a:p>
+        </p:txBody>
+      </p:sp>
+      <p:sp>
+        <p:nvSpPr>
+          <p:cNvPr id="18" name="TextBox 17"/>
+          <p:cNvSpPr txBox="1"/>
+          <p:nvPr/>
+        </p:nvSpPr>
+        <p:spPr>
+          <a:xfrm>
+            <a:off x="193464" y="347347"/>
+            <a:ext cx="1954381" cy="369332"/>
+          </a:xfrm>
+          <a:prstGeom prst="rect">
+            <a:avLst/>
+          </a:prstGeom>
+          <a:noFill/>
+        </p:spPr>
+        <p:txBody>
+          <a:bodyPr wrap="none" rtlCol="0">
+            <a:spAutoFit/>
+          </a:bodyPr>
+          <a:lstStyle/>
+          <a:p>
+            <a:r>
+              <a:rPr lang="en-US" altLang="ko-KR" dirty="0">
+                <a:solidFill>
+                  <a:schemeClr val="bg2">
+                    <a:lumMod val="25000"/>
+                  </a:schemeClr>
+                </a:solidFill>
+              </a:rPr>
+              <a:t>01 </a:t>
+            </a:r>
+            <a:r>
+              <a:rPr lang="ko-KR" altLang="en-US" dirty="0">
+                <a:solidFill>
+                  <a:schemeClr val="bg2">
+                    <a:lumMod val="25000"/>
+                  </a:schemeClr>
+                </a:solidFill>
+              </a:rPr>
+              <a:t>프로젝트 배경</a:t>
+            </a:r>
+          </a:p>
+        </p:txBody>
+      </p:sp>
+      <p:grpSp>
+        <p:nvGrpSpPr>
+          <p:cNvPr id="30" name="그룹 29">
+            <a:extLst>
+              <a:ext uri="{FF2B5EF4-FFF2-40B4-BE49-F238E27FC236}">
+                <a16:creationId xmlns:a16="http://schemas.microsoft.com/office/drawing/2014/main" id="{1178B323-955F-4BD7-A98B-14D746C666B3}"/>
+              </a:ext>
+            </a:extLst>
+          </p:cNvPr>
+          <p:cNvGrpSpPr/>
+          <p:nvPr/>
+        </p:nvGrpSpPr>
+        <p:grpSpPr>
+          <a:xfrm>
+            <a:off x="11374568" y="0"/>
+            <a:ext cx="579033" cy="1227831"/>
+            <a:chOff x="11374568" y="0"/>
+            <a:chExt cx="579033" cy="1227831"/>
+          </a:xfrm>
+        </p:grpSpPr>
+        <p:grpSp>
+          <p:nvGrpSpPr>
+            <p:cNvPr id="31" name="그룹 30">
+              <a:extLst>
+                <a:ext uri="{FF2B5EF4-FFF2-40B4-BE49-F238E27FC236}">
+                  <a16:creationId xmlns:a16="http://schemas.microsoft.com/office/drawing/2014/main" id="{BDB376AD-E0AF-436F-925F-2EAF97C739AE}"/>
+                </a:ext>
+              </a:extLst>
+            </p:cNvPr>
+            <p:cNvGrpSpPr/>
+            <p:nvPr/>
+          </p:nvGrpSpPr>
+          <p:grpSpPr>
+            <a:xfrm flipH="1">
+              <a:off x="11374568" y="0"/>
+              <a:ext cx="579033" cy="1227831"/>
+              <a:chOff x="662180" y="-1"/>
+              <a:chExt cx="1884872" cy="4242180"/>
+            </a:xfrm>
+            <a:solidFill>
+              <a:srgbClr val="C00000"/>
+            </a:solidFill>
+          </p:grpSpPr>
+          <p:sp>
+            <p:nvSpPr>
+              <p:cNvPr id="33" name="오각형 35">
+                <a:extLst>
+                  <a:ext uri="{FF2B5EF4-FFF2-40B4-BE49-F238E27FC236}">
+                    <a16:creationId xmlns:a16="http://schemas.microsoft.com/office/drawing/2014/main" id="{28E44AAA-2654-4A08-9FE6-2EDFC2D2F55C}"/>
+                  </a:ext>
+                </a:extLst>
+              </p:cNvPr>
+              <p:cNvSpPr/>
+              <p:nvPr/>
+            </p:nvSpPr>
+            <p:spPr>
+              <a:xfrm rot="5400000">
+                <a:off x="-516474" y="1178653"/>
+                <a:ext cx="4242180" cy="1884872"/>
+              </a:xfrm>
+              <a:prstGeom prst="homePlate">
+                <a:avLst/>
+              </a:prstGeom>
+              <a:grpFill/>
+              <a:ln>
+                <a:noFill/>
+              </a:ln>
+            </p:spPr>
+            <p:style>
+              <a:lnRef idx="2">
+                <a:schemeClr val="accent1">
+                  <a:shade val="50000"/>
+                </a:schemeClr>
+              </a:lnRef>
+              <a:fillRef idx="1">
+                <a:schemeClr val="accent1"/>
+              </a:fillRef>
+              <a:effectRef idx="0">
+                <a:schemeClr val="accent1"/>
+              </a:effectRef>
+              <a:fontRef idx="minor">
+                <a:schemeClr val="lt1"/>
+              </a:fontRef>
+            </p:style>
+            <p:txBody>
+              <a:bodyPr rtlCol="0" anchor="ctr"/>
+              <a:lstStyle/>
+              <a:p>
+                <a:pPr algn="ctr"/>
+                <a:endParaRPr lang="ko-KR" altLang="en-US"/>
+              </a:p>
+            </p:txBody>
+          </p:sp>
+          <p:cxnSp>
+            <p:nvCxnSpPr>
+              <p:cNvPr id="53" name="직선 연결선 52">
+                <a:extLst>
+                  <a:ext uri="{FF2B5EF4-FFF2-40B4-BE49-F238E27FC236}">
+                    <a16:creationId xmlns:a16="http://schemas.microsoft.com/office/drawing/2014/main" id="{425E5655-DD33-4E08-91A3-9B87A89AAD66}"/>
+                  </a:ext>
+                </a:extLst>
+              </p:cNvPr>
+              <p:cNvCxnSpPr/>
+              <p:nvPr/>
+            </p:nvCxnSpPr>
+            <p:spPr>
+              <a:xfrm>
+                <a:off x="793708" y="3111827"/>
+                <a:ext cx="1661920" cy="0"/>
+              </a:xfrm>
+              <a:prstGeom prst="line">
+                <a:avLst/>
+              </a:prstGeom>
+              <a:grpFill/>
+              <a:ln>
+                <a:solidFill>
+                  <a:schemeClr val="bg1"/>
+                </a:solidFill>
+                <a:prstDash val="dash"/>
+              </a:ln>
+            </p:spPr>
+            <p:style>
+              <a:lnRef idx="1">
+                <a:schemeClr val="accent1"/>
+              </a:lnRef>
+              <a:fillRef idx="0">
+                <a:schemeClr val="accent1"/>
+              </a:fillRef>
+              <a:effectRef idx="0">
+                <a:schemeClr val="accent1"/>
+              </a:effectRef>
+              <a:fontRef idx="minor">
+                <a:schemeClr val="tx1"/>
+              </a:fontRef>
+            </p:style>
+          </p:cxnSp>
+          <p:cxnSp>
+            <p:nvCxnSpPr>
+              <p:cNvPr id="54" name="직선 연결선 53">
+                <a:extLst>
+                  <a:ext uri="{FF2B5EF4-FFF2-40B4-BE49-F238E27FC236}">
+                    <a16:creationId xmlns:a16="http://schemas.microsoft.com/office/drawing/2014/main" id="{5B2E8146-93D9-42A3-B456-5FDD51635B6F}"/>
+                  </a:ext>
+                </a:extLst>
+              </p:cNvPr>
+              <p:cNvCxnSpPr/>
+              <p:nvPr/>
+            </p:nvCxnSpPr>
+            <p:spPr>
+              <a:xfrm>
+                <a:off x="793708" y="710870"/>
+                <a:ext cx="1661920" cy="0"/>
+              </a:xfrm>
+              <a:prstGeom prst="line">
+                <a:avLst/>
+              </a:prstGeom>
+              <a:grpFill/>
+              <a:ln>
+                <a:solidFill>
+                  <a:schemeClr val="bg1"/>
+                </a:solidFill>
+                <a:prstDash val="dash"/>
+              </a:ln>
+            </p:spPr>
+            <p:style>
+              <a:lnRef idx="1">
+                <a:schemeClr val="accent1"/>
+              </a:lnRef>
+              <a:fillRef idx="0">
+                <a:schemeClr val="accent1"/>
+              </a:fillRef>
+              <a:effectRef idx="0">
+                <a:schemeClr val="accent1"/>
+              </a:effectRef>
+              <a:fontRef idx="minor">
+                <a:schemeClr val="tx1"/>
+              </a:fontRef>
+            </p:style>
+          </p:cxnSp>
+        </p:grpSp>
+        <p:pic>
+          <p:nvPicPr>
+            <p:cNvPr id="32" name="그림 31">
+              <a:extLst>
+                <a:ext uri="{FF2B5EF4-FFF2-40B4-BE49-F238E27FC236}">
+                  <a16:creationId xmlns:a16="http://schemas.microsoft.com/office/drawing/2014/main" id="{AA2A5D08-B410-4CF2-8957-D07E722C67EF}"/>
+                </a:ext>
+              </a:extLst>
+            </p:cNvPr>
+            <p:cNvPicPr>
+              <a:picLocks noChangeAspect="1"/>
+            </p:cNvPicPr>
+            <p:nvPr/>
+          </p:nvPicPr>
+          <p:blipFill>
+            <a:blip r:embed="rId2" cstate="print">
+              <a:biLevel thresh="25000"/>
+              <a:extLst>
+                <a:ext uri="{28A0092B-C50C-407E-A947-70E740481C1C}">
+                  <a14:useLocalDpi xmlns:a14="http://schemas.microsoft.com/office/drawing/2010/main" val="0"/>
+                </a:ext>
+              </a:extLst>
+            </a:blip>
+            <a:stretch>
+              <a:fillRect/>
+            </a:stretch>
+          </p:blipFill>
+          <p:spPr>
+            <a:xfrm>
+              <a:off x="11381285" y="283112"/>
+              <a:ext cx="553278" cy="540195"/>
+            </a:xfrm>
+            <a:prstGeom prst="rect">
+              <a:avLst/>
+            </a:prstGeom>
+          </p:spPr>
+        </p:pic>
+      </p:grpSp>
+      <p:sp>
+        <p:nvSpPr>
+          <p:cNvPr id="5" name="TextBox 4">
+            <a:extLst>
+              <a:ext uri="{FF2B5EF4-FFF2-40B4-BE49-F238E27FC236}">
+                <a16:creationId xmlns:a16="http://schemas.microsoft.com/office/drawing/2014/main" id="{65D7B605-B5B3-44B7-BA8D-00677B0015F0}"/>
+              </a:ext>
+            </a:extLst>
+          </p:cNvPr>
+          <p:cNvSpPr txBox="1"/>
+          <p:nvPr/>
+        </p:nvSpPr>
+        <p:spPr>
+          <a:xfrm>
+            <a:off x="193464" y="675148"/>
+            <a:ext cx="3357009" cy="461665"/>
+          </a:xfrm>
+          <a:prstGeom prst="rect">
+            <a:avLst/>
+          </a:prstGeom>
+          <a:noFill/>
+        </p:spPr>
+        <p:txBody>
+          <a:bodyPr wrap="none" rtlCol="0">
+            <a:spAutoFit/>
+          </a:bodyPr>
+          <a:lstStyle/>
+          <a:p>
+            <a:r>
+              <a:rPr lang="ko-KR" altLang="en-US" sz="2400" spc="-150" dirty="0">
+                <a:solidFill>
+                  <a:schemeClr val="bg2">
+                    <a:lumMod val="25000"/>
+                  </a:schemeClr>
+                </a:solidFill>
+                <a:latin typeface="+mj-ea"/>
+                <a:ea typeface="+mj-ea"/>
+              </a:rPr>
+              <a:t>프로젝트 구조</a:t>
+            </a:r>
+            <a:r>
+              <a:rPr lang="en-US" altLang="ko-KR" sz="2400" spc="-150" dirty="0">
+                <a:solidFill>
+                  <a:schemeClr val="bg2">
+                    <a:lumMod val="25000"/>
+                  </a:schemeClr>
+                </a:solidFill>
+                <a:latin typeface="+mj-ea"/>
+                <a:ea typeface="+mj-ea"/>
+              </a:rPr>
+              <a:t>-</a:t>
+            </a:r>
+            <a:r>
+              <a:rPr lang="ko-KR" altLang="en-US" sz="2400" spc="-150" dirty="0">
+                <a:solidFill>
+                  <a:schemeClr val="bg2">
+                    <a:lumMod val="25000"/>
+                  </a:schemeClr>
+                </a:solidFill>
+                <a:latin typeface="+mj-ea"/>
+                <a:ea typeface="+mj-ea"/>
+              </a:rPr>
+              <a:t>전체 구성</a:t>
+            </a:r>
+          </a:p>
+        </p:txBody>
+      </p:sp>
+      <p:pic>
+        <p:nvPicPr>
+          <p:cNvPr id="27" name="그림 26">
+            <a:extLst>
+              <a:ext uri="{FF2B5EF4-FFF2-40B4-BE49-F238E27FC236}">
+                <a16:creationId xmlns:a16="http://schemas.microsoft.com/office/drawing/2014/main" id="{D99F9628-967D-4BBD-B570-92F8FED19F34}"/>
+              </a:ext>
+            </a:extLst>
+          </p:cNvPr>
+          <p:cNvPicPr>
+            <a:picLocks noChangeAspect="1"/>
+          </p:cNvPicPr>
+          <p:nvPr/>
+        </p:nvPicPr>
+        <p:blipFill>
+          <a:blip r:embed="rId3" cstate="print">
+            <a:extLst>
+              <a:ext uri="{28A0092B-C50C-407E-A947-70E740481C1C}">
+                <a14:useLocalDpi xmlns:a14="http://schemas.microsoft.com/office/drawing/2010/main" val="0"/>
+              </a:ext>
+            </a:extLst>
+          </a:blip>
+          <a:stretch>
+            <a:fillRect/>
+          </a:stretch>
+        </p:blipFill>
+        <p:spPr>
+          <a:xfrm>
+            <a:off x="1587174" y="2739618"/>
+            <a:ext cx="1596662" cy="1276831"/>
+          </a:xfrm>
+          <a:prstGeom prst="rect">
+            <a:avLst/>
+          </a:prstGeom>
+        </p:spPr>
+      </p:pic>
+      <p:cxnSp>
+        <p:nvCxnSpPr>
+          <p:cNvPr id="29" name="직선 화살표 연결선 28">
+            <a:extLst>
+              <a:ext uri="{FF2B5EF4-FFF2-40B4-BE49-F238E27FC236}">
+                <a16:creationId xmlns:a16="http://schemas.microsoft.com/office/drawing/2014/main" id="{BC2606DA-88B3-4912-92D8-C2C81919C991}"/>
+              </a:ext>
+            </a:extLst>
+          </p:cNvPr>
+          <p:cNvCxnSpPr>
+            <a:cxnSpLocks/>
+          </p:cNvCxnSpPr>
+          <p:nvPr/>
+        </p:nvCxnSpPr>
+        <p:spPr>
+          <a:xfrm flipV="1">
+            <a:off x="2183781" y="4174410"/>
+            <a:ext cx="0" cy="995554"/>
+          </a:xfrm>
+          <a:prstGeom prst="straightConnector1">
+            <a:avLst/>
+          </a:prstGeom>
+          <a:ln w="57150">
+            <a:solidFill>
+              <a:schemeClr val="tx1"/>
+            </a:solidFill>
+            <a:tailEnd type="triangle"/>
+          </a:ln>
+        </p:spPr>
+        <p:style>
+          <a:lnRef idx="1">
+            <a:schemeClr val="accent1"/>
+          </a:lnRef>
+          <a:fillRef idx="0">
+            <a:schemeClr val="accent1"/>
+          </a:fillRef>
+          <a:effectRef idx="0">
+            <a:schemeClr val="accent1"/>
+          </a:effectRef>
+          <a:fontRef idx="minor">
+            <a:schemeClr val="tx1"/>
+          </a:fontRef>
+        </p:style>
+      </p:cxnSp>
+      <p:pic>
+        <p:nvPicPr>
+          <p:cNvPr id="64" name="그림 63">
+            <a:extLst>
+              <a:ext uri="{FF2B5EF4-FFF2-40B4-BE49-F238E27FC236}">
+                <a16:creationId xmlns:a16="http://schemas.microsoft.com/office/drawing/2014/main" id="{4688E8B0-677D-4F02-98EF-1A9B8A4C0CE4}"/>
+              </a:ext>
+            </a:extLst>
+          </p:cNvPr>
+          <p:cNvPicPr>
+            <a:picLocks noChangeAspect="1"/>
+          </p:cNvPicPr>
+          <p:nvPr/>
+        </p:nvPicPr>
+        <p:blipFill>
+          <a:blip r:embed="rId4" cstate="print">
+            <a:extLst>
+              <a:ext uri="{28A0092B-C50C-407E-A947-70E740481C1C}">
+                <a14:useLocalDpi xmlns:a14="http://schemas.microsoft.com/office/drawing/2010/main" val="0"/>
+              </a:ext>
+            </a:extLst>
+          </a:blip>
+          <a:stretch>
+            <a:fillRect/>
+          </a:stretch>
+        </p:blipFill>
+        <p:spPr>
+          <a:xfrm rot="5400000">
+            <a:off x="8868156" y="2309224"/>
+            <a:ext cx="2710129" cy="1800530"/>
+          </a:xfrm>
+          <a:prstGeom prst="rect">
+            <a:avLst/>
+          </a:prstGeom>
+        </p:spPr>
+      </p:pic>
+      <p:cxnSp>
+        <p:nvCxnSpPr>
+          <p:cNvPr id="40" name="직선 화살표 연결선 39">
+            <a:extLst>
+              <a:ext uri="{FF2B5EF4-FFF2-40B4-BE49-F238E27FC236}">
+                <a16:creationId xmlns:a16="http://schemas.microsoft.com/office/drawing/2014/main" id="{8C6CF20C-818C-4F8D-AC24-EBA79AFF25BD}"/>
+              </a:ext>
+            </a:extLst>
+          </p:cNvPr>
+          <p:cNvCxnSpPr>
+            <a:cxnSpLocks/>
+          </p:cNvCxnSpPr>
+          <p:nvPr/>
+        </p:nvCxnSpPr>
+        <p:spPr>
+          <a:xfrm flipH="1">
+            <a:off x="5060211" y="2659045"/>
+            <a:ext cx="1972597" cy="0"/>
+          </a:xfrm>
+          <a:prstGeom prst="straightConnector1">
+            <a:avLst/>
+          </a:prstGeom>
+          <a:ln w="57150">
+            <a:solidFill>
+              <a:schemeClr val="tx1"/>
+            </a:solidFill>
+            <a:tailEnd type="triangle"/>
+          </a:ln>
+        </p:spPr>
+        <p:style>
+          <a:lnRef idx="1">
+            <a:schemeClr val="accent1"/>
+          </a:lnRef>
+          <a:fillRef idx="0">
+            <a:schemeClr val="accent1"/>
+          </a:fillRef>
+          <a:effectRef idx="0">
+            <a:schemeClr val="accent1"/>
+          </a:effectRef>
+          <a:fontRef idx="minor">
+            <a:schemeClr val="tx1"/>
+          </a:fontRef>
+        </p:style>
+      </p:cxnSp>
+      <p:pic>
+        <p:nvPicPr>
+          <p:cNvPr id="42" name="그림 41">
+            <a:extLst>
+              <a:ext uri="{FF2B5EF4-FFF2-40B4-BE49-F238E27FC236}">
+                <a16:creationId xmlns:a16="http://schemas.microsoft.com/office/drawing/2014/main" id="{B3421FEB-973F-469B-97F9-45869DB672F6}"/>
+              </a:ext>
+            </a:extLst>
+          </p:cNvPr>
+          <p:cNvPicPr>
+            <a:picLocks noChangeAspect="1"/>
+          </p:cNvPicPr>
+          <p:nvPr/>
+        </p:nvPicPr>
+        <p:blipFill>
+          <a:blip r:embed="rId5" cstate="print">
+            <a:extLst>
+              <a:ext uri="{28A0092B-C50C-407E-A947-70E740481C1C}">
+                <a14:useLocalDpi xmlns:a14="http://schemas.microsoft.com/office/drawing/2010/main" val="0"/>
+              </a:ext>
+            </a:extLst>
+          </a:blip>
+          <a:stretch>
+            <a:fillRect/>
+          </a:stretch>
+        </p:blipFill>
+        <p:spPr>
+          <a:xfrm>
+            <a:off x="838934" y="2957341"/>
+            <a:ext cx="593773" cy="561277"/>
+          </a:xfrm>
+          <a:prstGeom prst="rect">
+            <a:avLst/>
+          </a:prstGeom>
+        </p:spPr>
+      </p:pic>
+      <p:cxnSp>
+        <p:nvCxnSpPr>
+          <p:cNvPr id="44" name="직선 화살표 연결선 43">
+            <a:extLst>
+              <a:ext uri="{FF2B5EF4-FFF2-40B4-BE49-F238E27FC236}">
+                <a16:creationId xmlns:a16="http://schemas.microsoft.com/office/drawing/2014/main" id="{CD1410C1-FF15-4953-8605-BE1D144CA4C5}"/>
+              </a:ext>
+            </a:extLst>
+          </p:cNvPr>
+          <p:cNvCxnSpPr>
+            <a:cxnSpLocks/>
+          </p:cNvCxnSpPr>
+          <p:nvPr/>
+        </p:nvCxnSpPr>
+        <p:spPr>
+          <a:xfrm>
+            <a:off x="5060211" y="2938061"/>
+            <a:ext cx="2106656" cy="0"/>
+          </a:xfrm>
+          <a:prstGeom prst="straightConnector1">
+            <a:avLst/>
+          </a:prstGeom>
+          <a:ln w="57150">
+            <a:solidFill>
+              <a:schemeClr val="tx1"/>
+            </a:solidFill>
+            <a:tailEnd type="triangle"/>
+          </a:ln>
+        </p:spPr>
+        <p:style>
+          <a:lnRef idx="1">
+            <a:schemeClr val="accent1"/>
+          </a:lnRef>
+          <a:fillRef idx="0">
+            <a:schemeClr val="accent1"/>
+          </a:fillRef>
+          <a:effectRef idx="0">
+            <a:schemeClr val="accent1"/>
+          </a:effectRef>
+          <a:fontRef idx="minor">
+            <a:schemeClr val="tx1"/>
+          </a:fontRef>
+        </p:style>
+      </p:cxnSp>
+      <p:pic>
+        <p:nvPicPr>
+          <p:cNvPr id="36" name="그림 35">
+            <a:extLst>
+              <a:ext uri="{FF2B5EF4-FFF2-40B4-BE49-F238E27FC236}">
+                <a16:creationId xmlns:a16="http://schemas.microsoft.com/office/drawing/2014/main" id="{C7683C3E-9953-4FC8-A919-093900DD58D9}"/>
+              </a:ext>
+            </a:extLst>
+          </p:cNvPr>
+          <p:cNvPicPr>
+            <a:picLocks noChangeAspect="1"/>
+          </p:cNvPicPr>
+          <p:nvPr/>
+        </p:nvPicPr>
+        <p:blipFill>
+          <a:blip r:embed="rId6" cstate="print">
+            <a:extLst>
+              <a:ext uri="{28A0092B-C50C-407E-A947-70E740481C1C}">
+                <a14:useLocalDpi xmlns:a14="http://schemas.microsoft.com/office/drawing/2010/main" val="0"/>
+              </a:ext>
+            </a:extLst>
+          </a:blip>
+          <a:stretch>
+            <a:fillRect/>
+          </a:stretch>
+        </p:blipFill>
+        <p:spPr>
+          <a:xfrm>
+            <a:off x="4766355" y="3591868"/>
+            <a:ext cx="1800532" cy="1080319"/>
+          </a:xfrm>
+          <a:prstGeom prst="rect">
+            <a:avLst/>
+          </a:prstGeom>
+        </p:spPr>
+      </p:pic>
+      <p:pic>
+        <p:nvPicPr>
+          <p:cNvPr id="37" name="Picture 2" descr="Kotlin logo, wordmark">
+            <a:extLst>
+              <a:ext uri="{FF2B5EF4-FFF2-40B4-BE49-F238E27FC236}">
+                <a16:creationId xmlns:a16="http://schemas.microsoft.com/office/drawing/2014/main" id="{6D1D4A2D-0698-49F6-BCCB-19C1D7BD1BD3}"/>
+              </a:ext>
+            </a:extLst>
+          </p:cNvPr>
+          <p:cNvPicPr>
+            <a:picLocks noChangeAspect="1" noChangeArrowheads="1"/>
+          </p:cNvPicPr>
+          <p:nvPr/>
+        </p:nvPicPr>
+        <p:blipFill>
+          <a:blip r:embed="rId7" cstate="print">
+            <a:extLst>
+              <a:ext uri="{28A0092B-C50C-407E-A947-70E740481C1C}">
+                <a14:useLocalDpi xmlns:a14="http://schemas.microsoft.com/office/drawing/2010/main" val="0"/>
+              </a:ext>
+            </a:extLst>
+          </a:blip>
+          <a:srcRect/>
+          <a:stretch>
+            <a:fillRect/>
+          </a:stretch>
+        </p:blipFill>
+        <p:spPr bwMode="auto">
+          <a:xfrm>
+            <a:off x="5075226" y="5224687"/>
+            <a:ext cx="2286921" cy="509657"/>
+          </a:xfrm>
+          <a:prstGeom prst="rect">
+            <a:avLst/>
+          </a:prstGeom>
+          <a:noFill/>
+          <a:extLst>
+            <a:ext uri="{909E8E84-426E-40DD-AFC4-6F175D3DCCD1}">
+              <a14:hiddenFill xmlns:a14="http://schemas.microsoft.com/office/drawing/2010/main">
+                <a:solidFill>
+                  <a:srgbClr val="FFFFFF"/>
+                </a:solidFill>
+              </a14:hiddenFill>
+            </a:ext>
+          </a:extLst>
+        </p:spPr>
+      </p:pic>
+      <p:pic>
+        <p:nvPicPr>
+          <p:cNvPr id="38" name="Picture 6" descr="Cover image for Best Visual Studio Code Extensions.">
+            <a:extLst>
+              <a:ext uri="{FF2B5EF4-FFF2-40B4-BE49-F238E27FC236}">
+                <a16:creationId xmlns:a16="http://schemas.microsoft.com/office/drawing/2014/main" id="{0D1C6C44-86B5-46B8-9842-54D35A975A62}"/>
+              </a:ext>
+            </a:extLst>
+          </p:cNvPr>
+          <p:cNvPicPr>
+            <a:picLocks noChangeAspect="1" noChangeArrowheads="1"/>
+          </p:cNvPicPr>
+          <p:nvPr/>
+        </p:nvPicPr>
+        <p:blipFill>
+          <a:blip r:embed="rId8" cstate="print">
+            <a:extLst>
+              <a:ext uri="{28A0092B-C50C-407E-A947-70E740481C1C}">
+                <a14:useLocalDpi xmlns:a14="http://schemas.microsoft.com/office/drawing/2010/main" val="0"/>
+              </a:ext>
+            </a:extLst>
+          </a:blip>
+          <a:srcRect/>
+          <a:stretch>
+            <a:fillRect/>
+          </a:stretch>
+        </p:blipFill>
+        <p:spPr bwMode="auto">
+          <a:xfrm>
+            <a:off x="1516079" y="1537850"/>
+            <a:ext cx="1641819" cy="689564"/>
+          </a:xfrm>
+          <a:prstGeom prst="rect">
+            <a:avLst/>
+          </a:prstGeom>
+          <a:noFill/>
+          <a:extLst>
+            <a:ext uri="{909E8E84-426E-40DD-AFC4-6F175D3DCCD1}">
+              <a14:hiddenFill xmlns:a14="http://schemas.microsoft.com/office/drawing/2010/main">
+                <a:solidFill>
+                  <a:srgbClr val="FFFFFF"/>
+                </a:solidFill>
+              </a14:hiddenFill>
+            </a:ext>
+          </a:extLst>
+        </p:spPr>
+      </p:pic>
+      <p:pic>
+        <p:nvPicPr>
+          <p:cNvPr id="39" name="그림 38" descr="그리기이(가) 표시된 사진&#10;&#10;자동 생성된 설명">
+            <a:extLst>
+              <a:ext uri="{FF2B5EF4-FFF2-40B4-BE49-F238E27FC236}">
+                <a16:creationId xmlns:a16="http://schemas.microsoft.com/office/drawing/2014/main" id="{583BD14F-DEE9-4BFE-B016-9B1A7B1519D1}"/>
+              </a:ext>
+            </a:extLst>
+          </p:cNvPr>
+          <p:cNvPicPr>
+            <a:picLocks noChangeAspect="1"/>
+          </p:cNvPicPr>
+          <p:nvPr/>
+        </p:nvPicPr>
+        <p:blipFill>
+          <a:blip r:embed="rId9">
+            <a:extLst>
+              <a:ext uri="{28A0092B-C50C-407E-A947-70E740481C1C}">
+                <a14:useLocalDpi xmlns:a14="http://schemas.microsoft.com/office/drawing/2010/main" val="0"/>
+              </a:ext>
+            </a:extLst>
+          </a:blip>
+          <a:stretch>
+            <a:fillRect/>
+          </a:stretch>
+        </p:blipFill>
+        <p:spPr>
+          <a:xfrm>
+            <a:off x="1727384" y="1945821"/>
+            <a:ext cx="1176739" cy="1024017"/>
+          </a:xfrm>
+          <a:prstGeom prst="rect">
+            <a:avLst/>
+          </a:prstGeom>
+        </p:spPr>
+      </p:pic>
+      <p:pic>
+        <p:nvPicPr>
+          <p:cNvPr id="46" name="그림 45">
+            <a:extLst>
+              <a:ext uri="{FF2B5EF4-FFF2-40B4-BE49-F238E27FC236}">
+                <a16:creationId xmlns:a16="http://schemas.microsoft.com/office/drawing/2014/main" id="{5133310B-3858-4CF5-8F36-7DC59E77249A}"/>
+              </a:ext>
+            </a:extLst>
+          </p:cNvPr>
+          <p:cNvPicPr>
+            <a:picLocks noChangeAspect="1"/>
+          </p:cNvPicPr>
+          <p:nvPr/>
+        </p:nvPicPr>
+        <p:blipFill>
+          <a:blip r:embed="rId10"/>
+          <a:stretch>
+            <a:fillRect/>
+          </a:stretch>
+        </p:blipFill>
+        <p:spPr>
+          <a:xfrm>
+            <a:off x="4328076" y="689408"/>
+            <a:ext cx="3781220" cy="1236168"/>
+          </a:xfrm>
+          <a:prstGeom prst="rect">
+            <a:avLst/>
+          </a:prstGeom>
+        </p:spPr>
+      </p:pic>
+      <p:sp>
+        <p:nvSpPr>
+          <p:cNvPr id="47" name="TextBox 46">
+            <a:extLst>
+              <a:ext uri="{FF2B5EF4-FFF2-40B4-BE49-F238E27FC236}">
+                <a16:creationId xmlns:a16="http://schemas.microsoft.com/office/drawing/2014/main" id="{FB71FA8D-B7E8-4154-91F5-E911D3B7B009}"/>
+              </a:ext>
+            </a:extLst>
+          </p:cNvPr>
+          <p:cNvSpPr txBox="1"/>
+          <p:nvPr/>
+        </p:nvSpPr>
+        <p:spPr>
+          <a:xfrm>
+            <a:off x="3303470" y="3161783"/>
+            <a:ext cx="1684185" cy="738664"/>
+          </a:xfrm>
+          <a:prstGeom prst="rect">
+            <a:avLst/>
+          </a:prstGeom>
+          <a:noFill/>
+        </p:spPr>
+        <p:txBody>
+          <a:bodyPr wrap="square" rtlCol="0">
+            <a:spAutoFit/>
+          </a:bodyPr>
+          <a:lstStyle/>
+          <a:p>
+            <a:r>
+              <a:rPr lang="en-US" altLang="ko-KR" sz="1400" dirty="0"/>
+              <a:t>Image Data</a:t>
+            </a:r>
+            <a:br>
+              <a:rPr lang="en-US" altLang="ko-KR" sz="1400" dirty="0"/>
+            </a:br>
+            <a:r>
+              <a:rPr lang="en-US" altLang="ko-KR" sz="1400" dirty="0"/>
+              <a:t>Temperature</a:t>
+            </a:r>
+            <a:r>
+              <a:rPr lang="ko-KR" altLang="en-US" sz="1400" dirty="0"/>
+              <a:t> </a:t>
+            </a:r>
+            <a:r>
+              <a:rPr lang="en-US" altLang="ko-KR" sz="1400" dirty="0"/>
+              <a:t>Data</a:t>
+            </a:r>
+            <a:br>
+              <a:rPr lang="en-US" altLang="ko-KR" sz="1400" dirty="0"/>
+            </a:br>
+            <a:r>
+              <a:rPr lang="en-US" altLang="ko-KR" sz="1400" dirty="0"/>
+              <a:t>Humidity Data</a:t>
+            </a:r>
+            <a:endParaRPr lang="ko-KR" altLang="en-US" sz="1400" dirty="0"/>
+          </a:p>
+        </p:txBody>
+      </p:sp>
+      <p:sp>
+        <p:nvSpPr>
+          <p:cNvPr id="48" name="TextBox 47">
+            <a:extLst>
+              <a:ext uri="{FF2B5EF4-FFF2-40B4-BE49-F238E27FC236}">
+                <a16:creationId xmlns:a16="http://schemas.microsoft.com/office/drawing/2014/main" id="{62EFC139-B75E-4684-9137-B19EF582B771}"/>
+              </a:ext>
+            </a:extLst>
+          </p:cNvPr>
+          <p:cNvSpPr txBox="1"/>
+          <p:nvPr/>
+        </p:nvSpPr>
+        <p:spPr>
+          <a:xfrm>
+            <a:off x="547402" y="3580386"/>
+            <a:ext cx="1684185" cy="307777"/>
+          </a:xfrm>
+          <a:prstGeom prst="rect">
+            <a:avLst/>
+          </a:prstGeom>
+          <a:noFill/>
+        </p:spPr>
+        <p:txBody>
+          <a:bodyPr wrap="square" rtlCol="0">
+            <a:spAutoFit/>
+          </a:bodyPr>
+          <a:lstStyle/>
+          <a:p>
+            <a:r>
+              <a:rPr lang="en-US" altLang="ko-KR" sz="1400" dirty="0"/>
+              <a:t>Image Data</a:t>
+            </a:r>
+            <a:endParaRPr lang="ko-KR" altLang="en-US" sz="1400" dirty="0"/>
+          </a:p>
+        </p:txBody>
+      </p:sp>
+      <p:sp>
+        <p:nvSpPr>
+          <p:cNvPr id="49" name="TextBox 48">
+            <a:extLst>
+              <a:ext uri="{FF2B5EF4-FFF2-40B4-BE49-F238E27FC236}">
+                <a16:creationId xmlns:a16="http://schemas.microsoft.com/office/drawing/2014/main" id="{7F9AF73D-3FD3-40D7-835E-B684065D36B7}"/>
+              </a:ext>
+            </a:extLst>
+          </p:cNvPr>
+          <p:cNvSpPr txBox="1"/>
+          <p:nvPr/>
+        </p:nvSpPr>
+        <p:spPr>
+          <a:xfrm>
+            <a:off x="2274175" y="4302855"/>
+            <a:ext cx="1684185" cy="738664"/>
+          </a:xfrm>
+          <a:prstGeom prst="rect">
+            <a:avLst/>
+          </a:prstGeom>
+          <a:noFill/>
+        </p:spPr>
+        <p:txBody>
+          <a:bodyPr wrap="square" rtlCol="0">
+            <a:spAutoFit/>
+          </a:bodyPr>
+          <a:lstStyle/>
+          <a:p>
+            <a:r>
+              <a:rPr lang="en-US" altLang="ko-KR" sz="1400" dirty="0"/>
+              <a:t>Image Data</a:t>
+            </a:r>
+            <a:br>
+              <a:rPr lang="en-US" altLang="ko-KR" sz="1400" dirty="0"/>
+            </a:br>
+            <a:r>
+              <a:rPr lang="en-US" altLang="ko-KR" sz="1400" dirty="0"/>
+              <a:t>Temperature</a:t>
+            </a:r>
+            <a:r>
+              <a:rPr lang="ko-KR" altLang="en-US" sz="1400" dirty="0"/>
+              <a:t> </a:t>
+            </a:r>
+            <a:r>
+              <a:rPr lang="en-US" altLang="ko-KR" sz="1400" dirty="0"/>
+              <a:t>Data</a:t>
+            </a:r>
+            <a:br>
+              <a:rPr lang="en-US" altLang="ko-KR" sz="1400" dirty="0"/>
+            </a:br>
+            <a:r>
+              <a:rPr lang="en-US" altLang="ko-KR" sz="1400" dirty="0"/>
+              <a:t>Humidity Data</a:t>
+            </a:r>
+            <a:endParaRPr lang="ko-KR" altLang="en-US" sz="1400" dirty="0"/>
+          </a:p>
+        </p:txBody>
+      </p:sp>
+    </p:spTree>
+    <p:extLst>
+      <p:ext uri="{BB962C8B-B14F-4D97-AF65-F5344CB8AC3E}">
+        <p14:creationId xmlns:p14="http://schemas.microsoft.com/office/powerpoint/2010/main" val="453836017"/>
+      </p:ext>
+    </p:extLst>
+  </p:cSld>
+  <p:clrMapOvr>
+    <a:masterClrMapping/>
+  </p:clrMapOvr>
+</p:sld>
+</file>
+
 <file path=ppt/theme/theme1.xml><?xml version="1.0" encoding="utf-8"?>
 <a:theme xmlns:a="http://schemas.openxmlformats.org/drawingml/2006/main" name="Office 테마">
   <a:themeElements>
